--- a/18. Nguyễn Thị Thanh Thư/CTTNham_NTTThu.pptx
+++ b/18. Nguyễn Thị Thanh Thư/CTTNham_NTTThu.pptx
@@ -4,6 +4,9 @@
   <p:sldMasterIdLst>
     <p:sldMasterId id="2147483648" r:id="rId1"/>
   </p:sldMasterIdLst>
+  <p:notesMasterIdLst>
+    <p:notesMasterId r:id="rId18"/>
+  </p:notesMasterIdLst>
   <p:sldIdLst>
     <p:sldId id="256" r:id="rId2"/>
     <p:sldId id="257" r:id="rId3"/>
@@ -19,30 +22,32 @@
     <p:sldId id="274" r:id="rId13"/>
     <p:sldId id="271" r:id="rId14"/>
     <p:sldId id="272" r:id="rId15"/>
+    <p:sldId id="276" r:id="rId16"/>
+    <p:sldId id="277" r:id="rId17"/>
   </p:sldIdLst>
   <p:sldSz cx="18288000" cy="10287000"/>
   <p:notesSz cx="6858000" cy="9144000"/>
   <p:embeddedFontLst>
     <p:embeddedFont>
       <p:font typeface="Calibri" panose="020F0502020204030204" pitchFamily="34" charset="0"/>
-      <p:regular r:id="rId16"/>
-      <p:bold r:id="rId17"/>
-      <p:italic r:id="rId18"/>
-      <p:boldItalic r:id="rId19"/>
+      <p:regular r:id="rId19"/>
+      <p:bold r:id="rId20"/>
+      <p:italic r:id="rId21"/>
+      <p:boldItalic r:id="rId22"/>
     </p:embeddedFont>
     <p:embeddedFont>
       <p:font typeface="Noto Sans Bold" panose="020B0802040504020204" pitchFamily="34" charset="0"/>
-      <p:regular r:id="rId20"/>
-      <p:bold r:id="rId21"/>
+      <p:regular r:id="rId23"/>
+      <p:bold r:id="rId24"/>
     </p:embeddedFont>
     <p:embeddedFont>
       <p:font typeface="TT Norms" panose="02000503030000020003" pitchFamily="2" charset="0"/>
-      <p:regular r:id="rId22"/>
+      <p:regular r:id="rId25"/>
     </p:embeddedFont>
     <p:embeddedFont>
       <p:font typeface="TT Norms Bold" panose="02000803030000020004" pitchFamily="2" charset="0"/>
-      <p:regular r:id="rId23"/>
-      <p:bold r:id="rId24"/>
+      <p:regular r:id="rId26"/>
+      <p:bold r:id="rId27"/>
     </p:embeddedFont>
   </p:embeddedFontLst>
   <p:defaultTextStyle>
@@ -159,6 +164,1642 @@
 </p:presentation>
 </file>
 
+<file path=ppt/notesMasters/notesMaster1.xml><?xml version="1.0" encoding="utf-8"?>
+<p:notesMaster xmlns:a="http://schemas.openxmlformats.org/drawingml/2006/main" xmlns:r="http://schemas.openxmlformats.org/officeDocument/2006/relationships" xmlns:p="http://schemas.openxmlformats.org/presentationml/2006/main">
+  <p:cSld>
+    <p:bg>
+      <p:bgRef idx="1001">
+        <a:schemeClr val="bg1"/>
+      </p:bgRef>
+    </p:bg>
+    <p:spTree>
+      <p:nvGrpSpPr>
+        <p:cNvPr id="1" name=""/>
+        <p:cNvGrpSpPr/>
+        <p:nvPr/>
+      </p:nvGrpSpPr>
+      <p:grpSpPr>
+        <a:xfrm>
+          <a:off x="0" y="0"/>
+          <a:ext cx="0" cy="0"/>
+          <a:chOff x="0" y="0"/>
+          <a:chExt cx="0" cy="0"/>
+        </a:xfrm>
+      </p:grpSpPr>
+      <p:sp>
+        <p:nvSpPr>
+          <p:cNvPr id="2" name="Header Placeholder 1"/>
+          <p:cNvSpPr>
+            <a:spLocks noGrp="1"/>
+          </p:cNvSpPr>
+          <p:nvPr>
+            <p:ph type="hdr" sz="quarter"/>
+          </p:nvPr>
+        </p:nvSpPr>
+        <p:spPr>
+          <a:xfrm>
+            <a:off x="0" y="0"/>
+            <a:ext cx="2971800" cy="458788"/>
+          </a:xfrm>
+          <a:prstGeom prst="rect">
+            <a:avLst/>
+          </a:prstGeom>
+        </p:spPr>
+        <p:txBody>
+          <a:bodyPr vert="horz" lIns="91440" tIns="45720" rIns="91440" bIns="45720" rtlCol="0"/>
+          <a:lstStyle>
+            <a:lvl1pPr algn="l">
+              <a:defRPr sz="1200"/>
+            </a:lvl1pPr>
+          </a:lstStyle>
+          <a:p>
+            <a:endParaRPr lang="vi-VN"/>
+          </a:p>
+        </p:txBody>
+      </p:sp>
+      <p:sp>
+        <p:nvSpPr>
+          <p:cNvPr id="3" name="Date Placeholder 2"/>
+          <p:cNvSpPr>
+            <a:spLocks noGrp="1"/>
+          </p:cNvSpPr>
+          <p:nvPr>
+            <p:ph type="dt" idx="1"/>
+          </p:nvPr>
+        </p:nvSpPr>
+        <p:spPr>
+          <a:xfrm>
+            <a:off x="3884613" y="0"/>
+            <a:ext cx="2971800" cy="458788"/>
+          </a:xfrm>
+          <a:prstGeom prst="rect">
+            <a:avLst/>
+          </a:prstGeom>
+        </p:spPr>
+        <p:txBody>
+          <a:bodyPr vert="horz" lIns="91440" tIns="45720" rIns="91440" bIns="45720" rtlCol="0"/>
+          <a:lstStyle>
+            <a:lvl1pPr algn="r">
+              <a:defRPr sz="1200"/>
+            </a:lvl1pPr>
+          </a:lstStyle>
+          <a:p>
+            <a:fld id="{697E8B85-A5AD-474F-80CD-6EF429EA5C75}" type="datetimeFigureOut">
+              <a:rPr lang="vi-VN" smtClean="0"/>
+              <a:t>16/08/2022</a:t>
+            </a:fld>
+            <a:endParaRPr lang="vi-VN"/>
+          </a:p>
+        </p:txBody>
+      </p:sp>
+      <p:sp>
+        <p:nvSpPr>
+          <p:cNvPr id="4" name="Slide Image Placeholder 3"/>
+          <p:cNvSpPr>
+            <a:spLocks noGrp="1" noRot="1" noChangeAspect="1"/>
+          </p:cNvSpPr>
+          <p:nvPr>
+            <p:ph type="sldImg" idx="2"/>
+          </p:nvPr>
+        </p:nvSpPr>
+        <p:spPr>
+          <a:xfrm>
+            <a:off x="685800" y="1143000"/>
+            <a:ext cx="5486400" cy="3086100"/>
+          </a:xfrm>
+          <a:prstGeom prst="rect">
+            <a:avLst/>
+          </a:prstGeom>
+          <a:noFill/>
+          <a:ln w="12700">
+            <a:solidFill>
+              <a:prstClr val="black"/>
+            </a:solidFill>
+          </a:ln>
+        </p:spPr>
+        <p:txBody>
+          <a:bodyPr vert="horz" lIns="91440" tIns="45720" rIns="91440" bIns="45720" rtlCol="0" anchor="ctr"/>
+          <a:lstStyle/>
+          <a:p>
+            <a:endParaRPr lang="vi-VN"/>
+          </a:p>
+        </p:txBody>
+      </p:sp>
+      <p:sp>
+        <p:nvSpPr>
+          <p:cNvPr id="5" name="Notes Placeholder 4"/>
+          <p:cNvSpPr>
+            <a:spLocks noGrp="1"/>
+          </p:cNvSpPr>
+          <p:nvPr>
+            <p:ph type="body" sz="quarter" idx="3"/>
+          </p:nvPr>
+        </p:nvSpPr>
+        <p:spPr>
+          <a:xfrm>
+            <a:off x="685800" y="4400550"/>
+            <a:ext cx="5486400" cy="3600450"/>
+          </a:xfrm>
+          <a:prstGeom prst="rect">
+            <a:avLst/>
+          </a:prstGeom>
+        </p:spPr>
+        <p:txBody>
+          <a:bodyPr vert="horz" lIns="91440" tIns="45720" rIns="91440" bIns="45720" rtlCol="0"/>
+          <a:lstStyle/>
+          <a:p>
+            <a:pPr lvl="0"/>
+            <a:r>
+              <a:rPr lang="en-US"/>
+              <a:t>Click to edit Master text styles</a:t>
+            </a:r>
+          </a:p>
+          <a:p>
+            <a:pPr lvl="1"/>
+            <a:r>
+              <a:rPr lang="en-US"/>
+              <a:t>Second level</a:t>
+            </a:r>
+          </a:p>
+          <a:p>
+            <a:pPr lvl="2"/>
+            <a:r>
+              <a:rPr lang="en-US"/>
+              <a:t>Third level</a:t>
+            </a:r>
+          </a:p>
+          <a:p>
+            <a:pPr lvl="3"/>
+            <a:r>
+              <a:rPr lang="en-US"/>
+              <a:t>Fourth level</a:t>
+            </a:r>
+          </a:p>
+          <a:p>
+            <a:pPr lvl="4"/>
+            <a:r>
+              <a:rPr lang="en-US"/>
+              <a:t>Fifth level</a:t>
+            </a:r>
+            <a:endParaRPr lang="vi-VN"/>
+          </a:p>
+        </p:txBody>
+      </p:sp>
+      <p:sp>
+        <p:nvSpPr>
+          <p:cNvPr id="6" name="Footer Placeholder 5"/>
+          <p:cNvSpPr>
+            <a:spLocks noGrp="1"/>
+          </p:cNvSpPr>
+          <p:nvPr>
+            <p:ph type="ftr" sz="quarter" idx="4"/>
+          </p:nvPr>
+        </p:nvSpPr>
+        <p:spPr>
+          <a:xfrm>
+            <a:off x="0" y="8685213"/>
+            <a:ext cx="2971800" cy="458787"/>
+          </a:xfrm>
+          <a:prstGeom prst="rect">
+            <a:avLst/>
+          </a:prstGeom>
+        </p:spPr>
+        <p:txBody>
+          <a:bodyPr vert="horz" lIns="91440" tIns="45720" rIns="91440" bIns="45720" rtlCol="0" anchor="b"/>
+          <a:lstStyle>
+            <a:lvl1pPr algn="l">
+              <a:defRPr sz="1200"/>
+            </a:lvl1pPr>
+          </a:lstStyle>
+          <a:p>
+            <a:endParaRPr lang="vi-VN"/>
+          </a:p>
+        </p:txBody>
+      </p:sp>
+      <p:sp>
+        <p:nvSpPr>
+          <p:cNvPr id="7" name="Slide Number Placeholder 6"/>
+          <p:cNvSpPr>
+            <a:spLocks noGrp="1"/>
+          </p:cNvSpPr>
+          <p:nvPr>
+            <p:ph type="sldNum" sz="quarter" idx="5"/>
+          </p:nvPr>
+        </p:nvSpPr>
+        <p:spPr>
+          <a:xfrm>
+            <a:off x="3884613" y="8685213"/>
+            <a:ext cx="2971800" cy="458787"/>
+          </a:xfrm>
+          <a:prstGeom prst="rect">
+            <a:avLst/>
+          </a:prstGeom>
+        </p:spPr>
+        <p:txBody>
+          <a:bodyPr vert="horz" lIns="91440" tIns="45720" rIns="91440" bIns="45720" rtlCol="0" anchor="b"/>
+          <a:lstStyle>
+            <a:lvl1pPr algn="r">
+              <a:defRPr sz="1200"/>
+            </a:lvl1pPr>
+          </a:lstStyle>
+          <a:p>
+            <a:fld id="{12DFB415-EE1A-D048-A7E4-0590EDF9ADB9}" type="slidenum">
+              <a:rPr lang="vi-VN" smtClean="0"/>
+              <a:t>‹#›</a:t>
+            </a:fld>
+            <a:endParaRPr lang="vi-VN"/>
+          </a:p>
+        </p:txBody>
+      </p:sp>
+    </p:spTree>
+    <p:extLst>
+      <p:ext uri="{BB962C8B-B14F-4D97-AF65-F5344CB8AC3E}">
+        <p14:creationId xmlns:p14="http://schemas.microsoft.com/office/powerpoint/2010/main" val="2811480752"/>
+      </p:ext>
+    </p:extLst>
+  </p:cSld>
+  <p:clrMap bg1="lt1" tx1="dk1" bg2="lt2" tx2="dk2" accent1="accent1" accent2="accent2" accent3="accent3" accent4="accent4" accent5="accent5" accent6="accent6" hlink="hlink" folHlink="folHlink"/>
+  <p:notesStyle>
+    <a:lvl1pPr marL="0" algn="l" defTabSz="914400" rtl="0" eaLnBrk="1" latinLnBrk="0" hangingPunct="1">
+      <a:defRPr sz="1200" kern="1200">
+        <a:solidFill>
+          <a:schemeClr val="tx1"/>
+        </a:solidFill>
+        <a:latin typeface="+mn-lt"/>
+        <a:ea typeface="+mn-ea"/>
+        <a:cs typeface="+mn-cs"/>
+      </a:defRPr>
+    </a:lvl1pPr>
+    <a:lvl2pPr marL="457200" algn="l" defTabSz="914400" rtl="0" eaLnBrk="1" latinLnBrk="0" hangingPunct="1">
+      <a:defRPr sz="1200" kern="1200">
+        <a:solidFill>
+          <a:schemeClr val="tx1"/>
+        </a:solidFill>
+        <a:latin typeface="+mn-lt"/>
+        <a:ea typeface="+mn-ea"/>
+        <a:cs typeface="+mn-cs"/>
+      </a:defRPr>
+    </a:lvl2pPr>
+    <a:lvl3pPr marL="914400" algn="l" defTabSz="914400" rtl="0" eaLnBrk="1" latinLnBrk="0" hangingPunct="1">
+      <a:defRPr sz="1200" kern="1200">
+        <a:solidFill>
+          <a:schemeClr val="tx1"/>
+        </a:solidFill>
+        <a:latin typeface="+mn-lt"/>
+        <a:ea typeface="+mn-ea"/>
+        <a:cs typeface="+mn-cs"/>
+      </a:defRPr>
+    </a:lvl3pPr>
+    <a:lvl4pPr marL="1371600" algn="l" defTabSz="914400" rtl="0" eaLnBrk="1" latinLnBrk="0" hangingPunct="1">
+      <a:defRPr sz="1200" kern="1200">
+        <a:solidFill>
+          <a:schemeClr val="tx1"/>
+        </a:solidFill>
+        <a:latin typeface="+mn-lt"/>
+        <a:ea typeface="+mn-ea"/>
+        <a:cs typeface="+mn-cs"/>
+      </a:defRPr>
+    </a:lvl4pPr>
+    <a:lvl5pPr marL="1828800" algn="l" defTabSz="914400" rtl="0" eaLnBrk="1" latinLnBrk="0" hangingPunct="1">
+      <a:defRPr sz="1200" kern="1200">
+        <a:solidFill>
+          <a:schemeClr val="tx1"/>
+        </a:solidFill>
+        <a:latin typeface="+mn-lt"/>
+        <a:ea typeface="+mn-ea"/>
+        <a:cs typeface="+mn-cs"/>
+      </a:defRPr>
+    </a:lvl5pPr>
+    <a:lvl6pPr marL="2286000" algn="l" defTabSz="914400" rtl="0" eaLnBrk="1" latinLnBrk="0" hangingPunct="1">
+      <a:defRPr sz="1200" kern="1200">
+        <a:solidFill>
+          <a:schemeClr val="tx1"/>
+        </a:solidFill>
+        <a:latin typeface="+mn-lt"/>
+        <a:ea typeface="+mn-ea"/>
+        <a:cs typeface="+mn-cs"/>
+      </a:defRPr>
+    </a:lvl6pPr>
+    <a:lvl7pPr marL="2743200" algn="l" defTabSz="914400" rtl="0" eaLnBrk="1" latinLnBrk="0" hangingPunct="1">
+      <a:defRPr sz="1200" kern="1200">
+        <a:solidFill>
+          <a:schemeClr val="tx1"/>
+        </a:solidFill>
+        <a:latin typeface="+mn-lt"/>
+        <a:ea typeface="+mn-ea"/>
+        <a:cs typeface="+mn-cs"/>
+      </a:defRPr>
+    </a:lvl7pPr>
+    <a:lvl8pPr marL="3200400" algn="l" defTabSz="914400" rtl="0" eaLnBrk="1" latinLnBrk="0" hangingPunct="1">
+      <a:defRPr sz="1200" kern="1200">
+        <a:solidFill>
+          <a:schemeClr val="tx1"/>
+        </a:solidFill>
+        <a:latin typeface="+mn-lt"/>
+        <a:ea typeface="+mn-ea"/>
+        <a:cs typeface="+mn-cs"/>
+      </a:defRPr>
+    </a:lvl8pPr>
+    <a:lvl9pPr marL="3657600" algn="l" defTabSz="914400" rtl="0" eaLnBrk="1" latinLnBrk="0" hangingPunct="1">
+      <a:defRPr sz="1200" kern="1200">
+        <a:solidFill>
+          <a:schemeClr val="tx1"/>
+        </a:solidFill>
+        <a:latin typeface="+mn-lt"/>
+        <a:ea typeface="+mn-ea"/>
+        <a:cs typeface="+mn-cs"/>
+      </a:defRPr>
+    </a:lvl9pPr>
+  </p:notesStyle>
+</p:notesMaster>
+</file>
+
+<file path=ppt/notesSlides/notesSlide1.xml><?xml version="1.0" encoding="utf-8"?>
+<p:notes xmlns:a="http://schemas.openxmlformats.org/drawingml/2006/main" xmlns:r="http://schemas.openxmlformats.org/officeDocument/2006/relationships" xmlns:p="http://schemas.openxmlformats.org/presentationml/2006/main">
+  <p:cSld>
+    <p:spTree>
+      <p:nvGrpSpPr>
+        <p:cNvPr id="1" name=""/>
+        <p:cNvGrpSpPr/>
+        <p:nvPr/>
+      </p:nvGrpSpPr>
+      <p:grpSpPr>
+        <a:xfrm>
+          <a:off x="0" y="0"/>
+          <a:ext cx="0" cy="0"/>
+          <a:chOff x="0" y="0"/>
+          <a:chExt cx="0" cy="0"/>
+        </a:xfrm>
+      </p:grpSpPr>
+      <p:sp>
+        <p:nvSpPr>
+          <p:cNvPr id="2" name="Slide Image Placeholder 1"/>
+          <p:cNvSpPr>
+            <a:spLocks noGrp="1" noRot="1" noChangeAspect="1"/>
+          </p:cNvSpPr>
+          <p:nvPr>
+            <p:ph type="sldImg"/>
+          </p:nvPr>
+        </p:nvSpPr>
+        <p:spPr/>
+      </p:sp>
+      <p:sp>
+        <p:nvSpPr>
+          <p:cNvPr id="3" name="Notes Placeholder 2"/>
+          <p:cNvSpPr>
+            <a:spLocks noGrp="1"/>
+          </p:cNvSpPr>
+          <p:nvPr>
+            <p:ph type="body" idx="1"/>
+          </p:nvPr>
+        </p:nvSpPr>
+        <p:spPr/>
+        <p:txBody>
+          <a:bodyPr/>
+          <a:lstStyle/>
+          <a:p>
+            <a:endParaRPr lang="vi-VN" dirty="0"/>
+          </a:p>
+        </p:txBody>
+      </p:sp>
+      <p:sp>
+        <p:nvSpPr>
+          <p:cNvPr id="4" name="Slide Number Placeholder 3"/>
+          <p:cNvSpPr>
+            <a:spLocks noGrp="1"/>
+          </p:cNvSpPr>
+          <p:nvPr>
+            <p:ph type="sldNum" sz="quarter" idx="5"/>
+          </p:nvPr>
+        </p:nvSpPr>
+        <p:spPr/>
+        <p:txBody>
+          <a:bodyPr/>
+          <a:lstStyle/>
+          <a:p>
+            <a:fld id="{12DFB415-EE1A-D048-A7E4-0590EDF9ADB9}" type="slidenum">
+              <a:rPr lang="vi-VN" smtClean="0"/>
+              <a:t>3</a:t>
+            </a:fld>
+            <a:endParaRPr lang="vi-VN"/>
+          </a:p>
+        </p:txBody>
+      </p:sp>
+    </p:spTree>
+    <p:extLst>
+      <p:ext uri="{BB962C8B-B14F-4D97-AF65-F5344CB8AC3E}">
+        <p14:creationId xmlns:p14="http://schemas.microsoft.com/office/powerpoint/2010/main" val="938354648"/>
+      </p:ext>
+    </p:extLst>
+  </p:cSld>
+  <p:clrMapOvr>
+    <a:masterClrMapping/>
+  </p:clrMapOvr>
+</p:notes>
+</file>
+
+<file path=ppt/notesSlides/notesSlide2.xml><?xml version="1.0" encoding="utf-8"?>
+<p:notes xmlns:a="http://schemas.openxmlformats.org/drawingml/2006/main" xmlns:r="http://schemas.openxmlformats.org/officeDocument/2006/relationships" xmlns:p="http://schemas.openxmlformats.org/presentationml/2006/main">
+  <p:cSld>
+    <p:spTree>
+      <p:nvGrpSpPr>
+        <p:cNvPr id="1" name=""/>
+        <p:cNvGrpSpPr/>
+        <p:nvPr/>
+      </p:nvGrpSpPr>
+      <p:grpSpPr>
+        <a:xfrm>
+          <a:off x="0" y="0"/>
+          <a:ext cx="0" cy="0"/>
+          <a:chOff x="0" y="0"/>
+          <a:chExt cx="0" cy="0"/>
+        </a:xfrm>
+      </p:grpSpPr>
+      <p:sp>
+        <p:nvSpPr>
+          <p:cNvPr id="2" name="Slide Image Placeholder 1"/>
+          <p:cNvSpPr>
+            <a:spLocks noGrp="1" noRot="1" noChangeAspect="1"/>
+          </p:cNvSpPr>
+          <p:nvPr>
+            <p:ph type="sldImg"/>
+          </p:nvPr>
+        </p:nvSpPr>
+        <p:spPr/>
+      </p:sp>
+      <p:sp>
+        <p:nvSpPr>
+          <p:cNvPr id="3" name="Notes Placeholder 2"/>
+          <p:cNvSpPr>
+            <a:spLocks noGrp="1"/>
+          </p:cNvSpPr>
+          <p:nvPr>
+            <p:ph type="body" idx="1"/>
+          </p:nvPr>
+        </p:nvSpPr>
+        <p:spPr/>
+        <p:txBody>
+          <a:bodyPr/>
+          <a:lstStyle/>
+          <a:p>
+            <a:pPr lvl="0"/>
+            <a:r>
+              <a:rPr lang="en-VN" sz="1200" kern="1200" dirty="0">
+                <a:solidFill>
+                  <a:schemeClr val="tx1"/>
+                </a:solidFill>
+                <a:effectLst/>
+                <a:latin typeface="+mn-lt"/>
+                <a:ea typeface="+mn-ea"/>
+                <a:cs typeface="+mn-cs"/>
+              </a:rPr>
+              <a:t>- Python hoạt động trên các nền tảng khác nhau (Windows, Mac, Linux, Raspberry Pi, v.v.).</a:t>
+            </a:r>
+          </a:p>
+          <a:p>
+            <a:pPr lvl="0"/>
+            <a:r>
+              <a:rPr lang="en-VN" sz="1200" kern="1200" dirty="0">
+                <a:solidFill>
+                  <a:schemeClr val="tx1"/>
+                </a:solidFill>
+                <a:effectLst/>
+                <a:latin typeface="+mn-lt"/>
+                <a:ea typeface="+mn-ea"/>
+                <a:cs typeface="+mn-cs"/>
+              </a:rPr>
+              <a:t>- Python có một cú pháp đơn giản tương tự như ngôn ngữ tiếng Anh.</a:t>
+            </a:r>
+          </a:p>
+          <a:p>
+            <a:pPr lvl="0"/>
+            <a:r>
+              <a:rPr lang="en-VN" sz="1200" kern="1200" dirty="0">
+                <a:solidFill>
+                  <a:schemeClr val="tx1"/>
+                </a:solidFill>
+                <a:effectLst/>
+                <a:latin typeface="+mn-lt"/>
+                <a:ea typeface="+mn-ea"/>
+                <a:cs typeface="+mn-cs"/>
+              </a:rPr>
+              <a:t>- Python có cú pháp cho phép các nhà phát triển viết chương trình với ít dòng hơn các ngôn ngữ lập trình khác.</a:t>
+            </a:r>
+          </a:p>
+          <a:p>
+            <a:pPr lvl="0"/>
+            <a:r>
+              <a:rPr lang="en-VN" sz="1200" kern="1200" dirty="0">
+                <a:solidFill>
+                  <a:schemeClr val="tx1"/>
+                </a:solidFill>
+                <a:effectLst/>
+                <a:latin typeface="+mn-lt"/>
+                <a:ea typeface="+mn-ea"/>
+                <a:cs typeface="+mn-cs"/>
+              </a:rPr>
+              <a:t>- Python có thể được thực thi ngay sau khi nó được viết. Điều này có nghĩa là việc tạo mẫu có thể rất nhanh chóng.</a:t>
+            </a:r>
+          </a:p>
+          <a:p>
+            <a:pPr lvl="0"/>
+            <a:r>
+              <a:rPr lang="en-VN" sz="1200" kern="1200" dirty="0">
+                <a:solidFill>
+                  <a:schemeClr val="tx1"/>
+                </a:solidFill>
+                <a:effectLst/>
+                <a:latin typeface="+mn-lt"/>
+                <a:ea typeface="+mn-ea"/>
+                <a:cs typeface="+mn-cs"/>
+              </a:rPr>
+              <a:t>- Python có thể được xử lý theo thủ tục, theo cách hướng đối tượng hoặc trong một cách thực tế .</a:t>
+            </a:r>
+          </a:p>
+          <a:p>
+            <a:endParaRPr lang="vi-VN" dirty="0"/>
+          </a:p>
+        </p:txBody>
+      </p:sp>
+      <p:sp>
+        <p:nvSpPr>
+          <p:cNvPr id="4" name="Slide Number Placeholder 3"/>
+          <p:cNvSpPr>
+            <a:spLocks noGrp="1"/>
+          </p:cNvSpPr>
+          <p:nvPr>
+            <p:ph type="sldNum" sz="quarter" idx="5"/>
+          </p:nvPr>
+        </p:nvSpPr>
+        <p:spPr/>
+        <p:txBody>
+          <a:bodyPr/>
+          <a:lstStyle/>
+          <a:p>
+            <a:fld id="{12DFB415-EE1A-D048-A7E4-0590EDF9ADB9}" type="slidenum">
+              <a:rPr lang="vi-VN" smtClean="0"/>
+              <a:t>4</a:t>
+            </a:fld>
+            <a:endParaRPr lang="vi-VN"/>
+          </a:p>
+        </p:txBody>
+      </p:sp>
+    </p:spTree>
+    <p:extLst>
+      <p:ext uri="{BB962C8B-B14F-4D97-AF65-F5344CB8AC3E}">
+        <p14:creationId xmlns:p14="http://schemas.microsoft.com/office/powerpoint/2010/main" val="3552244301"/>
+      </p:ext>
+    </p:extLst>
+  </p:cSld>
+  <p:clrMapOvr>
+    <a:masterClrMapping/>
+  </p:clrMapOvr>
+</p:notes>
+</file>
+
+<file path=ppt/notesSlides/notesSlide3.xml><?xml version="1.0" encoding="utf-8"?>
+<p:notes xmlns:a="http://schemas.openxmlformats.org/drawingml/2006/main" xmlns:r="http://schemas.openxmlformats.org/officeDocument/2006/relationships" xmlns:p="http://schemas.openxmlformats.org/presentationml/2006/main">
+  <p:cSld>
+    <p:spTree>
+      <p:nvGrpSpPr>
+        <p:cNvPr id="1" name=""/>
+        <p:cNvGrpSpPr/>
+        <p:nvPr/>
+      </p:nvGrpSpPr>
+      <p:grpSpPr>
+        <a:xfrm>
+          <a:off x="0" y="0"/>
+          <a:ext cx="0" cy="0"/>
+          <a:chOff x="0" y="0"/>
+          <a:chExt cx="0" cy="0"/>
+        </a:xfrm>
+      </p:grpSpPr>
+      <p:sp>
+        <p:nvSpPr>
+          <p:cNvPr id="2" name="Slide Image Placeholder 1"/>
+          <p:cNvSpPr>
+            <a:spLocks noGrp="1" noRot="1" noChangeAspect="1"/>
+          </p:cNvSpPr>
+          <p:nvPr>
+            <p:ph type="sldImg"/>
+          </p:nvPr>
+        </p:nvSpPr>
+        <p:spPr/>
+      </p:sp>
+      <p:sp>
+        <p:nvSpPr>
+          <p:cNvPr id="3" name="Notes Placeholder 2"/>
+          <p:cNvSpPr>
+            <a:spLocks noGrp="1"/>
+          </p:cNvSpPr>
+          <p:nvPr>
+            <p:ph type="body" idx="1"/>
+          </p:nvPr>
+        </p:nvSpPr>
+        <p:spPr/>
+        <p:txBody>
+          <a:bodyPr/>
+          <a:lstStyle/>
+          <a:p>
+            <a:pPr lvl="0"/>
+            <a:r>
+              <a:rPr lang="en-VN" sz="1200" kern="1200" dirty="0">
+                <a:solidFill>
+                  <a:schemeClr val="tx1"/>
+                </a:solidFill>
+                <a:effectLst/>
+                <a:latin typeface="+mn-lt"/>
+                <a:ea typeface="+mn-ea"/>
+                <a:cs typeface="+mn-cs"/>
+              </a:rPr>
+              <a:t>- Python có thể được sử dụng trên máy chủ để tạo các ứng dụng web.</a:t>
+            </a:r>
+          </a:p>
+          <a:p>
+            <a:pPr lvl="0"/>
+            <a:r>
+              <a:rPr lang="en-VN" sz="1200" kern="1200" dirty="0">
+                <a:solidFill>
+                  <a:schemeClr val="tx1"/>
+                </a:solidFill>
+                <a:effectLst/>
+                <a:latin typeface="+mn-lt"/>
+                <a:ea typeface="+mn-ea"/>
+                <a:cs typeface="+mn-cs"/>
+              </a:rPr>
+              <a:t>- Python có thể được sử dụng cùng với phần mềm để tạo quy trình công việc.</a:t>
+            </a:r>
+          </a:p>
+          <a:p>
+            <a:pPr lvl="0"/>
+            <a:r>
+              <a:rPr lang="en-VN" sz="1200" kern="1200" dirty="0">
+                <a:solidFill>
+                  <a:schemeClr val="tx1"/>
+                </a:solidFill>
+                <a:effectLst/>
+                <a:latin typeface="+mn-lt"/>
+                <a:ea typeface="+mn-ea"/>
+                <a:cs typeface="+mn-cs"/>
+              </a:rPr>
+              <a:t>- Python có thể kết nối với các hệ thống cơ sở dữ liệu. Nó cũng có thể đọc và sửa đổi các tập tin.</a:t>
+            </a:r>
+          </a:p>
+          <a:p>
+            <a:pPr lvl="0"/>
+            <a:r>
+              <a:rPr lang="en-VN" sz="1200" kern="1200" dirty="0">
+                <a:solidFill>
+                  <a:schemeClr val="tx1"/>
+                </a:solidFill>
+                <a:effectLst/>
+                <a:latin typeface="+mn-lt"/>
+                <a:ea typeface="+mn-ea"/>
+                <a:cs typeface="+mn-cs"/>
+              </a:rPr>
+              <a:t>- Xử lý dữ liệu lớn và thực hiện các phép toán phức tạp.</a:t>
+            </a:r>
+          </a:p>
+          <a:p>
+            <a:pPr lvl="0"/>
+            <a:r>
+              <a:rPr lang="en-VN" sz="1200" kern="1200" dirty="0">
+                <a:solidFill>
+                  <a:schemeClr val="tx1"/>
+                </a:solidFill>
+                <a:effectLst/>
+                <a:latin typeface="+mn-lt"/>
+                <a:ea typeface="+mn-ea"/>
+                <a:cs typeface="+mn-cs"/>
+              </a:rPr>
+              <a:t>- Python có thể được sử dụng để tạo mẫu nhanh hoặc phát triển phần mềm sẵn sàng sản xuất.</a:t>
+            </a:r>
+          </a:p>
+        </p:txBody>
+      </p:sp>
+      <p:sp>
+        <p:nvSpPr>
+          <p:cNvPr id="4" name="Slide Number Placeholder 3"/>
+          <p:cNvSpPr>
+            <a:spLocks noGrp="1"/>
+          </p:cNvSpPr>
+          <p:nvPr>
+            <p:ph type="sldNum" sz="quarter" idx="5"/>
+          </p:nvPr>
+        </p:nvSpPr>
+        <p:spPr/>
+        <p:txBody>
+          <a:bodyPr/>
+          <a:lstStyle/>
+          <a:p>
+            <a:fld id="{12DFB415-EE1A-D048-A7E4-0590EDF9ADB9}" type="slidenum">
+              <a:rPr lang="vi-VN" smtClean="0"/>
+              <a:t>5</a:t>
+            </a:fld>
+            <a:endParaRPr lang="vi-VN"/>
+          </a:p>
+        </p:txBody>
+      </p:sp>
+    </p:spTree>
+    <p:extLst>
+      <p:ext uri="{BB962C8B-B14F-4D97-AF65-F5344CB8AC3E}">
+        <p14:creationId xmlns:p14="http://schemas.microsoft.com/office/powerpoint/2010/main" val="2787237935"/>
+      </p:ext>
+    </p:extLst>
+  </p:cSld>
+  <p:clrMapOvr>
+    <a:masterClrMapping/>
+  </p:clrMapOvr>
+</p:notes>
+</file>
+
+<file path=ppt/notesSlides/notesSlide4.xml><?xml version="1.0" encoding="utf-8"?>
+<p:notes xmlns:a="http://schemas.openxmlformats.org/drawingml/2006/main" xmlns:r="http://schemas.openxmlformats.org/officeDocument/2006/relationships" xmlns:p="http://schemas.openxmlformats.org/presentationml/2006/main">
+  <p:cSld>
+    <p:spTree>
+      <p:nvGrpSpPr>
+        <p:cNvPr id="1" name=""/>
+        <p:cNvGrpSpPr/>
+        <p:nvPr/>
+      </p:nvGrpSpPr>
+      <p:grpSpPr>
+        <a:xfrm>
+          <a:off x="0" y="0"/>
+          <a:ext cx="0" cy="0"/>
+          <a:chOff x="0" y="0"/>
+          <a:chExt cx="0" cy="0"/>
+        </a:xfrm>
+      </p:grpSpPr>
+      <p:sp>
+        <p:nvSpPr>
+          <p:cNvPr id="2" name="Slide Image Placeholder 1"/>
+          <p:cNvSpPr>
+            <a:spLocks noGrp="1" noRot="1" noChangeAspect="1"/>
+          </p:cNvSpPr>
+          <p:nvPr>
+            <p:ph type="sldImg"/>
+          </p:nvPr>
+        </p:nvSpPr>
+        <p:spPr/>
+      </p:sp>
+      <p:sp>
+        <p:nvSpPr>
+          <p:cNvPr id="3" name="Notes Placeholder 2"/>
+          <p:cNvSpPr>
+            <a:spLocks noGrp="1"/>
+          </p:cNvSpPr>
+          <p:nvPr>
+            <p:ph type="body" idx="1"/>
+          </p:nvPr>
+        </p:nvSpPr>
+        <p:spPr/>
+        <p:txBody>
+          <a:bodyPr/>
+          <a:lstStyle/>
+          <a:p>
+            <a:endParaRPr lang="vi-VN" dirty="0"/>
+          </a:p>
+        </p:txBody>
+      </p:sp>
+      <p:sp>
+        <p:nvSpPr>
+          <p:cNvPr id="4" name="Slide Number Placeholder 3"/>
+          <p:cNvSpPr>
+            <a:spLocks noGrp="1"/>
+          </p:cNvSpPr>
+          <p:nvPr>
+            <p:ph type="sldNum" sz="quarter" idx="5"/>
+          </p:nvPr>
+        </p:nvSpPr>
+        <p:spPr/>
+        <p:txBody>
+          <a:bodyPr/>
+          <a:lstStyle/>
+          <a:p>
+            <a:fld id="{12DFB415-EE1A-D048-A7E4-0590EDF9ADB9}" type="slidenum">
+              <a:rPr lang="vi-VN" smtClean="0"/>
+              <a:t>6</a:t>
+            </a:fld>
+            <a:endParaRPr lang="vi-VN"/>
+          </a:p>
+        </p:txBody>
+      </p:sp>
+    </p:spTree>
+    <p:extLst>
+      <p:ext uri="{BB962C8B-B14F-4D97-AF65-F5344CB8AC3E}">
+        <p14:creationId xmlns:p14="http://schemas.microsoft.com/office/powerpoint/2010/main" val="838755732"/>
+      </p:ext>
+    </p:extLst>
+  </p:cSld>
+  <p:clrMapOvr>
+    <a:masterClrMapping/>
+  </p:clrMapOvr>
+</p:notes>
+</file>
+
+<file path=ppt/notesSlides/notesSlide5.xml><?xml version="1.0" encoding="utf-8"?>
+<p:notes xmlns:a="http://schemas.openxmlformats.org/drawingml/2006/main" xmlns:r="http://schemas.openxmlformats.org/officeDocument/2006/relationships" xmlns:p="http://schemas.openxmlformats.org/presentationml/2006/main">
+  <p:cSld>
+    <p:spTree>
+      <p:nvGrpSpPr>
+        <p:cNvPr id="1" name=""/>
+        <p:cNvGrpSpPr/>
+        <p:nvPr/>
+      </p:nvGrpSpPr>
+      <p:grpSpPr>
+        <a:xfrm>
+          <a:off x="0" y="0"/>
+          <a:ext cx="0" cy="0"/>
+          <a:chOff x="0" y="0"/>
+          <a:chExt cx="0" cy="0"/>
+        </a:xfrm>
+      </p:grpSpPr>
+      <p:sp>
+        <p:nvSpPr>
+          <p:cNvPr id="2" name="Slide Image Placeholder 1"/>
+          <p:cNvSpPr>
+            <a:spLocks noGrp="1" noRot="1" noChangeAspect="1"/>
+          </p:cNvSpPr>
+          <p:nvPr>
+            <p:ph type="sldImg"/>
+          </p:nvPr>
+        </p:nvSpPr>
+        <p:spPr/>
+      </p:sp>
+      <p:sp>
+        <p:nvSpPr>
+          <p:cNvPr id="3" name="Notes Placeholder 2"/>
+          <p:cNvSpPr>
+            <a:spLocks noGrp="1"/>
+          </p:cNvSpPr>
+          <p:nvPr>
+            <p:ph type="body" idx="1"/>
+          </p:nvPr>
+        </p:nvSpPr>
+        <p:spPr/>
+        <p:txBody>
+          <a:bodyPr/>
+          <a:lstStyle/>
+          <a:p>
+            <a:r>
+              <a:rPr lang="vi-VN" sz="1200" b="1" i="1" kern="1200" dirty="0">
+                <a:solidFill>
+                  <a:schemeClr val="tx1"/>
+                </a:solidFill>
+                <a:effectLst/>
+                <a:latin typeface="+mn-lt"/>
+                <a:ea typeface="+mn-ea"/>
+                <a:cs typeface="+mn-cs"/>
+              </a:rPr>
+              <a:t>Line(Biểu đồ dòng):</a:t>
+            </a:r>
+            <a:r>
+              <a:rPr lang="vi-VN" sz="1200" kern="1200" dirty="0">
+                <a:solidFill>
+                  <a:schemeClr val="tx1"/>
+                </a:solidFill>
+                <a:effectLst/>
+                <a:latin typeface="+mn-lt"/>
+                <a:ea typeface="+mn-ea"/>
+                <a:cs typeface="+mn-cs"/>
+              </a:rPr>
+              <a:t> Xem xu hướng trong dữ liệu theo thời gian.</a:t>
+            </a:r>
+            <a:endParaRPr lang="en-VN" sz="1200" kern="1200" dirty="0">
+              <a:solidFill>
+                <a:schemeClr val="tx1"/>
+              </a:solidFill>
+              <a:effectLst/>
+              <a:latin typeface="+mn-lt"/>
+              <a:ea typeface="+mn-ea"/>
+              <a:cs typeface="+mn-cs"/>
+            </a:endParaRPr>
+          </a:p>
+          <a:p>
+            <a:r>
+              <a:rPr lang="vi-VN" sz="1200" b="1" i="1" kern="1200" dirty="0">
+                <a:solidFill>
+                  <a:schemeClr val="tx1"/>
+                </a:solidFill>
+                <a:effectLst/>
+                <a:latin typeface="+mn-lt"/>
+                <a:ea typeface="+mn-ea"/>
+                <a:cs typeface="+mn-cs"/>
+              </a:rPr>
+              <a:t>Bar(Biểu đồ cột): </a:t>
+            </a:r>
+            <a:r>
+              <a:rPr lang="vi-VN" sz="1200" kern="1200" dirty="0">
+                <a:solidFill>
+                  <a:schemeClr val="tx1"/>
+                </a:solidFill>
+                <a:effectLst/>
+                <a:latin typeface="+mn-lt"/>
+                <a:ea typeface="+mn-ea"/>
+                <a:cs typeface="+mn-cs"/>
+              </a:rPr>
+              <a:t>So sánh dữ liệu trên các danh mục.</a:t>
+            </a:r>
+            <a:endParaRPr lang="en-VN" sz="1200" kern="1200" dirty="0">
+              <a:solidFill>
+                <a:schemeClr val="tx1"/>
+              </a:solidFill>
+              <a:effectLst/>
+              <a:latin typeface="+mn-lt"/>
+              <a:ea typeface="+mn-ea"/>
+              <a:cs typeface="+mn-cs"/>
+            </a:endParaRPr>
+          </a:p>
+          <a:p>
+            <a:r>
+              <a:rPr lang="vi-VN" sz="1200" b="1" i="1" kern="1200" dirty="0">
+                <a:solidFill>
+                  <a:schemeClr val="tx1"/>
+                </a:solidFill>
+                <a:effectLst/>
+                <a:latin typeface="+mn-lt"/>
+                <a:ea typeface="+mn-ea"/>
+                <a:cs typeface="+mn-cs"/>
+              </a:rPr>
+              <a:t>Heat Map(Bản đồ nhiệt):</a:t>
+            </a:r>
+            <a:r>
+              <a:rPr lang="vi-VN" sz="1200" kern="1200" dirty="0">
+                <a:solidFill>
+                  <a:schemeClr val="tx1"/>
+                </a:solidFill>
+                <a:effectLst/>
+                <a:latin typeface="+mn-lt"/>
+                <a:ea typeface="+mn-ea"/>
+                <a:cs typeface="+mn-cs"/>
+              </a:rPr>
+              <a:t> Hiển thị mối quan hệ giữa hai yếu tố.</a:t>
+            </a:r>
+            <a:endParaRPr lang="en-VN" sz="1200" kern="1200" dirty="0">
+              <a:solidFill>
+                <a:schemeClr val="tx1"/>
+              </a:solidFill>
+              <a:effectLst/>
+              <a:latin typeface="+mn-lt"/>
+              <a:ea typeface="+mn-ea"/>
+              <a:cs typeface="+mn-cs"/>
+            </a:endParaRPr>
+          </a:p>
+          <a:p>
+            <a:r>
+              <a:rPr lang="en-US" sz="1200" b="1" i="1" kern="1200" dirty="0">
+                <a:solidFill>
+                  <a:schemeClr val="tx1"/>
+                </a:solidFill>
+                <a:effectLst/>
+                <a:latin typeface="+mn-lt"/>
+                <a:ea typeface="+mn-ea"/>
+                <a:cs typeface="+mn-cs"/>
+              </a:rPr>
+              <a:t>Highlight Table</a:t>
+            </a:r>
+            <a:r>
+              <a:rPr lang="vi-VN" sz="1200" b="1" i="1" kern="1200" dirty="0">
+                <a:solidFill>
+                  <a:schemeClr val="tx1"/>
+                </a:solidFill>
+                <a:effectLst/>
+                <a:latin typeface="+mn-lt"/>
+                <a:ea typeface="+mn-ea"/>
+                <a:cs typeface="+mn-cs"/>
+              </a:rPr>
+              <a:t> (Bảng đánh dấu):</a:t>
+            </a:r>
+            <a:r>
+              <a:rPr lang="vi-VN" sz="1200" kern="1200" dirty="0">
+                <a:solidFill>
+                  <a:schemeClr val="tx1"/>
+                </a:solidFill>
+                <a:effectLst/>
+                <a:latin typeface="+mn-lt"/>
+                <a:ea typeface="+mn-ea"/>
+                <a:cs typeface="+mn-cs"/>
+              </a:rPr>
+              <a:t> Hiển thị thông tin chi tiết trên bản đồ nhiệt.</a:t>
+            </a:r>
+            <a:endParaRPr lang="en-VN" sz="1200" kern="1200" dirty="0">
+              <a:solidFill>
+                <a:schemeClr val="tx1"/>
+              </a:solidFill>
+              <a:effectLst/>
+              <a:latin typeface="+mn-lt"/>
+              <a:ea typeface="+mn-ea"/>
+              <a:cs typeface="+mn-cs"/>
+            </a:endParaRPr>
+          </a:p>
+          <a:p>
+            <a:r>
+              <a:rPr lang="vi-VN" sz="1200" b="1" i="1" kern="1200" dirty="0">
+                <a:solidFill>
+                  <a:schemeClr val="tx1"/>
+                </a:solidFill>
+                <a:effectLst/>
+                <a:latin typeface="+mn-lt"/>
+                <a:ea typeface="+mn-ea"/>
+                <a:cs typeface="+mn-cs"/>
+              </a:rPr>
+              <a:t>Treemap(Bản đồ cây):</a:t>
+            </a:r>
+            <a:r>
+              <a:rPr lang="vi-VN" sz="1200" kern="1200" dirty="0">
+                <a:solidFill>
+                  <a:schemeClr val="tx1"/>
+                </a:solidFill>
+                <a:effectLst/>
+                <a:latin typeface="+mn-lt"/>
+                <a:ea typeface="+mn-ea"/>
+                <a:cs typeface="+mn-cs"/>
+              </a:rPr>
+              <a:t> Hiển thị dữ liệu phân cấp theo tỷ lệ của toàn bộ.</a:t>
+            </a:r>
+            <a:endParaRPr lang="en-VN" sz="1200" kern="1200" dirty="0">
+              <a:solidFill>
+                <a:schemeClr val="tx1"/>
+              </a:solidFill>
+              <a:effectLst/>
+              <a:latin typeface="+mn-lt"/>
+              <a:ea typeface="+mn-ea"/>
+              <a:cs typeface="+mn-cs"/>
+            </a:endParaRPr>
+          </a:p>
+          <a:p>
+            <a:r>
+              <a:rPr lang="vi-VN" sz="1200" b="1" i="1" kern="1200" dirty="0">
+                <a:solidFill>
+                  <a:schemeClr val="tx1"/>
+                </a:solidFill>
+                <a:effectLst/>
+                <a:latin typeface="+mn-lt"/>
+                <a:ea typeface="+mn-ea"/>
+                <a:cs typeface="+mn-cs"/>
+              </a:rPr>
+              <a:t>Gantt:</a:t>
+            </a:r>
+            <a:r>
+              <a:rPr lang="vi-VN" sz="1200" kern="1200" dirty="0">
+                <a:solidFill>
+                  <a:schemeClr val="tx1"/>
+                </a:solidFill>
+                <a:effectLst/>
+                <a:latin typeface="+mn-lt"/>
+                <a:ea typeface="+mn-ea"/>
+                <a:cs typeface="+mn-cs"/>
+              </a:rPr>
+              <a:t> Hiển thị khoảng thời gian theo thời gian. </a:t>
+            </a:r>
+            <a:endParaRPr lang="en-VN" sz="1200" kern="1200" dirty="0">
+              <a:solidFill>
+                <a:schemeClr val="tx1"/>
+              </a:solidFill>
+              <a:effectLst/>
+              <a:latin typeface="+mn-lt"/>
+              <a:ea typeface="+mn-ea"/>
+              <a:cs typeface="+mn-cs"/>
+            </a:endParaRPr>
+          </a:p>
+          <a:p>
+            <a:r>
+              <a:rPr lang="vi-VN" sz="1200" b="1" i="1" kern="1200" dirty="0">
+                <a:solidFill>
+                  <a:schemeClr val="tx1"/>
+                </a:solidFill>
+                <a:effectLst/>
+                <a:latin typeface="+mn-lt"/>
+                <a:ea typeface="+mn-ea"/>
+                <a:cs typeface="+mn-cs"/>
+              </a:rPr>
+              <a:t>Bullet(Biểu đồ đánh dấu):</a:t>
+            </a:r>
+            <a:r>
+              <a:rPr lang="vi-VN" sz="1200" kern="1200" dirty="0">
+                <a:solidFill>
+                  <a:schemeClr val="tx1"/>
+                </a:solidFill>
+                <a:effectLst/>
+                <a:latin typeface="+mn-lt"/>
+                <a:ea typeface="+mn-ea"/>
+                <a:cs typeface="+mn-cs"/>
+              </a:rPr>
+              <a:t> Đánh giá  hiệu suất của số liệu so với mục tiêu. </a:t>
+            </a:r>
+            <a:endParaRPr lang="en-VN" sz="1200" kern="1200" dirty="0">
+              <a:solidFill>
+                <a:schemeClr val="tx1"/>
+              </a:solidFill>
+              <a:effectLst/>
+              <a:latin typeface="+mn-lt"/>
+              <a:ea typeface="+mn-ea"/>
+              <a:cs typeface="+mn-cs"/>
+            </a:endParaRPr>
+          </a:p>
+          <a:p>
+            <a:r>
+              <a:rPr lang="vi-VN" sz="1200" b="1" i="1" kern="1200" dirty="0">
+                <a:solidFill>
+                  <a:schemeClr val="tx1"/>
+                </a:solidFill>
+                <a:effectLst/>
+                <a:latin typeface="+mn-lt"/>
+                <a:ea typeface="+mn-ea"/>
+                <a:cs typeface="+mn-cs"/>
+              </a:rPr>
+              <a:t>Scatterplot(Biểu đồ phân tán):</a:t>
+            </a:r>
+            <a:r>
+              <a:rPr lang="vi-VN" sz="1200" kern="1200" dirty="0">
+                <a:solidFill>
+                  <a:schemeClr val="tx1"/>
+                </a:solidFill>
+                <a:effectLst/>
+                <a:latin typeface="+mn-lt"/>
+                <a:ea typeface="+mn-ea"/>
+                <a:cs typeface="+mn-cs"/>
+              </a:rPr>
+              <a:t> Điều tra mối quan hệ giữa các giá trị định lượng.</a:t>
+            </a:r>
+            <a:r>
+              <a:rPr lang="en-VN" dirty="0">
+                <a:effectLst/>
+              </a:rPr>
+              <a:t> </a:t>
+            </a:r>
+            <a:endParaRPr lang="vi-VN" dirty="0"/>
+          </a:p>
+        </p:txBody>
+      </p:sp>
+      <p:sp>
+        <p:nvSpPr>
+          <p:cNvPr id="4" name="Slide Number Placeholder 3"/>
+          <p:cNvSpPr>
+            <a:spLocks noGrp="1"/>
+          </p:cNvSpPr>
+          <p:nvPr>
+            <p:ph type="sldNum" sz="quarter" idx="5"/>
+          </p:nvPr>
+        </p:nvSpPr>
+        <p:spPr/>
+        <p:txBody>
+          <a:bodyPr/>
+          <a:lstStyle/>
+          <a:p>
+            <a:fld id="{12DFB415-EE1A-D048-A7E4-0590EDF9ADB9}" type="slidenum">
+              <a:rPr lang="vi-VN" smtClean="0"/>
+              <a:t>7</a:t>
+            </a:fld>
+            <a:endParaRPr lang="vi-VN"/>
+          </a:p>
+        </p:txBody>
+      </p:sp>
+    </p:spTree>
+    <p:extLst>
+      <p:ext uri="{BB962C8B-B14F-4D97-AF65-F5344CB8AC3E}">
+        <p14:creationId xmlns:p14="http://schemas.microsoft.com/office/powerpoint/2010/main" val="1748788426"/>
+      </p:ext>
+    </p:extLst>
+  </p:cSld>
+  <p:clrMapOvr>
+    <a:masterClrMapping/>
+  </p:clrMapOvr>
+</p:notes>
+</file>
+
+<file path=ppt/notesSlides/notesSlide6.xml><?xml version="1.0" encoding="utf-8"?>
+<p:notes xmlns:a="http://schemas.openxmlformats.org/drawingml/2006/main" xmlns:r="http://schemas.openxmlformats.org/officeDocument/2006/relationships" xmlns:p="http://schemas.openxmlformats.org/presentationml/2006/main">
+  <p:cSld>
+    <p:spTree>
+      <p:nvGrpSpPr>
+        <p:cNvPr id="1" name=""/>
+        <p:cNvGrpSpPr/>
+        <p:nvPr/>
+      </p:nvGrpSpPr>
+      <p:grpSpPr>
+        <a:xfrm>
+          <a:off x="0" y="0"/>
+          <a:ext cx="0" cy="0"/>
+          <a:chOff x="0" y="0"/>
+          <a:chExt cx="0" cy="0"/>
+        </a:xfrm>
+      </p:grpSpPr>
+      <p:sp>
+        <p:nvSpPr>
+          <p:cNvPr id="2" name="Slide Image Placeholder 1"/>
+          <p:cNvSpPr>
+            <a:spLocks noGrp="1" noRot="1" noChangeAspect="1"/>
+          </p:cNvSpPr>
+          <p:nvPr>
+            <p:ph type="sldImg"/>
+          </p:nvPr>
+        </p:nvSpPr>
+        <p:spPr/>
+      </p:sp>
+      <p:sp>
+        <p:nvSpPr>
+          <p:cNvPr id="3" name="Notes Placeholder 2"/>
+          <p:cNvSpPr>
+            <a:spLocks noGrp="1"/>
+          </p:cNvSpPr>
+          <p:nvPr>
+            <p:ph type="body" idx="1"/>
+          </p:nvPr>
+        </p:nvSpPr>
+        <p:spPr/>
+        <p:txBody>
+          <a:bodyPr/>
+          <a:lstStyle/>
+          <a:p>
+            <a:r>
+              <a:rPr lang="en-VN" sz="1200" kern="1200" dirty="0">
+                <a:solidFill>
+                  <a:schemeClr val="tx1"/>
+                </a:solidFill>
+                <a:effectLst/>
+                <a:latin typeface="+mn-lt"/>
+                <a:ea typeface="+mn-ea"/>
+                <a:cs typeface="+mn-cs"/>
+              </a:rPr>
+              <a:t>Qua thời gian thực</a:t>
+            </a:r>
+            <a:r>
+              <a:rPr lang="vi-VN" sz="1200" kern="1200" dirty="0">
+                <a:solidFill>
+                  <a:schemeClr val="tx1"/>
+                </a:solidFill>
+                <a:effectLst/>
+                <a:latin typeface="+mn-lt"/>
+                <a:ea typeface="+mn-ea"/>
+                <a:cs typeface="+mn-cs"/>
+              </a:rPr>
+              <a:t> tập nghề nghiệp ở vị trí Data Analyst, thực hiện đề tài nghiên cứu về phân tích và trực quan hoá dữ liệu mức lương cả năm và nhu cầu mua sắm năm 2021 tại Mỹ</a:t>
+            </a:r>
+            <a:r>
+              <a:rPr lang="en-VN" sz="1200" kern="1200" dirty="0">
+                <a:solidFill>
+                  <a:schemeClr val="tx1"/>
+                </a:solidFill>
+                <a:effectLst/>
+                <a:latin typeface="+mn-lt"/>
+                <a:ea typeface="+mn-ea"/>
+                <a:cs typeface="+mn-cs"/>
+              </a:rPr>
+              <a:t>. Dưới sự hướng dẫn tận tình của cô Cao Thị Nhâm cùng sự hướng</a:t>
+            </a:r>
+            <a:r>
+              <a:rPr lang="vi-VN" sz="1200" kern="1200" dirty="0">
+                <a:solidFill>
+                  <a:schemeClr val="tx1"/>
+                </a:solidFill>
+                <a:effectLst/>
+                <a:latin typeface="+mn-lt"/>
+                <a:ea typeface="+mn-ea"/>
+                <a:cs typeface="+mn-cs"/>
+              </a:rPr>
+              <a:t> dẫn từ anh Đào Văn Tiến Dũng và </a:t>
+            </a:r>
+            <a:r>
+              <a:rPr lang="en-VN" sz="1200" kern="1200" dirty="0">
+                <a:solidFill>
+                  <a:schemeClr val="tx1"/>
+                </a:solidFill>
+                <a:effectLst/>
+                <a:latin typeface="+mn-lt"/>
+                <a:ea typeface="+mn-ea"/>
+                <a:cs typeface="+mn-cs"/>
+              </a:rPr>
+              <a:t>sự</a:t>
+            </a:r>
+            <a:r>
+              <a:rPr lang="vi-VN" sz="1200" kern="1200" dirty="0">
+                <a:solidFill>
+                  <a:schemeClr val="tx1"/>
+                </a:solidFill>
+                <a:effectLst/>
+                <a:latin typeface="+mn-lt"/>
+                <a:ea typeface="+mn-ea"/>
+                <a:cs typeface="+mn-cs"/>
+              </a:rPr>
+              <a:t> góp ý </a:t>
+            </a:r>
+            <a:r>
+              <a:rPr lang="en-VN" sz="1200" kern="1200" dirty="0">
+                <a:solidFill>
+                  <a:schemeClr val="tx1"/>
+                </a:solidFill>
+                <a:effectLst/>
+                <a:latin typeface="+mn-lt"/>
+                <a:ea typeface="+mn-ea"/>
+                <a:cs typeface="+mn-cs"/>
+              </a:rPr>
+              <a:t>từ các anh/chị</a:t>
+            </a:r>
+            <a:r>
+              <a:rPr lang="vi-VN" sz="1200" kern="1200" dirty="0">
+                <a:solidFill>
+                  <a:schemeClr val="tx1"/>
+                </a:solidFill>
+                <a:effectLst/>
+                <a:latin typeface="+mn-lt"/>
+                <a:ea typeface="+mn-ea"/>
+                <a:cs typeface="+mn-cs"/>
+              </a:rPr>
+              <a:t> công ty TMA</a:t>
+            </a:r>
+            <a:r>
+              <a:rPr lang="en-VN" sz="1200" kern="1200" dirty="0">
+                <a:solidFill>
+                  <a:schemeClr val="tx1"/>
+                </a:solidFill>
+                <a:effectLst/>
+                <a:latin typeface="+mn-lt"/>
+                <a:ea typeface="+mn-ea"/>
+                <a:cs typeface="+mn-cs"/>
+              </a:rPr>
+              <a:t>, em đã hiểu được </a:t>
+            </a:r>
+            <a:r>
+              <a:rPr lang="vi-VN" sz="1200" kern="1200" dirty="0">
+                <a:solidFill>
+                  <a:schemeClr val="tx1"/>
+                </a:solidFill>
+                <a:effectLst/>
+                <a:latin typeface="+mn-lt"/>
+                <a:ea typeface="+mn-ea"/>
+                <a:cs typeface="+mn-cs"/>
+              </a:rPr>
+              <a:t>rõ rãng hơn về công việc và vị trí phân tích dữ liệu, cũng như tầm quan trọng trong dự án</a:t>
+            </a:r>
+            <a:r>
+              <a:rPr lang="en-VN" sz="1200" kern="1200" dirty="0">
+                <a:solidFill>
+                  <a:schemeClr val="tx1"/>
+                </a:solidFill>
+                <a:effectLst/>
+                <a:latin typeface="+mn-lt"/>
+                <a:ea typeface="+mn-ea"/>
+                <a:cs typeface="+mn-cs"/>
+              </a:rPr>
+              <a:t>. Bên</a:t>
+            </a:r>
+            <a:r>
+              <a:rPr lang="vi-VN" sz="1200" kern="1200" dirty="0">
+                <a:solidFill>
+                  <a:schemeClr val="tx1"/>
+                </a:solidFill>
+                <a:effectLst/>
+                <a:latin typeface="+mn-lt"/>
+                <a:ea typeface="+mn-ea"/>
+                <a:cs typeface="+mn-cs"/>
+              </a:rPr>
+              <a:t> cạnh đó, em cũng đã có cơ hội ứng dụng kiến thức vào dự án này</a:t>
+            </a:r>
+            <a:r>
+              <a:rPr lang="en-VN" sz="1200" kern="1200" dirty="0">
+                <a:solidFill>
+                  <a:schemeClr val="tx1"/>
+                </a:solidFill>
+                <a:effectLst/>
+                <a:latin typeface="+mn-lt"/>
+                <a:ea typeface="+mn-ea"/>
+                <a:cs typeface="+mn-cs"/>
+              </a:rPr>
+              <a:t>. Trong bài báo cáo em đã thực hiện được những công việc sau: </a:t>
+            </a:r>
+          </a:p>
+          <a:p>
+            <a:pPr lvl="0"/>
+            <a:r>
+              <a:rPr lang="en-VN" sz="1200" kern="1200" dirty="0">
+                <a:solidFill>
+                  <a:schemeClr val="tx1"/>
+                </a:solidFill>
+                <a:effectLst/>
+                <a:latin typeface="+mn-lt"/>
+                <a:ea typeface="+mn-ea"/>
+                <a:cs typeface="+mn-cs"/>
+              </a:rPr>
+              <a:t>Giới thiệu tổng quát về Python</a:t>
+            </a:r>
+            <a:r>
+              <a:rPr lang="vi-VN" sz="1200" kern="1200" dirty="0">
+                <a:solidFill>
+                  <a:schemeClr val="tx1"/>
+                </a:solidFill>
+                <a:effectLst/>
+                <a:latin typeface="+mn-lt"/>
+                <a:ea typeface="+mn-ea"/>
+                <a:cs typeface="+mn-cs"/>
+              </a:rPr>
+              <a:t> và công cụ trực quan hoá dữ liệu Tableau </a:t>
+            </a:r>
+            <a:endParaRPr lang="en-VN" sz="1200" kern="1200" dirty="0">
+              <a:solidFill>
+                <a:schemeClr val="tx1"/>
+              </a:solidFill>
+              <a:effectLst/>
+              <a:latin typeface="+mn-lt"/>
+              <a:ea typeface="+mn-ea"/>
+              <a:cs typeface="+mn-cs"/>
+            </a:endParaRPr>
+          </a:p>
+          <a:p>
+            <a:pPr lvl="0"/>
+            <a:r>
+              <a:rPr lang="en-VN" sz="1200" kern="1200" dirty="0">
+                <a:solidFill>
+                  <a:schemeClr val="tx1"/>
+                </a:solidFill>
+                <a:effectLst/>
+                <a:latin typeface="+mn-lt"/>
+                <a:ea typeface="+mn-ea"/>
+                <a:cs typeface="+mn-cs"/>
+              </a:rPr>
+              <a:t>Xác</a:t>
+            </a:r>
+            <a:r>
+              <a:rPr lang="vi-VN" sz="1200" kern="1200" dirty="0">
+                <a:solidFill>
+                  <a:schemeClr val="tx1"/>
+                </a:solidFill>
+                <a:effectLst/>
+                <a:latin typeface="+mn-lt"/>
+                <a:ea typeface="+mn-ea"/>
+                <a:cs typeface="+mn-cs"/>
+              </a:rPr>
+              <a:t> định được những yêu cầu </a:t>
+            </a:r>
+            <a:endParaRPr lang="en-VN" sz="1200" kern="1200" dirty="0">
+              <a:solidFill>
+                <a:schemeClr val="tx1"/>
+              </a:solidFill>
+              <a:effectLst/>
+              <a:latin typeface="+mn-lt"/>
+              <a:ea typeface="+mn-ea"/>
+              <a:cs typeface="+mn-cs"/>
+            </a:endParaRPr>
+          </a:p>
+          <a:p>
+            <a:pPr lvl="0"/>
+            <a:r>
+              <a:rPr lang="vi-VN" sz="1200" kern="1200" dirty="0">
+                <a:solidFill>
+                  <a:schemeClr val="tx1"/>
+                </a:solidFill>
+                <a:effectLst/>
+                <a:latin typeface="+mn-lt"/>
+                <a:ea typeface="+mn-ea"/>
+                <a:cs typeface="+mn-cs"/>
+              </a:rPr>
+              <a:t>Tìm kiếm dữ liệu phù hợp</a:t>
+            </a:r>
+            <a:endParaRPr lang="en-VN" sz="1200" kern="1200" dirty="0">
+              <a:solidFill>
+                <a:schemeClr val="tx1"/>
+              </a:solidFill>
+              <a:effectLst/>
+              <a:latin typeface="+mn-lt"/>
+              <a:ea typeface="+mn-ea"/>
+              <a:cs typeface="+mn-cs"/>
+            </a:endParaRPr>
+          </a:p>
+          <a:p>
+            <a:pPr lvl="0"/>
+            <a:r>
+              <a:rPr lang="vi-VN" sz="1200" kern="1200" dirty="0">
+                <a:solidFill>
+                  <a:schemeClr val="tx1"/>
+                </a:solidFill>
+                <a:effectLst/>
+                <a:latin typeface="+mn-lt"/>
+                <a:ea typeface="+mn-ea"/>
+                <a:cs typeface="+mn-cs"/>
+              </a:rPr>
+              <a:t>Xử lý và trực quan hoá dữ liệu </a:t>
+            </a:r>
+            <a:endParaRPr lang="en-VN" sz="1200" kern="1200" dirty="0">
+              <a:solidFill>
+                <a:schemeClr val="tx1"/>
+              </a:solidFill>
+              <a:effectLst/>
+              <a:latin typeface="+mn-lt"/>
+              <a:ea typeface="+mn-ea"/>
+              <a:cs typeface="+mn-cs"/>
+            </a:endParaRPr>
+          </a:p>
+          <a:p>
+            <a:r>
+              <a:rPr lang="en-VN" sz="1200" kern="1200" dirty="0">
+                <a:solidFill>
+                  <a:schemeClr val="tx1"/>
+                </a:solidFill>
+                <a:effectLst/>
+                <a:latin typeface="+mn-lt"/>
+                <a:ea typeface="+mn-ea"/>
+                <a:cs typeface="+mn-cs"/>
+              </a:rPr>
+              <a:t>Hiện tại</a:t>
+            </a:r>
+            <a:r>
+              <a:rPr lang="vi-VN" sz="1200" kern="1200" dirty="0">
+                <a:solidFill>
+                  <a:schemeClr val="tx1"/>
+                </a:solidFill>
+                <a:effectLst/>
+                <a:latin typeface="+mn-lt"/>
+                <a:ea typeface="+mn-ea"/>
+                <a:cs typeface="+mn-cs"/>
+              </a:rPr>
+              <a:t> kết quả phân tích dữ liệu chưa </a:t>
+            </a:r>
+            <a:r>
+              <a:rPr lang="en-US" sz="1200" kern="1200" dirty="0" err="1">
+                <a:solidFill>
+                  <a:schemeClr val="tx1"/>
+                </a:solidFill>
+                <a:effectLst/>
+                <a:latin typeface="+mn-lt"/>
+                <a:ea typeface="+mn-ea"/>
+                <a:cs typeface="+mn-cs"/>
+              </a:rPr>
+              <a:t>được</a:t>
+            </a:r>
+            <a:r>
+              <a:rPr lang="vi-VN" sz="1200" kern="1200" dirty="0">
+                <a:solidFill>
+                  <a:schemeClr val="tx1"/>
+                </a:solidFill>
+                <a:effectLst/>
+                <a:latin typeface="+mn-lt"/>
+                <a:ea typeface="+mn-ea"/>
+                <a:cs typeface="+mn-cs"/>
+              </a:rPr>
+              <a:t> khai thác hết, kết quả chỉ thể hiện được xu hướn mua sắm và sự tương quan với mức thu nhập của cá khách hàng tại Mỹ. Trong thời gian tới, em cần trau dồi nhiều hơn về kiến thức và kinh nghiệm, sử dụng thêm các thuật toán phù hợp để phân tích sâu hơn về sự quan tâm của khách hàng về các sản phẩm trên kệ hàng, đồng thời nghiên cứu thêm những mặt hàng cần tăng giá, giảm giá . </a:t>
+            </a:r>
+            <a:endParaRPr lang="en-VN" sz="1200" kern="1200" dirty="0">
+              <a:solidFill>
+                <a:schemeClr val="tx1"/>
+              </a:solidFill>
+              <a:effectLst/>
+              <a:latin typeface="+mn-lt"/>
+              <a:ea typeface="+mn-ea"/>
+              <a:cs typeface="+mn-cs"/>
+            </a:endParaRPr>
+          </a:p>
+          <a:p>
+            <a:br>
+              <a:rPr lang="en-US" sz="1200" kern="1200" dirty="0">
+                <a:solidFill>
+                  <a:schemeClr val="tx1"/>
+                </a:solidFill>
+                <a:effectLst/>
+                <a:latin typeface="+mn-lt"/>
+                <a:ea typeface="+mn-ea"/>
+                <a:cs typeface="+mn-cs"/>
+              </a:rPr>
+            </a:br>
+            <a:endParaRPr lang="vi-VN" dirty="0"/>
+          </a:p>
+        </p:txBody>
+      </p:sp>
+      <p:sp>
+        <p:nvSpPr>
+          <p:cNvPr id="4" name="Slide Number Placeholder 3"/>
+          <p:cNvSpPr>
+            <a:spLocks noGrp="1"/>
+          </p:cNvSpPr>
+          <p:nvPr>
+            <p:ph type="sldNum" sz="quarter" idx="5"/>
+          </p:nvPr>
+        </p:nvSpPr>
+        <p:spPr/>
+        <p:txBody>
+          <a:bodyPr/>
+          <a:lstStyle/>
+          <a:p>
+            <a:fld id="{12DFB415-EE1A-D048-A7E4-0590EDF9ADB9}" type="slidenum">
+              <a:rPr lang="vi-VN" smtClean="0"/>
+              <a:t>16</a:t>
+            </a:fld>
+            <a:endParaRPr lang="vi-VN"/>
+          </a:p>
+        </p:txBody>
+      </p:sp>
+    </p:spTree>
+    <p:extLst>
+      <p:ext uri="{BB962C8B-B14F-4D97-AF65-F5344CB8AC3E}">
+        <p14:creationId xmlns:p14="http://schemas.microsoft.com/office/powerpoint/2010/main" val="1045942245"/>
+      </p:ext>
+    </p:extLst>
+  </p:cSld>
+  <p:clrMapOvr>
+    <a:masterClrMapping/>
+  </p:clrMapOvr>
+</p:notes>
+</file>
+
 <file path=ppt/slideLayouts/slideLayout1.xml><?xml version="1.0" encoding="utf-8"?>
 <p:sldLayout xmlns:a="http://schemas.openxmlformats.org/drawingml/2006/main" xmlns:r="http://schemas.openxmlformats.org/officeDocument/2006/relationships" xmlns:p="http://schemas.openxmlformats.org/presentationml/2006/main" type="title" preserve="1">
   <p:cSld name="Title Slide">
@@ -339,7 +1980,7 @@
             <a:fld id="{1D8BD707-D9CF-40AE-B4C6-C98DA3205C09}" type="datetimeFigureOut">
               <a:rPr lang="en-US" smtClean="0"/>
               <a:pPr/>
-              <a:t>8/13/22</a:t>
+              <a:t>8/16/22</a:t>
             </a:fld>
             <a:endParaRPr lang="en-US"/>
           </a:p>
@@ -504,7 +2145,7 @@
             <a:fld id="{1D8BD707-D9CF-40AE-B4C6-C98DA3205C09}" type="datetimeFigureOut">
               <a:rPr lang="en-US" smtClean="0"/>
               <a:pPr/>
-              <a:t>8/13/22</a:t>
+              <a:t>8/16/22</a:t>
             </a:fld>
             <a:endParaRPr lang="en-US"/>
           </a:p>
@@ -679,7 +2320,7 @@
             <a:fld id="{1D8BD707-D9CF-40AE-B4C6-C98DA3205C09}" type="datetimeFigureOut">
               <a:rPr lang="en-US" smtClean="0"/>
               <a:pPr/>
-              <a:t>8/13/22</a:t>
+              <a:t>8/16/22</a:t>
             </a:fld>
             <a:endParaRPr lang="en-US"/>
           </a:p>
@@ -844,7 +2485,7 @@
             <a:fld id="{1D8BD707-D9CF-40AE-B4C6-C98DA3205C09}" type="datetimeFigureOut">
               <a:rPr lang="en-US" smtClean="0"/>
               <a:pPr/>
-              <a:t>8/13/22</a:t>
+              <a:t>8/16/22</a:t>
             </a:fld>
             <a:endParaRPr lang="en-US"/>
           </a:p>
@@ -1086,7 +2727,7 @@
             <a:fld id="{1D8BD707-D9CF-40AE-B4C6-C98DA3205C09}" type="datetimeFigureOut">
               <a:rPr lang="en-US" smtClean="0"/>
               <a:pPr/>
-              <a:t>8/13/22</a:t>
+              <a:t>8/16/22</a:t>
             </a:fld>
             <a:endParaRPr lang="en-US"/>
           </a:p>
@@ -1368,7 +3009,7 @@
             <a:fld id="{1D8BD707-D9CF-40AE-B4C6-C98DA3205C09}" type="datetimeFigureOut">
               <a:rPr lang="en-US" smtClean="0"/>
               <a:pPr/>
-              <a:t>8/13/22</a:t>
+              <a:t>8/16/22</a:t>
             </a:fld>
             <a:endParaRPr lang="en-US"/>
           </a:p>
@@ -1784,7 +3425,7 @@
             <a:fld id="{1D8BD707-D9CF-40AE-B4C6-C98DA3205C09}" type="datetimeFigureOut">
               <a:rPr lang="en-US" smtClean="0"/>
               <a:pPr/>
-              <a:t>8/13/22</a:t>
+              <a:t>8/16/22</a:t>
             </a:fld>
             <a:endParaRPr lang="en-US"/>
           </a:p>
@@ -1898,7 +3539,7 @@
             <a:fld id="{1D8BD707-D9CF-40AE-B4C6-C98DA3205C09}" type="datetimeFigureOut">
               <a:rPr lang="en-US" smtClean="0"/>
               <a:pPr/>
-              <a:t>8/13/22</a:t>
+              <a:t>8/16/22</a:t>
             </a:fld>
             <a:endParaRPr lang="en-US"/>
           </a:p>
@@ -1990,7 +3631,7 @@
             <a:fld id="{1D8BD707-D9CF-40AE-B4C6-C98DA3205C09}" type="datetimeFigureOut">
               <a:rPr lang="en-US" smtClean="0"/>
               <a:pPr/>
-              <a:t>8/13/22</a:t>
+              <a:t>8/16/22</a:t>
             </a:fld>
             <a:endParaRPr lang="en-US"/>
           </a:p>
@@ -2262,7 +3903,7 @@
             <a:fld id="{1D8BD707-D9CF-40AE-B4C6-C98DA3205C09}" type="datetimeFigureOut">
               <a:rPr lang="en-US" smtClean="0"/>
               <a:pPr/>
-              <a:t>8/13/22</a:t>
+              <a:t>8/16/22</a:t>
             </a:fld>
             <a:endParaRPr lang="en-US"/>
           </a:p>
@@ -2511,7 +4152,7 @@
             <a:fld id="{1D8BD707-D9CF-40AE-B4C6-C98DA3205C09}" type="datetimeFigureOut">
               <a:rPr lang="en-US" smtClean="0"/>
               <a:pPr/>
-              <a:t>8/13/22</a:t>
+              <a:t>8/16/22</a:t>
             </a:fld>
             <a:endParaRPr lang="en-US"/>
           </a:p>
@@ -2719,7 +4360,7 @@
             <a:fld id="{1D8BD707-D9CF-40AE-B4C6-C98DA3205C09}" type="datetimeFigureOut">
               <a:rPr lang="en-US" smtClean="0"/>
               <a:pPr/>
-              <a:t>8/13/22</a:t>
+              <a:t>8/16/22</a:t>
             </a:fld>
             <a:endParaRPr lang="en-US"/>
           </a:p>
@@ -6406,1769 +8047,16 @@
 </p:sld>
 </file>
 
-<file path=ppt/slides/slide2.xml><?xml version="1.0" encoding="utf-8"?>
+<file path=ppt/slides/slide15.xml><?xml version="1.0" encoding="utf-8"?>
 <p:sld xmlns:a="http://schemas.openxmlformats.org/drawingml/2006/main" xmlns:r="http://schemas.openxmlformats.org/officeDocument/2006/relationships" xmlns:p="http://schemas.openxmlformats.org/presentationml/2006/main">
   <p:cSld>
     <p:bg>
       <p:bgPr>
         <a:solidFill>
-          <a:srgbClr val="4D9483"/>
-        </a:solidFill>
-        <a:effectLst/>
-      </p:bgPr>
-    </p:bg>
-    <p:spTree>
-      <p:nvGrpSpPr>
-        <p:cNvPr id="1" name=""/>
-        <p:cNvGrpSpPr/>
-        <p:nvPr/>
-      </p:nvGrpSpPr>
-      <p:grpSpPr>
-        <a:xfrm>
-          <a:off x="0" y="0"/>
-          <a:ext cx="0" cy="0"/>
-          <a:chOff x="0" y="0"/>
-          <a:chExt cx="0" cy="0"/>
-        </a:xfrm>
-      </p:grpSpPr>
-      <p:sp>
-        <p:nvSpPr>
-          <p:cNvPr id="2" name="TextBox 2"/>
-          <p:cNvSpPr txBox="1"/>
-          <p:nvPr/>
-        </p:nvSpPr>
-        <p:spPr>
-          <a:xfrm>
-            <a:off x="1028700" y="3940845"/>
-            <a:ext cx="5164158" cy="2190750"/>
-          </a:xfrm>
-          <a:prstGeom prst="rect">
-            <a:avLst/>
-          </a:prstGeom>
-        </p:spPr>
-        <p:txBody>
-          <a:bodyPr lIns="0" tIns="0" rIns="0" bIns="0" rtlCol="0" anchor="t">
-            <a:spAutoFit/>
-          </a:bodyPr>
-          <a:lstStyle/>
-          <a:p>
-            <a:pPr>
-              <a:lnSpc>
-                <a:spcPts val="8640"/>
-              </a:lnSpc>
-            </a:pPr>
-            <a:r>
-              <a:rPr lang="en-US" sz="7200">
-                <a:solidFill>
-                  <a:srgbClr val="FFFDE7"/>
-                </a:solidFill>
-                <a:latin typeface="TT Norms Bold"/>
-              </a:rPr>
-              <a:t>KẾT CẤU ĐỀ TÀI</a:t>
-            </a:r>
-          </a:p>
-        </p:txBody>
-      </p:sp>
-      <p:sp>
-        <p:nvSpPr>
-          <p:cNvPr id="3" name="TextBox 3"/>
-          <p:cNvSpPr txBox="1"/>
-          <p:nvPr/>
-        </p:nvSpPr>
-        <p:spPr>
-          <a:xfrm>
-            <a:off x="8768182" y="2442317"/>
-            <a:ext cx="6262185" cy="624694"/>
-          </a:xfrm>
-          <a:prstGeom prst="rect">
-            <a:avLst/>
-          </a:prstGeom>
-        </p:spPr>
-        <p:txBody>
-          <a:bodyPr lIns="0" tIns="0" rIns="0" bIns="0" rtlCol="0" anchor="t">
-            <a:spAutoFit/>
-          </a:bodyPr>
-          <a:lstStyle/>
-          <a:p>
-            <a:pPr>
-              <a:lnSpc>
-                <a:spcPts val="5022"/>
-              </a:lnSpc>
-            </a:pPr>
-            <a:r>
-              <a:rPr lang="en-US" sz="3863">
-                <a:solidFill>
-                  <a:srgbClr val="FFFDE7"/>
-                </a:solidFill>
-                <a:latin typeface="Noto Sans Bold"/>
-              </a:rPr>
-              <a:t>TỔNG QUAN VỀ PYTHON</a:t>
-            </a:r>
-          </a:p>
-        </p:txBody>
-      </p:sp>
-      <p:sp>
-        <p:nvSpPr>
-          <p:cNvPr id="4" name="TextBox 4"/>
-          <p:cNvSpPr txBox="1"/>
-          <p:nvPr/>
-        </p:nvSpPr>
-        <p:spPr>
-          <a:xfrm>
-            <a:off x="8768182" y="4100168"/>
-            <a:ext cx="6262185" cy="624694"/>
-          </a:xfrm>
-          <a:prstGeom prst="rect">
-            <a:avLst/>
-          </a:prstGeom>
-        </p:spPr>
-        <p:txBody>
-          <a:bodyPr lIns="0" tIns="0" rIns="0" bIns="0" rtlCol="0" anchor="t">
-            <a:spAutoFit/>
-          </a:bodyPr>
-          <a:lstStyle/>
-          <a:p>
-            <a:pPr>
-              <a:lnSpc>
-                <a:spcPts val="5022"/>
-              </a:lnSpc>
-            </a:pPr>
-            <a:r>
-              <a:rPr lang="en-US" sz="3863">
-                <a:solidFill>
-                  <a:srgbClr val="FFFDE7"/>
-                </a:solidFill>
-                <a:latin typeface="Noto Sans Bold"/>
-              </a:rPr>
-              <a:t>TỔNG QUAN VỀ TABLEAU</a:t>
-            </a:r>
-          </a:p>
-        </p:txBody>
-      </p:sp>
-      <p:sp>
-        <p:nvSpPr>
-          <p:cNvPr id="5" name="TextBox 5"/>
-          <p:cNvSpPr txBox="1"/>
-          <p:nvPr/>
-        </p:nvSpPr>
-        <p:spPr>
-          <a:xfrm>
-            <a:off x="8768182" y="5685562"/>
-            <a:ext cx="8491118" cy="624694"/>
-          </a:xfrm>
-          <a:prstGeom prst="rect">
-            <a:avLst/>
-          </a:prstGeom>
-        </p:spPr>
-        <p:txBody>
-          <a:bodyPr lIns="0" tIns="0" rIns="0" bIns="0" rtlCol="0" anchor="t">
-            <a:spAutoFit/>
-          </a:bodyPr>
-          <a:lstStyle/>
-          <a:p>
-            <a:pPr>
-              <a:lnSpc>
-                <a:spcPts val="5022"/>
-              </a:lnSpc>
-            </a:pPr>
-            <a:r>
-              <a:rPr lang="en-US" sz="3863">
-                <a:solidFill>
-                  <a:srgbClr val="FFFDE7"/>
-                </a:solidFill>
-                <a:latin typeface="Noto Sans Bold"/>
-              </a:rPr>
-              <a:t>TRIỂN KHAI PHÂN TÍCH DỮ LIỆU</a:t>
-            </a:r>
-          </a:p>
-        </p:txBody>
-      </p:sp>
-      <p:pic>
-        <p:nvPicPr>
-          <p:cNvPr id="6" name="Picture 6"/>
-          <p:cNvPicPr>
-            <a:picLocks noChangeAspect="1"/>
-          </p:cNvPicPr>
-          <p:nvPr/>
-        </p:nvPicPr>
-        <p:blipFill>
-          <a:blip r:embed="rId2"/>
-          <a:srcRect/>
-          <a:stretch>
-            <a:fillRect/>
-          </a:stretch>
-        </p:blipFill>
-        <p:spPr>
-          <a:xfrm>
-            <a:off x="16974714" y="0"/>
-            <a:ext cx="1313286" cy="1313286"/>
-          </a:xfrm>
-          <a:prstGeom prst="rect">
-            <a:avLst/>
-          </a:prstGeom>
-        </p:spPr>
-      </p:pic>
-      <p:sp>
-        <p:nvSpPr>
-          <p:cNvPr id="7" name="TextBox 7"/>
-          <p:cNvSpPr txBox="1"/>
-          <p:nvPr/>
-        </p:nvSpPr>
-        <p:spPr>
-          <a:xfrm>
-            <a:off x="5337484" y="2442317"/>
-            <a:ext cx="3155167" cy="624694"/>
-          </a:xfrm>
-          <a:prstGeom prst="rect">
-            <a:avLst/>
-          </a:prstGeom>
-        </p:spPr>
-        <p:txBody>
-          <a:bodyPr lIns="0" tIns="0" rIns="0" bIns="0" rtlCol="0" anchor="t">
-            <a:spAutoFit/>
-          </a:bodyPr>
-          <a:lstStyle/>
-          <a:p>
-            <a:pPr>
-              <a:lnSpc>
-                <a:spcPts val="5022"/>
-              </a:lnSpc>
-            </a:pPr>
-            <a:r>
-              <a:rPr lang="en-US" sz="3863">
-                <a:solidFill>
-                  <a:srgbClr val="FFFDE7"/>
-                </a:solidFill>
-                <a:latin typeface="Noto Sans Bold"/>
-              </a:rPr>
-              <a:t> CHƯƠNG 1:</a:t>
-            </a:r>
-          </a:p>
-        </p:txBody>
-      </p:sp>
-      <p:sp>
-        <p:nvSpPr>
-          <p:cNvPr id="8" name="TextBox 8"/>
-          <p:cNvSpPr txBox="1"/>
-          <p:nvPr/>
-        </p:nvSpPr>
-        <p:spPr>
-          <a:xfrm>
-            <a:off x="5337484" y="4100168"/>
-            <a:ext cx="3155167" cy="624694"/>
-          </a:xfrm>
-          <a:prstGeom prst="rect">
-            <a:avLst/>
-          </a:prstGeom>
-        </p:spPr>
-        <p:txBody>
-          <a:bodyPr lIns="0" tIns="0" rIns="0" bIns="0" rtlCol="0" anchor="t">
-            <a:spAutoFit/>
-          </a:bodyPr>
-          <a:lstStyle/>
-          <a:p>
-            <a:pPr>
-              <a:lnSpc>
-                <a:spcPts val="5022"/>
-              </a:lnSpc>
-            </a:pPr>
-            <a:r>
-              <a:rPr lang="en-US" sz="3863">
-                <a:solidFill>
-                  <a:srgbClr val="FFFDE7"/>
-                </a:solidFill>
-                <a:latin typeface="Noto Sans Bold"/>
-              </a:rPr>
-              <a:t> CHƯƠNG 2:</a:t>
-            </a:r>
-          </a:p>
-        </p:txBody>
-      </p:sp>
-      <p:sp>
-        <p:nvSpPr>
-          <p:cNvPr id="9" name="TextBox 9"/>
-          <p:cNvSpPr txBox="1"/>
-          <p:nvPr/>
-        </p:nvSpPr>
-        <p:spPr>
-          <a:xfrm>
-            <a:off x="5337484" y="5685562"/>
-            <a:ext cx="3155167" cy="624694"/>
-          </a:xfrm>
-          <a:prstGeom prst="rect">
-            <a:avLst/>
-          </a:prstGeom>
-        </p:spPr>
-        <p:txBody>
-          <a:bodyPr lIns="0" tIns="0" rIns="0" bIns="0" rtlCol="0" anchor="t">
-            <a:spAutoFit/>
-          </a:bodyPr>
-          <a:lstStyle/>
-          <a:p>
-            <a:pPr>
-              <a:lnSpc>
-                <a:spcPts val="5022"/>
-              </a:lnSpc>
-            </a:pPr>
-            <a:r>
-              <a:rPr lang="en-US" sz="3863">
-                <a:solidFill>
-                  <a:srgbClr val="FFFDE7"/>
-                </a:solidFill>
-                <a:latin typeface="Noto Sans Bold"/>
-              </a:rPr>
-              <a:t> CHƯƠNG 3:</a:t>
-            </a:r>
-          </a:p>
-        </p:txBody>
-      </p:sp>
-    </p:spTree>
-  </p:cSld>
-  <p:clrMapOvr>
-    <a:masterClrMapping/>
-  </p:clrMapOvr>
-</p:sld>
-</file>
-
-<file path=ppt/slides/slide3.xml><?xml version="1.0" encoding="utf-8"?>
-<p:sld xmlns:a="http://schemas.openxmlformats.org/drawingml/2006/main" xmlns:r="http://schemas.openxmlformats.org/officeDocument/2006/relationships" xmlns:p="http://schemas.openxmlformats.org/presentationml/2006/main">
-  <p:cSld>
-    <p:bg>
-      <p:bgPr>
-        <a:solidFill>
-          <a:srgbClr val="FFC966"/>
-        </a:solidFill>
-        <a:effectLst/>
-      </p:bgPr>
-    </p:bg>
-    <p:spTree>
-      <p:nvGrpSpPr>
-        <p:cNvPr id="1" name=""/>
-        <p:cNvGrpSpPr/>
-        <p:nvPr/>
-      </p:nvGrpSpPr>
-      <p:grpSpPr>
-        <a:xfrm>
-          <a:off x="0" y="0"/>
-          <a:ext cx="0" cy="0"/>
-          <a:chOff x="0" y="0"/>
-          <a:chExt cx="0" cy="0"/>
-        </a:xfrm>
-      </p:grpSpPr>
-      <p:grpSp>
-        <p:nvGrpSpPr>
-          <p:cNvPr id="2" name="Group 2"/>
-          <p:cNvGrpSpPr/>
-          <p:nvPr/>
-        </p:nvGrpSpPr>
-        <p:grpSpPr>
-          <a:xfrm>
-            <a:off x="1264898" y="4153639"/>
-            <a:ext cx="7540113" cy="1815744"/>
-            <a:chOff x="0" y="0"/>
-            <a:chExt cx="10053484" cy="2420992"/>
-          </a:xfrm>
-        </p:grpSpPr>
-        <p:sp>
-          <p:nvSpPr>
-            <p:cNvPr id="3" name="TextBox 3"/>
-            <p:cNvSpPr txBox="1"/>
-            <p:nvPr/>
-          </p:nvSpPr>
-          <p:spPr>
-            <a:xfrm>
-              <a:off x="0" y="-2381"/>
-              <a:ext cx="10053484" cy="1460500"/>
-            </a:xfrm>
-            <a:prstGeom prst="rect">
-              <a:avLst/>
-            </a:prstGeom>
-          </p:spPr>
-          <p:txBody>
-            <a:bodyPr lIns="0" tIns="0" rIns="0" bIns="0" rtlCol="0" anchor="t">
-              <a:spAutoFit/>
-            </a:bodyPr>
-            <a:lstStyle/>
-            <a:p>
-              <a:pPr algn="ctr">
-                <a:lnSpc>
-                  <a:spcPts val="8640"/>
-                </a:lnSpc>
-              </a:pPr>
-              <a:endParaRPr/>
-            </a:p>
-          </p:txBody>
-        </p:sp>
-        <p:sp>
-          <p:nvSpPr>
-            <p:cNvPr id="4" name="TextBox 4"/>
-            <p:cNvSpPr txBox="1"/>
-            <p:nvPr/>
-          </p:nvSpPr>
-          <p:spPr>
-            <a:xfrm>
-              <a:off x="0" y="1693950"/>
-              <a:ext cx="10053484" cy="731308"/>
-            </a:xfrm>
-            <a:prstGeom prst="rect">
-              <a:avLst/>
-            </a:prstGeom>
-          </p:spPr>
-          <p:txBody>
-            <a:bodyPr lIns="0" tIns="0" rIns="0" bIns="0" rtlCol="0" anchor="t">
-              <a:spAutoFit/>
-            </a:bodyPr>
-            <a:lstStyle/>
-            <a:p>
-              <a:pPr algn="ctr">
-                <a:lnSpc>
-                  <a:spcPts val="4550"/>
-                </a:lnSpc>
-              </a:pPr>
-              <a:endParaRPr/>
-            </a:p>
-          </p:txBody>
-        </p:sp>
-      </p:grpSp>
-      <p:pic>
-        <p:nvPicPr>
-          <p:cNvPr id="5" name="Picture 5"/>
-          <p:cNvPicPr>
-            <a:picLocks noChangeAspect="1"/>
-          </p:cNvPicPr>
-          <p:nvPr/>
-        </p:nvPicPr>
-        <p:blipFill>
-          <a:blip r:embed="rId2">
-            <a:extLst>
-              <a:ext uri="{28A0092B-C50C-407E-A947-70E740481C1C}">
-                <a14:useLocalDpi xmlns:a14="http://schemas.microsoft.com/office/drawing/2010/main" val="0"/>
-              </a:ext>
-              <a:ext uri="{96DAC541-7B7A-43D3-8B79-37D633B846F1}">
-                <asvg:svgBlip xmlns:asvg="http://schemas.microsoft.com/office/drawing/2016/SVG/main" r:embed="rId3"/>
-              </a:ext>
-            </a:extLst>
-          </a:blip>
-          <a:srcRect/>
-          <a:stretch>
-            <a:fillRect/>
-          </a:stretch>
-        </p:blipFill>
-        <p:spPr>
-          <a:xfrm flipH="1">
-            <a:off x="13003204" y="2866049"/>
-            <a:ext cx="2131749" cy="2131749"/>
-          </a:xfrm>
-          <a:prstGeom prst="rect">
-            <a:avLst/>
-          </a:prstGeom>
-        </p:spPr>
-      </p:pic>
-      <p:pic>
-        <p:nvPicPr>
-          <p:cNvPr id="6" name="Picture 6"/>
-          <p:cNvPicPr>
-            <a:picLocks noChangeAspect="1"/>
-          </p:cNvPicPr>
-          <p:nvPr/>
-        </p:nvPicPr>
-        <p:blipFill>
-          <a:blip r:embed="rId4">
-            <a:extLst>
-              <a:ext uri="{28A0092B-C50C-407E-A947-70E740481C1C}">
-                <a14:useLocalDpi xmlns:a14="http://schemas.microsoft.com/office/drawing/2010/main" val="0"/>
-              </a:ext>
-              <a:ext uri="{96DAC541-7B7A-43D3-8B79-37D633B846F1}">
-                <asvg:svgBlip xmlns:asvg="http://schemas.microsoft.com/office/drawing/2016/SVG/main" r:embed="rId5"/>
-              </a:ext>
-            </a:extLst>
-          </a:blip>
-          <a:srcRect/>
-          <a:stretch>
-            <a:fillRect/>
-          </a:stretch>
-        </p:blipFill>
-        <p:spPr>
-          <a:xfrm>
-            <a:off x="15127551" y="2866049"/>
-            <a:ext cx="2131749" cy="2131749"/>
-          </a:xfrm>
-          <a:prstGeom prst="rect">
-            <a:avLst/>
-          </a:prstGeom>
-        </p:spPr>
-      </p:pic>
-      <p:pic>
-        <p:nvPicPr>
-          <p:cNvPr id="7" name="Picture 7"/>
-          <p:cNvPicPr>
-            <a:picLocks noChangeAspect="1"/>
-          </p:cNvPicPr>
-          <p:nvPr/>
-        </p:nvPicPr>
-        <p:blipFill>
-          <a:blip r:embed="rId6">
-            <a:extLst>
-              <a:ext uri="{28A0092B-C50C-407E-A947-70E740481C1C}">
-                <a14:useLocalDpi xmlns:a14="http://schemas.microsoft.com/office/drawing/2010/main" val="0"/>
-              </a:ext>
-              <a:ext uri="{96DAC541-7B7A-43D3-8B79-37D633B846F1}">
-                <asvg:svgBlip xmlns:asvg="http://schemas.microsoft.com/office/drawing/2016/SVG/main" r:embed="rId7"/>
-              </a:ext>
-            </a:extLst>
-          </a:blip>
-          <a:srcRect/>
-          <a:stretch>
-            <a:fillRect/>
-          </a:stretch>
-        </p:blipFill>
-        <p:spPr>
-          <a:xfrm flipV="1">
-            <a:off x="13003204" y="4982994"/>
-            <a:ext cx="2131749" cy="2131749"/>
-          </a:xfrm>
-          <a:prstGeom prst="rect">
-            <a:avLst/>
-          </a:prstGeom>
-        </p:spPr>
-      </p:pic>
-      <p:pic>
-        <p:nvPicPr>
-          <p:cNvPr id="8" name="Picture 8"/>
-          <p:cNvPicPr>
-            <a:picLocks noChangeAspect="1"/>
-          </p:cNvPicPr>
-          <p:nvPr/>
-        </p:nvPicPr>
-        <p:blipFill>
-          <a:blip r:embed="rId8">
-            <a:extLst>
-              <a:ext uri="{28A0092B-C50C-407E-A947-70E740481C1C}">
-                <a14:useLocalDpi xmlns:a14="http://schemas.microsoft.com/office/drawing/2010/main" val="0"/>
-              </a:ext>
-              <a:ext uri="{96DAC541-7B7A-43D3-8B79-37D633B846F1}">
-                <asvg:svgBlip xmlns:asvg="http://schemas.microsoft.com/office/drawing/2016/SVG/main" r:embed="rId9"/>
-              </a:ext>
-            </a:extLst>
-          </a:blip>
-          <a:srcRect/>
-          <a:stretch>
-            <a:fillRect/>
-          </a:stretch>
-        </p:blipFill>
-        <p:spPr>
-          <a:xfrm flipH="1" flipV="1">
-            <a:off x="15127551" y="4982994"/>
-            <a:ext cx="2131749" cy="2131749"/>
-          </a:xfrm>
-          <a:prstGeom prst="rect">
-            <a:avLst/>
-          </a:prstGeom>
-        </p:spPr>
-      </p:pic>
-      <p:grpSp>
-        <p:nvGrpSpPr>
-          <p:cNvPr id="9" name="Group 9"/>
-          <p:cNvGrpSpPr/>
-          <p:nvPr/>
-        </p:nvGrpSpPr>
-        <p:grpSpPr>
-          <a:xfrm>
-            <a:off x="14282145" y="1913290"/>
-            <a:ext cx="1686430" cy="1686430"/>
-            <a:chOff x="0" y="0"/>
-            <a:chExt cx="6350000" cy="6350000"/>
-          </a:xfrm>
-        </p:grpSpPr>
-        <p:sp>
-          <p:nvSpPr>
-            <p:cNvPr id="10" name="Freeform 10"/>
-            <p:cNvSpPr/>
-            <p:nvPr/>
-          </p:nvSpPr>
-          <p:spPr>
-            <a:xfrm>
-              <a:off x="14167" y="0"/>
-              <a:ext cx="6321665" cy="6350000"/>
-            </a:xfrm>
-            <a:custGeom>
-              <a:avLst/>
-              <a:gdLst/>
-              <a:ahLst/>
-              <a:cxnLst/>
-              <a:rect l="l" t="t" r="r" b="b"/>
-              <a:pathLst>
-                <a:path w="6321665" h="6350000">
-                  <a:moveTo>
-                    <a:pt x="3160833" y="0"/>
-                  </a:moveTo>
-                  <a:lnTo>
-                    <a:pt x="3160833" y="0"/>
-                  </a:lnTo>
-                  <a:cubicBezTo>
-                    <a:pt x="4908795" y="7817"/>
-                    <a:pt x="6321666" y="1427021"/>
-                    <a:pt x="6321666" y="3175000"/>
-                  </a:cubicBezTo>
-                  <a:cubicBezTo>
-                    <a:pt x="6321666" y="4922979"/>
-                    <a:pt x="4908795" y="6342183"/>
-                    <a:pt x="3160833" y="6350000"/>
-                  </a:cubicBezTo>
-                  <a:cubicBezTo>
-                    <a:pt x="1412871" y="6342183"/>
-                    <a:pt x="0" y="4922979"/>
-                    <a:pt x="0" y="3175000"/>
-                  </a:cubicBezTo>
-                  <a:cubicBezTo>
-                    <a:pt x="0" y="1427021"/>
-                    <a:pt x="1412871" y="7817"/>
-                    <a:pt x="3160833" y="0"/>
-                  </a:cubicBezTo>
-                  <a:close/>
-                </a:path>
-              </a:pathLst>
-            </a:custGeom>
-            <a:solidFill>
-              <a:srgbClr val="E86424"/>
-            </a:solidFill>
-          </p:spPr>
-        </p:sp>
-      </p:grpSp>
-      <p:pic>
-        <p:nvPicPr>
-          <p:cNvPr id="11" name="Picture 11"/>
-          <p:cNvPicPr>
-            <a:picLocks noChangeAspect="1"/>
-          </p:cNvPicPr>
-          <p:nvPr/>
-        </p:nvPicPr>
-        <p:blipFill>
-          <a:blip r:embed="rId10">
-            <a:extLst>
-              <a:ext uri="{28A0092B-C50C-407E-A947-70E740481C1C}">
-                <a14:useLocalDpi xmlns:a14="http://schemas.microsoft.com/office/drawing/2010/main" val="0"/>
-              </a:ext>
-              <a:ext uri="{96DAC541-7B7A-43D3-8B79-37D633B846F1}">
-                <asvg:svgBlip xmlns:asvg="http://schemas.microsoft.com/office/drawing/2016/SVG/main" r:embed="rId11"/>
-              </a:ext>
-            </a:extLst>
-          </a:blip>
-          <a:srcRect/>
-          <a:stretch>
-            <a:fillRect/>
-          </a:stretch>
-        </p:blipFill>
-        <p:spPr>
-          <a:xfrm rot="-10800000">
-            <a:off x="14069079" y="7114743"/>
-            <a:ext cx="2189979" cy="1094990"/>
-          </a:xfrm>
-          <a:prstGeom prst="rect">
-            <a:avLst/>
-          </a:prstGeom>
-        </p:spPr>
-      </p:pic>
-      <p:sp>
-        <p:nvSpPr>
-          <p:cNvPr id="12" name="TextBox 12"/>
-          <p:cNvSpPr txBox="1"/>
-          <p:nvPr/>
-        </p:nvSpPr>
-        <p:spPr>
-          <a:xfrm>
-            <a:off x="1028700" y="4463024"/>
-            <a:ext cx="10845478" cy="1130300"/>
-          </a:xfrm>
-          <a:prstGeom prst="rect">
-            <a:avLst/>
-          </a:prstGeom>
-        </p:spPr>
-        <p:txBody>
-          <a:bodyPr lIns="0" tIns="0" rIns="0" bIns="0" rtlCol="0" anchor="t">
-            <a:spAutoFit/>
-          </a:bodyPr>
-          <a:lstStyle/>
-          <a:p>
-            <a:pPr algn="ctr">
-              <a:lnSpc>
-                <a:spcPts val="9100"/>
-              </a:lnSpc>
-              <a:spcBef>
-                <a:spcPct val="0"/>
-              </a:spcBef>
-            </a:pPr>
-            <a:r>
-              <a:rPr lang="en-US" sz="7000">
-                <a:solidFill>
-                  <a:srgbClr val="393838"/>
-                </a:solidFill>
-                <a:latin typeface="TT Norms"/>
-              </a:rPr>
-              <a:t>TỔNG QUAN VỀ PYTHON</a:t>
-            </a:r>
-          </a:p>
-        </p:txBody>
-      </p:sp>
-      <p:pic>
-        <p:nvPicPr>
-          <p:cNvPr id="13" name="Picture 13"/>
-          <p:cNvPicPr>
-            <a:picLocks noChangeAspect="1"/>
-          </p:cNvPicPr>
-          <p:nvPr/>
-        </p:nvPicPr>
-        <p:blipFill>
-          <a:blip r:embed="rId12"/>
-          <a:srcRect/>
-          <a:stretch>
-            <a:fillRect/>
-          </a:stretch>
-        </p:blipFill>
-        <p:spPr>
-          <a:xfrm>
-            <a:off x="16974714" y="0"/>
-            <a:ext cx="1313286" cy="1313286"/>
-          </a:xfrm>
-          <a:prstGeom prst="rect">
-            <a:avLst/>
-          </a:prstGeom>
-        </p:spPr>
-      </p:pic>
-      <p:sp>
-        <p:nvSpPr>
-          <p:cNvPr id="14" name="TextBox 14"/>
-          <p:cNvSpPr txBox="1"/>
-          <p:nvPr/>
-        </p:nvSpPr>
-        <p:spPr>
-          <a:xfrm>
-            <a:off x="1028700" y="3340839"/>
-            <a:ext cx="3645322" cy="812800"/>
-          </a:xfrm>
-          <a:prstGeom prst="rect">
-            <a:avLst/>
-          </a:prstGeom>
-        </p:spPr>
-        <p:txBody>
-          <a:bodyPr lIns="0" tIns="0" rIns="0" bIns="0" rtlCol="0" anchor="t">
-            <a:spAutoFit/>
-          </a:bodyPr>
-          <a:lstStyle/>
-          <a:p>
-            <a:pPr>
-              <a:lnSpc>
-                <a:spcPts val="6500"/>
-              </a:lnSpc>
-            </a:pPr>
-            <a:r>
-              <a:rPr lang="en-US" sz="5000">
-                <a:solidFill>
-                  <a:srgbClr val="FFFDE7"/>
-                </a:solidFill>
-                <a:latin typeface="Noto Sans Bold"/>
-              </a:rPr>
-              <a:t> CHƯƠNG 1</a:t>
-            </a:r>
-          </a:p>
-        </p:txBody>
-      </p:sp>
-    </p:spTree>
-  </p:cSld>
-  <p:clrMapOvr>
-    <a:masterClrMapping/>
-  </p:clrMapOvr>
-</p:sld>
-</file>
-
-<file path=ppt/slides/slide4.xml><?xml version="1.0" encoding="utf-8"?>
-<p:sld xmlns:a="http://schemas.openxmlformats.org/drawingml/2006/main" xmlns:r="http://schemas.openxmlformats.org/officeDocument/2006/relationships" xmlns:p="http://schemas.openxmlformats.org/presentationml/2006/main">
-  <p:cSld>
-    <p:spTree>
-      <p:nvGrpSpPr>
-        <p:cNvPr id="1" name=""/>
-        <p:cNvGrpSpPr/>
-        <p:nvPr/>
-      </p:nvGrpSpPr>
-      <p:grpSpPr>
-        <a:xfrm>
-          <a:off x="0" y="0"/>
-          <a:ext cx="0" cy="0"/>
-          <a:chOff x="0" y="0"/>
-          <a:chExt cx="0" cy="0"/>
-        </a:xfrm>
-      </p:grpSpPr>
-      <p:pic>
-        <p:nvPicPr>
-          <p:cNvPr id="2" name="Picture 2"/>
-          <p:cNvPicPr>
-            <a:picLocks noChangeAspect="1"/>
-          </p:cNvPicPr>
-          <p:nvPr/>
-        </p:nvPicPr>
-        <p:blipFill>
-          <a:blip r:embed="rId2">
-            <a:extLst>
-              <a:ext uri="{28A0092B-C50C-407E-A947-70E740481C1C}">
-                <a14:useLocalDpi xmlns:a14="http://schemas.microsoft.com/office/drawing/2010/main" val="0"/>
-              </a:ext>
-              <a:ext uri="{96DAC541-7B7A-43D3-8B79-37D633B846F1}">
-                <asvg:svgBlip xmlns:asvg="http://schemas.microsoft.com/office/drawing/2016/SVG/main" r:embed="rId3"/>
-              </a:ext>
-            </a:extLst>
-          </a:blip>
-          <a:srcRect/>
-          <a:stretch>
-            <a:fillRect/>
-          </a:stretch>
-        </p:blipFill>
-        <p:spPr>
-          <a:xfrm rot="-5400000">
-            <a:off x="16838529" y="7802013"/>
-            <a:ext cx="2912574" cy="2912574"/>
-          </a:xfrm>
-          <a:prstGeom prst="rect">
-            <a:avLst/>
-          </a:prstGeom>
-        </p:spPr>
-      </p:pic>
-      <p:grpSp>
-        <p:nvGrpSpPr>
-          <p:cNvPr id="3" name="Group 3"/>
-          <p:cNvGrpSpPr/>
-          <p:nvPr/>
-        </p:nvGrpSpPr>
-        <p:grpSpPr>
-          <a:xfrm>
-            <a:off x="-1883874" y="3834789"/>
-            <a:ext cx="2912574" cy="2912574"/>
-            <a:chOff x="0" y="0"/>
-            <a:chExt cx="6350000" cy="6350000"/>
-          </a:xfrm>
-        </p:grpSpPr>
-        <p:sp>
-          <p:nvSpPr>
-            <p:cNvPr id="4" name="Freeform 4"/>
-            <p:cNvSpPr/>
-            <p:nvPr/>
-          </p:nvSpPr>
-          <p:spPr>
-            <a:xfrm>
-              <a:off x="14167" y="0"/>
-              <a:ext cx="6321665" cy="6350000"/>
-            </a:xfrm>
-            <a:custGeom>
-              <a:avLst/>
-              <a:gdLst/>
-              <a:ahLst/>
-              <a:cxnLst/>
-              <a:rect l="l" t="t" r="r" b="b"/>
-              <a:pathLst>
-                <a:path w="6321665" h="6350000">
-                  <a:moveTo>
-                    <a:pt x="3160833" y="0"/>
-                  </a:moveTo>
-                  <a:lnTo>
-                    <a:pt x="3160833" y="0"/>
-                  </a:lnTo>
-                  <a:cubicBezTo>
-                    <a:pt x="4908795" y="7817"/>
-                    <a:pt x="6321666" y="1427021"/>
-                    <a:pt x="6321666" y="3175000"/>
-                  </a:cubicBezTo>
-                  <a:cubicBezTo>
-                    <a:pt x="6321666" y="4922979"/>
-                    <a:pt x="4908795" y="6342183"/>
-                    <a:pt x="3160833" y="6350000"/>
-                  </a:cubicBezTo>
-                  <a:cubicBezTo>
-                    <a:pt x="1412871" y="6342183"/>
-                    <a:pt x="0" y="4922979"/>
-                    <a:pt x="0" y="3175000"/>
-                  </a:cubicBezTo>
-                  <a:cubicBezTo>
-                    <a:pt x="0" y="1427021"/>
-                    <a:pt x="1412871" y="7817"/>
-                    <a:pt x="3160833" y="0"/>
-                  </a:cubicBezTo>
-                  <a:close/>
-                </a:path>
-              </a:pathLst>
-            </a:custGeom>
-            <a:solidFill>
-              <a:srgbClr val="3C58A2"/>
-            </a:solidFill>
-          </p:spPr>
-        </p:sp>
-      </p:grpSp>
-      <p:pic>
-        <p:nvPicPr>
-          <p:cNvPr id="5" name="Picture 5"/>
-          <p:cNvPicPr>
-            <a:picLocks noChangeAspect="1"/>
-          </p:cNvPicPr>
-          <p:nvPr/>
-        </p:nvPicPr>
-        <p:blipFill>
-          <a:blip r:embed="rId4"/>
-          <a:srcRect/>
-          <a:stretch>
-            <a:fillRect/>
-          </a:stretch>
-        </p:blipFill>
-        <p:spPr>
-          <a:xfrm>
-            <a:off x="16991055" y="0"/>
-            <a:ext cx="1313286" cy="1313286"/>
-          </a:xfrm>
-          <a:prstGeom prst="rect">
-            <a:avLst/>
-          </a:prstGeom>
-        </p:spPr>
-      </p:pic>
-      <p:pic>
-        <p:nvPicPr>
-          <p:cNvPr id="6" name="Picture 6"/>
-          <p:cNvPicPr>
-            <a:picLocks noChangeAspect="1"/>
-          </p:cNvPicPr>
-          <p:nvPr/>
-        </p:nvPicPr>
-        <p:blipFill>
-          <a:blip r:embed="rId5"/>
-          <a:srcRect/>
-          <a:stretch>
-            <a:fillRect/>
-          </a:stretch>
-        </p:blipFill>
-        <p:spPr>
-          <a:xfrm>
-            <a:off x="11204001" y="2624361"/>
-            <a:ext cx="5436037" cy="5038278"/>
-          </a:xfrm>
-          <a:prstGeom prst="rect">
-            <a:avLst/>
-          </a:prstGeom>
-        </p:spPr>
-      </p:pic>
-      <p:sp>
-        <p:nvSpPr>
-          <p:cNvPr id="7" name="TextBox 7"/>
-          <p:cNvSpPr txBox="1"/>
-          <p:nvPr/>
-        </p:nvSpPr>
-        <p:spPr>
-          <a:xfrm>
-            <a:off x="5721846" y="417195"/>
-            <a:ext cx="6844308" cy="1156335"/>
-          </a:xfrm>
-          <a:prstGeom prst="rect">
-            <a:avLst/>
-          </a:prstGeom>
-        </p:spPr>
-        <p:txBody>
-          <a:bodyPr lIns="0" tIns="0" rIns="0" bIns="0" rtlCol="0" anchor="t">
-            <a:spAutoFit/>
-          </a:bodyPr>
-          <a:lstStyle/>
-          <a:p>
-            <a:pPr marL="0" lvl="0" indent="0" algn="ctr">
-              <a:lnSpc>
-                <a:spcPts val="9360"/>
-              </a:lnSpc>
-              <a:spcBef>
-                <a:spcPct val="0"/>
-              </a:spcBef>
-            </a:pPr>
-            <a:r>
-              <a:rPr lang="en-US" sz="7200">
-                <a:solidFill>
-                  <a:srgbClr val="4D9483"/>
-                </a:solidFill>
-                <a:latin typeface="TT Norms"/>
-              </a:rPr>
-              <a:t>PYTHON LÀ GÌ?</a:t>
-            </a:r>
-          </a:p>
-        </p:txBody>
-      </p:sp>
-      <p:sp>
-        <p:nvSpPr>
-          <p:cNvPr id="8" name="TextBox 8"/>
-          <p:cNvSpPr txBox="1"/>
-          <p:nvPr/>
-        </p:nvSpPr>
-        <p:spPr>
-          <a:xfrm>
-            <a:off x="1895032" y="2677160"/>
-            <a:ext cx="7248968" cy="2466340"/>
-          </a:xfrm>
-          <a:prstGeom prst="rect">
-            <a:avLst/>
-          </a:prstGeom>
-        </p:spPr>
-        <p:txBody>
-          <a:bodyPr lIns="0" tIns="0" rIns="0" bIns="0" rtlCol="0" anchor="t">
-            <a:spAutoFit/>
-          </a:bodyPr>
-          <a:lstStyle/>
-          <a:p>
-            <a:pPr algn="just">
-              <a:lnSpc>
-                <a:spcPts val="4940"/>
-              </a:lnSpc>
-            </a:pPr>
-            <a:r>
-              <a:rPr lang="en-US" sz="3800">
-                <a:solidFill>
-                  <a:srgbClr val="000000"/>
-                </a:solidFill>
-                <a:latin typeface="TT Norms"/>
-              </a:rPr>
-              <a:t> Python là một ngôn ngữ lập trình phổ biến. Nó được tạo ra bởi Guido van Rossum và được phát hành vào năm 1991.</a:t>
-            </a:r>
-          </a:p>
-        </p:txBody>
-      </p:sp>
-    </p:spTree>
-  </p:cSld>
-  <p:clrMapOvr>
-    <a:masterClrMapping/>
-  </p:clrMapOvr>
-</p:sld>
-</file>
-
-<file path=ppt/slides/slide5.xml><?xml version="1.0" encoding="utf-8"?>
-<p:sld xmlns:a="http://schemas.openxmlformats.org/drawingml/2006/main" xmlns:r="http://schemas.openxmlformats.org/officeDocument/2006/relationships" xmlns:p="http://schemas.openxmlformats.org/presentationml/2006/main">
-  <p:cSld>
-    <p:spTree>
-      <p:nvGrpSpPr>
-        <p:cNvPr id="1" name=""/>
-        <p:cNvGrpSpPr/>
-        <p:nvPr/>
-      </p:nvGrpSpPr>
-      <p:grpSpPr>
-        <a:xfrm>
-          <a:off x="0" y="0"/>
-          <a:ext cx="0" cy="0"/>
-          <a:chOff x="0" y="0"/>
-          <a:chExt cx="0" cy="0"/>
-        </a:xfrm>
-      </p:grpSpPr>
-      <p:pic>
-        <p:nvPicPr>
-          <p:cNvPr id="2" name="Picture 2"/>
-          <p:cNvPicPr>
-            <a:picLocks noChangeAspect="1"/>
-          </p:cNvPicPr>
-          <p:nvPr/>
-        </p:nvPicPr>
-        <p:blipFill>
-          <a:blip r:embed="rId2"/>
-          <a:srcRect/>
-          <a:stretch>
-            <a:fillRect/>
-          </a:stretch>
-        </p:blipFill>
-        <p:spPr>
-          <a:xfrm>
-            <a:off x="16974714" y="0"/>
-            <a:ext cx="1313286" cy="1313286"/>
-          </a:xfrm>
-          <a:prstGeom prst="rect">
-            <a:avLst/>
-          </a:prstGeom>
-        </p:spPr>
-      </p:pic>
-      <p:pic>
-        <p:nvPicPr>
-          <p:cNvPr id="3" name="Picture 3"/>
-          <p:cNvPicPr>
-            <a:picLocks noChangeAspect="1"/>
-          </p:cNvPicPr>
-          <p:nvPr/>
-        </p:nvPicPr>
-        <p:blipFill>
-          <a:blip r:embed="rId3"/>
-          <a:srcRect/>
-          <a:stretch>
-            <a:fillRect/>
-          </a:stretch>
-        </p:blipFill>
-        <p:spPr>
-          <a:xfrm>
-            <a:off x="5627808" y="2225916"/>
-            <a:ext cx="7032384" cy="7032384"/>
-          </a:xfrm>
-          <a:prstGeom prst="rect">
-            <a:avLst/>
-          </a:prstGeom>
-        </p:spPr>
-      </p:pic>
-      <p:sp>
-        <p:nvSpPr>
-          <p:cNvPr id="4" name="TextBox 4"/>
-          <p:cNvSpPr txBox="1"/>
-          <p:nvPr/>
-        </p:nvSpPr>
-        <p:spPr>
-          <a:xfrm>
-            <a:off x="3733019" y="417195"/>
-            <a:ext cx="10821963" cy="1156335"/>
-          </a:xfrm>
-          <a:prstGeom prst="rect">
-            <a:avLst/>
-          </a:prstGeom>
-        </p:spPr>
-        <p:txBody>
-          <a:bodyPr lIns="0" tIns="0" rIns="0" bIns="0" rtlCol="0" anchor="t">
-            <a:spAutoFit/>
-          </a:bodyPr>
-          <a:lstStyle/>
-          <a:p>
-            <a:pPr marL="0" lvl="0" indent="0" algn="ctr">
-              <a:lnSpc>
-                <a:spcPts val="9360"/>
-              </a:lnSpc>
-              <a:spcBef>
-                <a:spcPct val="0"/>
-              </a:spcBef>
-            </a:pPr>
-            <a:r>
-              <a:rPr lang="en-US" sz="7200">
-                <a:solidFill>
-                  <a:srgbClr val="4D9483"/>
-                </a:solidFill>
-                <a:latin typeface="TT Norms"/>
-              </a:rPr>
-              <a:t>PYTHON CÓ THỂ LÀM GÌ</a:t>
-            </a:r>
-          </a:p>
-        </p:txBody>
-      </p:sp>
-    </p:spTree>
-  </p:cSld>
-  <p:clrMapOvr>
-    <a:masterClrMapping/>
-  </p:clrMapOvr>
-</p:sld>
-</file>
-
-<file path=ppt/slides/slide6.xml><?xml version="1.0" encoding="utf-8"?>
-<p:sld xmlns:a="http://schemas.openxmlformats.org/drawingml/2006/main" xmlns:r="http://schemas.openxmlformats.org/officeDocument/2006/relationships" xmlns:p="http://schemas.openxmlformats.org/presentationml/2006/main">
-  <p:cSld>
-    <p:bg>
-      <p:bgPr>
-        <a:solidFill>
-          <a:srgbClr val="FFC966"/>
-        </a:solidFill>
-        <a:effectLst/>
-      </p:bgPr>
-    </p:bg>
-    <p:spTree>
-      <p:nvGrpSpPr>
-        <p:cNvPr id="1" name=""/>
-        <p:cNvGrpSpPr/>
-        <p:nvPr/>
-      </p:nvGrpSpPr>
-      <p:grpSpPr>
-        <a:xfrm>
-          <a:off x="0" y="0"/>
-          <a:ext cx="0" cy="0"/>
-          <a:chOff x="0" y="0"/>
-          <a:chExt cx="0" cy="0"/>
-        </a:xfrm>
-      </p:grpSpPr>
-      <p:grpSp>
-        <p:nvGrpSpPr>
-          <p:cNvPr id="2" name="Group 2"/>
-          <p:cNvGrpSpPr/>
-          <p:nvPr/>
-        </p:nvGrpSpPr>
-        <p:grpSpPr>
-          <a:xfrm>
-            <a:off x="1264898" y="4153639"/>
-            <a:ext cx="7540113" cy="1815744"/>
-            <a:chOff x="0" y="0"/>
-            <a:chExt cx="10053484" cy="2420992"/>
-          </a:xfrm>
-        </p:grpSpPr>
-        <p:sp>
-          <p:nvSpPr>
-            <p:cNvPr id="3" name="TextBox 3"/>
-            <p:cNvSpPr txBox="1"/>
-            <p:nvPr/>
-          </p:nvSpPr>
-          <p:spPr>
-            <a:xfrm>
-              <a:off x="0" y="-2381"/>
-              <a:ext cx="10053484" cy="1460500"/>
-            </a:xfrm>
-            <a:prstGeom prst="rect">
-              <a:avLst/>
-            </a:prstGeom>
-          </p:spPr>
-          <p:txBody>
-            <a:bodyPr lIns="0" tIns="0" rIns="0" bIns="0" rtlCol="0" anchor="t">
-              <a:spAutoFit/>
-            </a:bodyPr>
-            <a:lstStyle/>
-            <a:p>
-              <a:pPr algn="ctr">
-                <a:lnSpc>
-                  <a:spcPts val="8640"/>
-                </a:lnSpc>
-              </a:pPr>
-              <a:endParaRPr/>
-            </a:p>
-          </p:txBody>
-        </p:sp>
-        <p:sp>
-          <p:nvSpPr>
-            <p:cNvPr id="4" name="TextBox 4"/>
-            <p:cNvSpPr txBox="1"/>
-            <p:nvPr/>
-          </p:nvSpPr>
-          <p:spPr>
-            <a:xfrm>
-              <a:off x="0" y="1693950"/>
-              <a:ext cx="10053484" cy="731308"/>
-            </a:xfrm>
-            <a:prstGeom prst="rect">
-              <a:avLst/>
-            </a:prstGeom>
-          </p:spPr>
-          <p:txBody>
-            <a:bodyPr lIns="0" tIns="0" rIns="0" bIns="0" rtlCol="0" anchor="t">
-              <a:spAutoFit/>
-            </a:bodyPr>
-            <a:lstStyle/>
-            <a:p>
-              <a:pPr algn="ctr">
-                <a:lnSpc>
-                  <a:spcPts val="4550"/>
-                </a:lnSpc>
-              </a:pPr>
-              <a:endParaRPr/>
-            </a:p>
-          </p:txBody>
-        </p:sp>
-      </p:grpSp>
-      <p:pic>
-        <p:nvPicPr>
-          <p:cNvPr id="5" name="Picture 5"/>
-          <p:cNvPicPr>
-            <a:picLocks noChangeAspect="1"/>
-          </p:cNvPicPr>
-          <p:nvPr/>
-        </p:nvPicPr>
-        <p:blipFill>
-          <a:blip r:embed="rId2">
-            <a:extLst>
-              <a:ext uri="{28A0092B-C50C-407E-A947-70E740481C1C}">
-                <a14:useLocalDpi xmlns:a14="http://schemas.microsoft.com/office/drawing/2010/main" val="0"/>
-              </a:ext>
-              <a:ext uri="{96DAC541-7B7A-43D3-8B79-37D633B846F1}">
-                <asvg:svgBlip xmlns:asvg="http://schemas.microsoft.com/office/drawing/2016/SVG/main" r:embed="rId3"/>
-              </a:ext>
-            </a:extLst>
-          </a:blip>
-          <a:srcRect/>
-          <a:stretch>
-            <a:fillRect/>
-          </a:stretch>
-        </p:blipFill>
-        <p:spPr>
-          <a:xfrm flipH="1">
-            <a:off x="13003204" y="2866049"/>
-            <a:ext cx="2131749" cy="2131749"/>
-          </a:xfrm>
-          <a:prstGeom prst="rect">
-            <a:avLst/>
-          </a:prstGeom>
-        </p:spPr>
-      </p:pic>
-      <p:pic>
-        <p:nvPicPr>
-          <p:cNvPr id="6" name="Picture 6"/>
-          <p:cNvPicPr>
-            <a:picLocks noChangeAspect="1"/>
-          </p:cNvPicPr>
-          <p:nvPr/>
-        </p:nvPicPr>
-        <p:blipFill>
-          <a:blip r:embed="rId4">
-            <a:extLst>
-              <a:ext uri="{28A0092B-C50C-407E-A947-70E740481C1C}">
-                <a14:useLocalDpi xmlns:a14="http://schemas.microsoft.com/office/drawing/2010/main" val="0"/>
-              </a:ext>
-              <a:ext uri="{96DAC541-7B7A-43D3-8B79-37D633B846F1}">
-                <asvg:svgBlip xmlns:asvg="http://schemas.microsoft.com/office/drawing/2016/SVG/main" r:embed="rId5"/>
-              </a:ext>
-            </a:extLst>
-          </a:blip>
-          <a:srcRect/>
-          <a:stretch>
-            <a:fillRect/>
-          </a:stretch>
-        </p:blipFill>
-        <p:spPr>
-          <a:xfrm>
-            <a:off x="15127551" y="2866049"/>
-            <a:ext cx="2131749" cy="2131749"/>
-          </a:xfrm>
-          <a:prstGeom prst="rect">
-            <a:avLst/>
-          </a:prstGeom>
-        </p:spPr>
-      </p:pic>
-      <p:pic>
-        <p:nvPicPr>
-          <p:cNvPr id="7" name="Picture 7"/>
-          <p:cNvPicPr>
-            <a:picLocks noChangeAspect="1"/>
-          </p:cNvPicPr>
-          <p:nvPr/>
-        </p:nvPicPr>
-        <p:blipFill>
-          <a:blip r:embed="rId6">
-            <a:extLst>
-              <a:ext uri="{28A0092B-C50C-407E-A947-70E740481C1C}">
-                <a14:useLocalDpi xmlns:a14="http://schemas.microsoft.com/office/drawing/2010/main" val="0"/>
-              </a:ext>
-              <a:ext uri="{96DAC541-7B7A-43D3-8B79-37D633B846F1}">
-                <asvg:svgBlip xmlns:asvg="http://schemas.microsoft.com/office/drawing/2016/SVG/main" r:embed="rId7"/>
-              </a:ext>
-            </a:extLst>
-          </a:blip>
-          <a:srcRect/>
-          <a:stretch>
-            <a:fillRect/>
-          </a:stretch>
-        </p:blipFill>
-        <p:spPr>
-          <a:xfrm flipV="1">
-            <a:off x="13003204" y="4982994"/>
-            <a:ext cx="2131749" cy="2131749"/>
-          </a:xfrm>
-          <a:prstGeom prst="rect">
-            <a:avLst/>
-          </a:prstGeom>
-        </p:spPr>
-      </p:pic>
-      <p:pic>
-        <p:nvPicPr>
-          <p:cNvPr id="8" name="Picture 8"/>
-          <p:cNvPicPr>
-            <a:picLocks noChangeAspect="1"/>
-          </p:cNvPicPr>
-          <p:nvPr/>
-        </p:nvPicPr>
-        <p:blipFill>
-          <a:blip r:embed="rId8">
-            <a:extLst>
-              <a:ext uri="{28A0092B-C50C-407E-A947-70E740481C1C}">
-                <a14:useLocalDpi xmlns:a14="http://schemas.microsoft.com/office/drawing/2010/main" val="0"/>
-              </a:ext>
-              <a:ext uri="{96DAC541-7B7A-43D3-8B79-37D633B846F1}">
-                <asvg:svgBlip xmlns:asvg="http://schemas.microsoft.com/office/drawing/2016/SVG/main" r:embed="rId9"/>
-              </a:ext>
-            </a:extLst>
-          </a:blip>
-          <a:srcRect/>
-          <a:stretch>
-            <a:fillRect/>
-          </a:stretch>
-        </p:blipFill>
-        <p:spPr>
-          <a:xfrm flipH="1" flipV="1">
-            <a:off x="15127551" y="4982994"/>
-            <a:ext cx="2131749" cy="2131749"/>
-          </a:xfrm>
-          <a:prstGeom prst="rect">
-            <a:avLst/>
-          </a:prstGeom>
-        </p:spPr>
-      </p:pic>
-      <p:grpSp>
-        <p:nvGrpSpPr>
-          <p:cNvPr id="9" name="Group 9"/>
-          <p:cNvGrpSpPr/>
-          <p:nvPr/>
-        </p:nvGrpSpPr>
-        <p:grpSpPr>
-          <a:xfrm>
-            <a:off x="14282145" y="1913290"/>
-            <a:ext cx="1686430" cy="1686430"/>
-            <a:chOff x="0" y="0"/>
-            <a:chExt cx="6350000" cy="6350000"/>
-          </a:xfrm>
-        </p:grpSpPr>
-        <p:sp>
-          <p:nvSpPr>
-            <p:cNvPr id="10" name="Freeform 10"/>
-            <p:cNvSpPr/>
-            <p:nvPr/>
-          </p:nvSpPr>
-          <p:spPr>
-            <a:xfrm>
-              <a:off x="14167" y="0"/>
-              <a:ext cx="6321665" cy="6350000"/>
-            </a:xfrm>
-            <a:custGeom>
-              <a:avLst/>
-              <a:gdLst/>
-              <a:ahLst/>
-              <a:cxnLst/>
-              <a:rect l="l" t="t" r="r" b="b"/>
-              <a:pathLst>
-                <a:path w="6321665" h="6350000">
-                  <a:moveTo>
-                    <a:pt x="3160833" y="0"/>
-                  </a:moveTo>
-                  <a:lnTo>
-                    <a:pt x="3160833" y="0"/>
-                  </a:lnTo>
-                  <a:cubicBezTo>
-                    <a:pt x="4908795" y="7817"/>
-                    <a:pt x="6321666" y="1427021"/>
-                    <a:pt x="6321666" y="3175000"/>
-                  </a:cubicBezTo>
-                  <a:cubicBezTo>
-                    <a:pt x="6321666" y="4922979"/>
-                    <a:pt x="4908795" y="6342183"/>
-                    <a:pt x="3160833" y="6350000"/>
-                  </a:cubicBezTo>
-                  <a:cubicBezTo>
-                    <a:pt x="1412871" y="6342183"/>
-                    <a:pt x="0" y="4922979"/>
-                    <a:pt x="0" y="3175000"/>
-                  </a:cubicBezTo>
-                  <a:cubicBezTo>
-                    <a:pt x="0" y="1427021"/>
-                    <a:pt x="1412871" y="7817"/>
-                    <a:pt x="3160833" y="0"/>
-                  </a:cubicBezTo>
-                  <a:close/>
-                </a:path>
-              </a:pathLst>
-            </a:custGeom>
-            <a:solidFill>
-              <a:srgbClr val="E86424"/>
-            </a:solidFill>
-          </p:spPr>
-        </p:sp>
-      </p:grpSp>
-      <p:pic>
-        <p:nvPicPr>
-          <p:cNvPr id="11" name="Picture 11"/>
-          <p:cNvPicPr>
-            <a:picLocks noChangeAspect="1"/>
-          </p:cNvPicPr>
-          <p:nvPr/>
-        </p:nvPicPr>
-        <p:blipFill>
-          <a:blip r:embed="rId10">
-            <a:extLst>
-              <a:ext uri="{28A0092B-C50C-407E-A947-70E740481C1C}">
-                <a14:useLocalDpi xmlns:a14="http://schemas.microsoft.com/office/drawing/2010/main" val="0"/>
-              </a:ext>
-              <a:ext uri="{96DAC541-7B7A-43D3-8B79-37D633B846F1}">
-                <asvg:svgBlip xmlns:asvg="http://schemas.microsoft.com/office/drawing/2016/SVG/main" r:embed="rId11"/>
-              </a:ext>
-            </a:extLst>
-          </a:blip>
-          <a:srcRect/>
-          <a:stretch>
-            <a:fillRect/>
-          </a:stretch>
-        </p:blipFill>
-        <p:spPr>
-          <a:xfrm rot="-10800000">
-            <a:off x="14069079" y="7114743"/>
-            <a:ext cx="2189979" cy="1094990"/>
-          </a:xfrm>
-          <a:prstGeom prst="rect">
-            <a:avLst/>
-          </a:prstGeom>
-        </p:spPr>
-      </p:pic>
-      <p:sp>
-        <p:nvSpPr>
-          <p:cNvPr id="12" name="TextBox 12"/>
-          <p:cNvSpPr txBox="1"/>
-          <p:nvPr/>
-        </p:nvSpPr>
-        <p:spPr>
-          <a:xfrm>
-            <a:off x="873137" y="4463024"/>
-            <a:ext cx="11156603" cy="1130300"/>
-          </a:xfrm>
-          <a:prstGeom prst="rect">
-            <a:avLst/>
-          </a:prstGeom>
-        </p:spPr>
-        <p:txBody>
-          <a:bodyPr lIns="0" tIns="0" rIns="0" bIns="0" rtlCol="0" anchor="t">
-            <a:spAutoFit/>
-          </a:bodyPr>
-          <a:lstStyle/>
-          <a:p>
-            <a:pPr algn="ctr">
-              <a:lnSpc>
-                <a:spcPts val="9100"/>
-              </a:lnSpc>
-              <a:spcBef>
-                <a:spcPct val="0"/>
-              </a:spcBef>
-            </a:pPr>
-            <a:r>
-              <a:rPr lang="en-US" sz="7000">
-                <a:solidFill>
-                  <a:srgbClr val="393838"/>
-                </a:solidFill>
-                <a:latin typeface="TT Norms"/>
-              </a:rPr>
-              <a:t>TỔNG QUAN VỀ TABLEAU</a:t>
-            </a:r>
-          </a:p>
-        </p:txBody>
-      </p:sp>
-      <p:pic>
-        <p:nvPicPr>
-          <p:cNvPr id="13" name="Picture 13"/>
-          <p:cNvPicPr>
-            <a:picLocks noChangeAspect="1"/>
-          </p:cNvPicPr>
-          <p:nvPr/>
-        </p:nvPicPr>
-        <p:blipFill>
-          <a:blip r:embed="rId12"/>
-          <a:srcRect/>
-          <a:stretch>
-            <a:fillRect/>
-          </a:stretch>
-        </p:blipFill>
-        <p:spPr>
-          <a:xfrm>
-            <a:off x="16974714" y="0"/>
-            <a:ext cx="1313286" cy="1313286"/>
-          </a:xfrm>
-          <a:prstGeom prst="rect">
-            <a:avLst/>
-          </a:prstGeom>
-        </p:spPr>
-      </p:pic>
-      <p:sp>
-        <p:nvSpPr>
-          <p:cNvPr id="14" name="TextBox 14"/>
-          <p:cNvSpPr txBox="1"/>
-          <p:nvPr/>
-        </p:nvSpPr>
-        <p:spPr>
-          <a:xfrm>
-            <a:off x="1028700" y="3340839"/>
-            <a:ext cx="3645322" cy="812800"/>
-          </a:xfrm>
-          <a:prstGeom prst="rect">
-            <a:avLst/>
-          </a:prstGeom>
-        </p:spPr>
-        <p:txBody>
-          <a:bodyPr lIns="0" tIns="0" rIns="0" bIns="0" rtlCol="0" anchor="t">
-            <a:spAutoFit/>
-          </a:bodyPr>
-          <a:lstStyle/>
-          <a:p>
-            <a:pPr>
-              <a:lnSpc>
-                <a:spcPts val="6500"/>
-              </a:lnSpc>
-            </a:pPr>
-            <a:r>
-              <a:rPr lang="en-US" sz="5000">
-                <a:solidFill>
-                  <a:srgbClr val="FFFDE7"/>
-                </a:solidFill>
-                <a:latin typeface="Noto Sans Bold"/>
-              </a:rPr>
-              <a:t> CHƯƠNG 2</a:t>
-            </a:r>
-          </a:p>
-        </p:txBody>
-      </p:sp>
-    </p:spTree>
-  </p:cSld>
-  <p:clrMapOvr>
-    <a:masterClrMapping/>
-  </p:clrMapOvr>
-</p:sld>
-</file>
-
-<file path=ppt/slides/slide7.xml><?xml version="1.0" encoding="utf-8"?>
-<p:sld xmlns:a="http://schemas.openxmlformats.org/drawingml/2006/main" xmlns:r="http://schemas.openxmlformats.org/officeDocument/2006/relationships" xmlns:p="http://schemas.openxmlformats.org/presentationml/2006/main">
-  <p:cSld>
-    <p:spTree>
-      <p:nvGrpSpPr>
-        <p:cNvPr id="1" name=""/>
-        <p:cNvGrpSpPr/>
-        <p:nvPr/>
-      </p:nvGrpSpPr>
-      <p:grpSpPr>
-        <a:xfrm>
-          <a:off x="0" y="0"/>
-          <a:ext cx="0" cy="0"/>
-          <a:chOff x="0" y="0"/>
-          <a:chExt cx="0" cy="0"/>
-        </a:xfrm>
-      </p:grpSpPr>
-      <p:pic>
-        <p:nvPicPr>
-          <p:cNvPr id="2" name="Picture 2"/>
-          <p:cNvPicPr>
-            <a:picLocks noChangeAspect="1"/>
-          </p:cNvPicPr>
-          <p:nvPr/>
-        </p:nvPicPr>
-        <p:blipFill>
-          <a:blip r:embed="rId2"/>
-          <a:srcRect/>
-          <a:stretch>
-            <a:fillRect/>
-          </a:stretch>
-        </p:blipFill>
-        <p:spPr>
-          <a:xfrm>
-            <a:off x="16974714" y="0"/>
-            <a:ext cx="1313286" cy="1313286"/>
-          </a:xfrm>
-          <a:prstGeom prst="rect">
-            <a:avLst/>
-          </a:prstGeom>
-        </p:spPr>
-      </p:pic>
-      <p:pic>
-        <p:nvPicPr>
-          <p:cNvPr id="3" name="Picture 3"/>
-          <p:cNvPicPr>
-            <a:picLocks noChangeAspect="1"/>
-          </p:cNvPicPr>
-          <p:nvPr/>
-        </p:nvPicPr>
-        <p:blipFill>
-          <a:blip r:embed="rId3"/>
-          <a:srcRect/>
-          <a:stretch>
-            <a:fillRect/>
-          </a:stretch>
-        </p:blipFill>
-        <p:spPr>
-          <a:xfrm>
-            <a:off x="13108624" y="3068162"/>
-            <a:ext cx="4150676" cy="4150676"/>
-          </a:xfrm>
-          <a:prstGeom prst="rect">
-            <a:avLst/>
-          </a:prstGeom>
-        </p:spPr>
-      </p:pic>
-      <p:sp>
-        <p:nvSpPr>
-          <p:cNvPr id="4" name="TextBox 4"/>
-          <p:cNvSpPr txBox="1"/>
-          <p:nvPr/>
-        </p:nvSpPr>
-        <p:spPr>
-          <a:xfrm>
-            <a:off x="1259334" y="4510405"/>
-            <a:ext cx="9085014" cy="1228090"/>
-          </a:xfrm>
-          <a:prstGeom prst="rect">
-            <a:avLst/>
-          </a:prstGeom>
-        </p:spPr>
-        <p:txBody>
-          <a:bodyPr lIns="0" tIns="0" rIns="0" bIns="0" rtlCol="0" anchor="t">
-            <a:spAutoFit/>
-          </a:bodyPr>
-          <a:lstStyle/>
-          <a:p>
-            <a:pPr marL="0" lvl="0" indent="0" algn="just">
-              <a:lnSpc>
-                <a:spcPts val="4940"/>
-              </a:lnSpc>
-              <a:spcBef>
-                <a:spcPct val="0"/>
-              </a:spcBef>
-            </a:pPr>
-            <a:r>
-              <a:rPr lang="en-US" sz="3800" u="none">
-                <a:solidFill>
-                  <a:srgbClr val="000000"/>
-                </a:solidFill>
-                <a:latin typeface="TT Norms"/>
-              </a:rPr>
-              <a:t>Tableau là phần mềm hỗ trợ phân tích và trực quan hóa dữ liệu(Data Visualization)</a:t>
-            </a:r>
-          </a:p>
-        </p:txBody>
-      </p:sp>
-      <p:sp>
-        <p:nvSpPr>
-          <p:cNvPr id="5" name="TextBox 5"/>
-          <p:cNvSpPr txBox="1"/>
-          <p:nvPr/>
-        </p:nvSpPr>
-        <p:spPr>
-          <a:xfrm>
-            <a:off x="5801841" y="417195"/>
-            <a:ext cx="6684318" cy="1156335"/>
-          </a:xfrm>
-          <a:prstGeom prst="rect">
-            <a:avLst/>
-          </a:prstGeom>
-        </p:spPr>
-        <p:txBody>
-          <a:bodyPr lIns="0" tIns="0" rIns="0" bIns="0" rtlCol="0" anchor="t">
-            <a:spAutoFit/>
-          </a:bodyPr>
-          <a:lstStyle/>
-          <a:p>
-            <a:pPr marL="0" lvl="0" indent="0" algn="ctr">
-              <a:lnSpc>
-                <a:spcPts val="9360"/>
-              </a:lnSpc>
-              <a:spcBef>
-                <a:spcPct val="0"/>
-              </a:spcBef>
-            </a:pPr>
-            <a:r>
-              <a:rPr lang="en-US" sz="7200">
-                <a:solidFill>
-                  <a:srgbClr val="4D9483"/>
-                </a:solidFill>
-                <a:latin typeface="TT Norms"/>
-              </a:rPr>
-              <a:t>TABLEAU LÀ GI</a:t>
-            </a:r>
-          </a:p>
-        </p:txBody>
-      </p:sp>
-    </p:spTree>
-  </p:cSld>
-  <p:clrMapOvr>
-    <a:masterClrMapping/>
-  </p:clrMapOvr>
-</p:sld>
-</file>
-
-<file path=ppt/slides/slide8.xml><?xml version="1.0" encoding="utf-8"?>
-<p:sld xmlns:a="http://schemas.openxmlformats.org/drawingml/2006/main" xmlns:r="http://schemas.openxmlformats.org/officeDocument/2006/relationships" xmlns:p="http://schemas.openxmlformats.org/presentationml/2006/main">
-  <p:cSld>
-    <p:bg>
-      <p:bgPr>
-        <a:solidFill>
-          <a:srgbClr val="4D9483"/>
+          <a:schemeClr val="accent3">
+            <a:lumMod val="60000"/>
+            <a:lumOff val="40000"/>
+          </a:schemeClr>
         </a:solidFill>
         <a:effectLst/>
       </p:bgPr>
@@ -8535,7 +8423,337 @@
         <p:spPr>
           <a:xfrm>
             <a:off x="1028700" y="4463024"/>
-            <a:ext cx="10845478" cy="1144544"/>
+            <a:ext cx="10850398" cy="3146887"/>
+          </a:xfrm>
+          <a:prstGeom prst="rect">
+            <a:avLst/>
+          </a:prstGeom>
+        </p:spPr>
+        <p:txBody>
+          <a:bodyPr wrap="square" lIns="0" tIns="0" rIns="0" bIns="0" rtlCol="0" anchor="t">
+            <a:spAutoFit/>
+          </a:bodyPr>
+          <a:lstStyle/>
+          <a:p>
+            <a:pPr>
+              <a:lnSpc>
+                <a:spcPct val="150000"/>
+              </a:lnSpc>
+            </a:pPr>
+            <a:r>
+              <a:rPr lang="en-US" sz="7200" dirty="0">
+                <a:solidFill>
+                  <a:srgbClr val="FFFDE7"/>
+                </a:solidFill>
+                <a:latin typeface="Noto Sans Bold"/>
+              </a:rPr>
+              <a:t>KẾT LUẬN VÀ HƯỚNG PHÁT TRIỂN</a:t>
+            </a:r>
+          </a:p>
+        </p:txBody>
+      </p:sp>
+      <p:sp>
+        <p:nvSpPr>
+          <p:cNvPr id="14" name="TextBox 14"/>
+          <p:cNvSpPr txBox="1"/>
+          <p:nvPr/>
+        </p:nvSpPr>
+        <p:spPr>
+          <a:xfrm>
+            <a:off x="1028700" y="3340839"/>
+            <a:ext cx="4457700" cy="812800"/>
+          </a:xfrm>
+          <a:prstGeom prst="rect">
+            <a:avLst/>
+          </a:prstGeom>
+        </p:spPr>
+        <p:txBody>
+          <a:bodyPr wrap="square" lIns="0" tIns="0" rIns="0" bIns="0" rtlCol="0" anchor="t">
+            <a:spAutoFit/>
+          </a:bodyPr>
+          <a:lstStyle/>
+          <a:p>
+            <a:pPr>
+              <a:lnSpc>
+                <a:spcPts val="6500"/>
+              </a:lnSpc>
+            </a:pPr>
+            <a:r>
+              <a:rPr lang="en-US" sz="5000" dirty="0">
+                <a:solidFill>
+                  <a:srgbClr val="FFFDE7"/>
+                </a:solidFill>
+                <a:latin typeface="Noto Sans Bold"/>
+              </a:rPr>
+              <a:t> CHƯƠNG 4</a:t>
+            </a:r>
+          </a:p>
+        </p:txBody>
+      </p:sp>
+    </p:spTree>
+    <p:extLst>
+      <p:ext uri="{BB962C8B-B14F-4D97-AF65-F5344CB8AC3E}">
+        <p14:creationId xmlns:p14="http://schemas.microsoft.com/office/powerpoint/2010/main" val="667056310"/>
+      </p:ext>
+    </p:extLst>
+  </p:cSld>
+  <p:clrMapOvr>
+    <a:masterClrMapping/>
+  </p:clrMapOvr>
+</p:sld>
+</file>
+
+<file path=ppt/slides/slide16.xml><?xml version="1.0" encoding="utf-8"?>
+<p:sld xmlns:a="http://schemas.openxmlformats.org/drawingml/2006/main" xmlns:r="http://schemas.openxmlformats.org/officeDocument/2006/relationships" xmlns:p="http://schemas.openxmlformats.org/presentationml/2006/main">
+  <p:cSld>
+    <p:spTree>
+      <p:nvGrpSpPr>
+        <p:cNvPr id="1" name=""/>
+        <p:cNvGrpSpPr/>
+        <p:nvPr/>
+      </p:nvGrpSpPr>
+      <p:grpSpPr>
+        <a:xfrm>
+          <a:off x="0" y="0"/>
+          <a:ext cx="0" cy="0"/>
+          <a:chOff x="0" y="0"/>
+          <a:chExt cx="0" cy="0"/>
+        </a:xfrm>
+      </p:grpSpPr>
+      <p:sp>
+        <p:nvSpPr>
+          <p:cNvPr id="3" name="TextBox 2">
+            <a:extLst>
+              <a:ext uri="{FF2B5EF4-FFF2-40B4-BE49-F238E27FC236}">
+                <a16:creationId xmlns:a16="http://schemas.microsoft.com/office/drawing/2014/main" id="{FBB1E890-4A1D-2152-7D39-94ACD7D46420}"/>
+              </a:ext>
+            </a:extLst>
+          </p:cNvPr>
+          <p:cNvSpPr txBox="1"/>
+          <p:nvPr/>
+        </p:nvSpPr>
+        <p:spPr>
+          <a:xfrm>
+            <a:off x="1752600" y="3395396"/>
+            <a:ext cx="10896600" cy="1384995"/>
+          </a:xfrm>
+          <a:prstGeom prst="rect">
+            <a:avLst/>
+          </a:prstGeom>
+          <a:noFill/>
+        </p:spPr>
+        <p:txBody>
+          <a:bodyPr wrap="square">
+            <a:spAutoFit/>
+          </a:bodyPr>
+          <a:lstStyle>
+            <a:defPPr>
+              <a:defRPr lang="en-US"/>
+            </a:defPPr>
+            <a:lvl1pPr>
+              <a:defRPr sz="2800">
+                <a:latin typeface="Arial" panose="020B0604020202020204" pitchFamily="34" charset="0"/>
+                <a:ea typeface="Times New Roman" panose="02020603050405020304" pitchFamily="18" charset="0"/>
+                <a:cs typeface="Arial" panose="020B0604020202020204" pitchFamily="34" charset="0"/>
+              </a:defRPr>
+            </a:lvl1pPr>
+          </a:lstStyle>
+          <a:p>
+            <a:pPr marL="457200" indent="-457200">
+              <a:buFontTx/>
+              <a:buChar char="-"/>
+            </a:pPr>
+            <a:r>
+              <a:rPr lang="en-VN" dirty="0"/>
+              <a:t>Hiểu được </a:t>
+            </a:r>
+            <a:r>
+              <a:rPr lang="vi-VN" dirty="0"/>
+              <a:t>rõ rãng hơn về công việc và vị trí phân tích dữ liệu</a:t>
+            </a:r>
+            <a:r>
+              <a:rPr lang="en-VN" dirty="0"/>
+              <a:t> </a:t>
+            </a:r>
+          </a:p>
+          <a:p>
+            <a:pPr marL="457200" indent="-457200">
+              <a:buFontTx/>
+              <a:buChar char="-"/>
+            </a:pPr>
+            <a:r>
+              <a:rPr lang="vi-VN" dirty="0"/>
+              <a:t>Có cơ hội ứng dụng kiến thức vào dự án này</a:t>
+            </a:r>
+            <a:r>
+              <a:rPr lang="en-VN" dirty="0"/>
+              <a:t> </a:t>
+            </a:r>
+          </a:p>
+          <a:p>
+            <a:pPr marL="457200" indent="-457200">
+              <a:buFontTx/>
+              <a:buChar char="-"/>
+            </a:pPr>
+            <a:endParaRPr lang="vi-VN" dirty="0"/>
+          </a:p>
+        </p:txBody>
+      </p:sp>
+      <p:sp>
+        <p:nvSpPr>
+          <p:cNvPr id="4" name="TextBox 4">
+            <a:extLst>
+              <a:ext uri="{FF2B5EF4-FFF2-40B4-BE49-F238E27FC236}">
+                <a16:creationId xmlns:a16="http://schemas.microsoft.com/office/drawing/2014/main" id="{BCB54492-F544-52DA-C283-C4E9EFF05BDD}"/>
+              </a:ext>
+            </a:extLst>
+          </p:cNvPr>
+          <p:cNvSpPr txBox="1"/>
+          <p:nvPr/>
+        </p:nvSpPr>
+        <p:spPr>
+          <a:xfrm>
+            <a:off x="838200" y="631990"/>
+            <a:ext cx="16611600" cy="1181093"/>
+          </a:xfrm>
+          <a:prstGeom prst="rect">
+            <a:avLst/>
+          </a:prstGeom>
+        </p:spPr>
+        <p:txBody>
+          <a:bodyPr wrap="square" lIns="0" tIns="0" rIns="0" bIns="0" rtlCol="0" anchor="t">
+            <a:spAutoFit/>
+          </a:bodyPr>
+          <a:lstStyle/>
+          <a:p>
+            <a:pPr marL="0" lvl="0" indent="0" algn="ctr">
+              <a:lnSpc>
+                <a:spcPts val="9360"/>
+              </a:lnSpc>
+              <a:spcBef>
+                <a:spcPct val="0"/>
+              </a:spcBef>
+            </a:pPr>
+            <a:r>
+              <a:rPr lang="en-US" sz="7200" dirty="0">
+                <a:solidFill>
+                  <a:srgbClr val="4D9483"/>
+                </a:solidFill>
+                <a:latin typeface="TT Norms"/>
+              </a:rPr>
+              <a:t>KẾT LUẬN VÀ HƯỚNG PHÁT  TRIỂN</a:t>
+            </a:r>
+          </a:p>
+        </p:txBody>
+      </p:sp>
+      <p:sp>
+        <p:nvSpPr>
+          <p:cNvPr id="8" name="TextBox 7">
+            <a:extLst>
+              <a:ext uri="{FF2B5EF4-FFF2-40B4-BE49-F238E27FC236}">
+                <a16:creationId xmlns:a16="http://schemas.microsoft.com/office/drawing/2014/main" id="{707064F6-E65C-92F8-608D-110A4EECC8F8}"/>
+              </a:ext>
+            </a:extLst>
+          </p:cNvPr>
+          <p:cNvSpPr txBox="1"/>
+          <p:nvPr/>
+        </p:nvSpPr>
+        <p:spPr>
+          <a:xfrm>
+            <a:off x="6705600" y="5905500"/>
+            <a:ext cx="10363200" cy="1384995"/>
+          </a:xfrm>
+          <a:prstGeom prst="rect">
+            <a:avLst/>
+          </a:prstGeom>
+          <a:noFill/>
+        </p:spPr>
+        <p:txBody>
+          <a:bodyPr wrap="square">
+            <a:spAutoFit/>
+          </a:bodyPr>
+          <a:lstStyle>
+            <a:defPPr>
+              <a:defRPr lang="en-US"/>
+            </a:defPPr>
+            <a:lvl1pPr marL="457200" indent="-457200">
+              <a:buFontTx/>
+              <a:buChar char="-"/>
+              <a:defRPr sz="2800">
+                <a:latin typeface="Arial" panose="020B0604020202020204" pitchFamily="34" charset="0"/>
+                <a:ea typeface="Times New Roman" panose="02020603050405020304" pitchFamily="18" charset="0"/>
+                <a:cs typeface="Arial" panose="020B0604020202020204" pitchFamily="34" charset="0"/>
+              </a:defRPr>
+            </a:lvl1pPr>
+          </a:lstStyle>
+          <a:p>
+            <a:pPr algn="r"/>
+            <a:r>
+              <a:rPr lang="vi-VN" dirty="0"/>
+              <a:t>Phân tích sâu hơn về sự quan tâm của khách hàng về các sản phẩm trên kệ hàng</a:t>
+            </a:r>
+            <a:r>
+              <a:rPr lang="en-VN" dirty="0"/>
+              <a:t> </a:t>
+            </a:r>
+          </a:p>
+          <a:p>
+            <a:pPr algn="r"/>
+            <a:r>
+              <a:rPr lang="vi-VN" dirty="0"/>
+              <a:t>Nghiên cứu thêm những mặt hàng cần tăng giá, giảm giá </a:t>
+            </a:r>
+          </a:p>
+        </p:txBody>
+      </p:sp>
+    </p:spTree>
+    <p:extLst>
+      <p:ext uri="{BB962C8B-B14F-4D97-AF65-F5344CB8AC3E}">
+        <p14:creationId xmlns:p14="http://schemas.microsoft.com/office/powerpoint/2010/main" val="1917692"/>
+      </p:ext>
+    </p:extLst>
+  </p:cSld>
+  <p:clrMapOvr>
+    <a:masterClrMapping/>
+  </p:clrMapOvr>
+</p:sld>
+</file>
+
+<file path=ppt/slides/slide2.xml><?xml version="1.0" encoding="utf-8"?>
+<p:sld xmlns:a="http://schemas.openxmlformats.org/drawingml/2006/main" xmlns:r="http://schemas.openxmlformats.org/officeDocument/2006/relationships" xmlns:p="http://schemas.openxmlformats.org/presentationml/2006/main">
+  <p:cSld>
+    <p:bg>
+      <p:bgPr>
+        <a:solidFill>
+          <a:srgbClr val="4D9483"/>
+        </a:solidFill>
+        <a:effectLst/>
+      </p:bgPr>
+    </p:bg>
+    <p:spTree>
+      <p:nvGrpSpPr>
+        <p:cNvPr id="1" name=""/>
+        <p:cNvGrpSpPr/>
+        <p:nvPr/>
+      </p:nvGrpSpPr>
+      <p:grpSpPr>
+        <a:xfrm>
+          <a:off x="0" y="0"/>
+          <a:ext cx="0" cy="0"/>
+          <a:chOff x="0" y="0"/>
+          <a:chExt cx="0" cy="0"/>
+        </a:xfrm>
+      </p:grpSpPr>
+      <p:sp>
+        <p:nvSpPr>
+          <p:cNvPr id="2" name="TextBox 2"/>
+          <p:cNvSpPr txBox="1"/>
+          <p:nvPr/>
+        </p:nvSpPr>
+        <p:spPr>
+          <a:xfrm>
+            <a:off x="1028700" y="3940845"/>
+            <a:ext cx="5164158" cy="2190750"/>
           </a:xfrm>
           <a:prstGeom prst="rect">
             <a:avLst/>
@@ -8547,6 +8765,732 @@
           </a:bodyPr>
           <a:lstStyle/>
           <a:p>
+            <a:pPr>
+              <a:lnSpc>
+                <a:spcPts val="8640"/>
+              </a:lnSpc>
+            </a:pPr>
+            <a:r>
+              <a:rPr lang="en-US" sz="7200">
+                <a:solidFill>
+                  <a:srgbClr val="FFFDE7"/>
+                </a:solidFill>
+                <a:latin typeface="TT Norms Bold"/>
+              </a:rPr>
+              <a:t>KẾT CẤU ĐỀ TÀI</a:t>
+            </a:r>
+          </a:p>
+        </p:txBody>
+      </p:sp>
+      <p:sp>
+        <p:nvSpPr>
+          <p:cNvPr id="3" name="TextBox 3"/>
+          <p:cNvSpPr txBox="1"/>
+          <p:nvPr/>
+        </p:nvSpPr>
+        <p:spPr>
+          <a:xfrm>
+            <a:off x="8768182" y="2442317"/>
+            <a:ext cx="6262185" cy="624694"/>
+          </a:xfrm>
+          <a:prstGeom prst="rect">
+            <a:avLst/>
+          </a:prstGeom>
+        </p:spPr>
+        <p:txBody>
+          <a:bodyPr lIns="0" tIns="0" rIns="0" bIns="0" rtlCol="0" anchor="t">
+            <a:spAutoFit/>
+          </a:bodyPr>
+          <a:lstStyle/>
+          <a:p>
+            <a:pPr>
+              <a:lnSpc>
+                <a:spcPts val="5022"/>
+              </a:lnSpc>
+            </a:pPr>
+            <a:r>
+              <a:rPr lang="en-US" sz="3863">
+                <a:solidFill>
+                  <a:srgbClr val="FFFDE7"/>
+                </a:solidFill>
+                <a:latin typeface="Noto Sans Bold"/>
+              </a:rPr>
+              <a:t>TỔNG QUAN VỀ PYTHON</a:t>
+            </a:r>
+          </a:p>
+        </p:txBody>
+      </p:sp>
+      <p:sp>
+        <p:nvSpPr>
+          <p:cNvPr id="4" name="TextBox 4"/>
+          <p:cNvSpPr txBox="1"/>
+          <p:nvPr/>
+        </p:nvSpPr>
+        <p:spPr>
+          <a:xfrm>
+            <a:off x="8768182" y="4100168"/>
+            <a:ext cx="6262185" cy="624694"/>
+          </a:xfrm>
+          <a:prstGeom prst="rect">
+            <a:avLst/>
+          </a:prstGeom>
+        </p:spPr>
+        <p:txBody>
+          <a:bodyPr lIns="0" tIns="0" rIns="0" bIns="0" rtlCol="0" anchor="t">
+            <a:spAutoFit/>
+          </a:bodyPr>
+          <a:lstStyle/>
+          <a:p>
+            <a:pPr>
+              <a:lnSpc>
+                <a:spcPts val="5022"/>
+              </a:lnSpc>
+            </a:pPr>
+            <a:r>
+              <a:rPr lang="en-US" sz="3863">
+                <a:solidFill>
+                  <a:srgbClr val="FFFDE7"/>
+                </a:solidFill>
+                <a:latin typeface="Noto Sans Bold"/>
+              </a:rPr>
+              <a:t>TỔNG QUAN VỀ TABLEAU</a:t>
+            </a:r>
+          </a:p>
+        </p:txBody>
+      </p:sp>
+      <p:sp>
+        <p:nvSpPr>
+          <p:cNvPr id="5" name="TextBox 5"/>
+          <p:cNvSpPr txBox="1"/>
+          <p:nvPr/>
+        </p:nvSpPr>
+        <p:spPr>
+          <a:xfrm>
+            <a:off x="8768182" y="5685562"/>
+            <a:ext cx="8491118" cy="624694"/>
+          </a:xfrm>
+          <a:prstGeom prst="rect">
+            <a:avLst/>
+          </a:prstGeom>
+        </p:spPr>
+        <p:txBody>
+          <a:bodyPr lIns="0" tIns="0" rIns="0" bIns="0" rtlCol="0" anchor="t">
+            <a:spAutoFit/>
+          </a:bodyPr>
+          <a:lstStyle/>
+          <a:p>
+            <a:pPr>
+              <a:lnSpc>
+                <a:spcPts val="5022"/>
+              </a:lnSpc>
+            </a:pPr>
+            <a:r>
+              <a:rPr lang="en-US" sz="3863" dirty="0">
+                <a:solidFill>
+                  <a:srgbClr val="FFFDE7"/>
+                </a:solidFill>
+                <a:latin typeface="Noto Sans Bold"/>
+              </a:rPr>
+              <a:t>TRIỂN KHAI PHÂN TÍCH DỮ LIỆU</a:t>
+            </a:r>
+          </a:p>
+        </p:txBody>
+      </p:sp>
+      <p:pic>
+        <p:nvPicPr>
+          <p:cNvPr id="6" name="Picture 6"/>
+          <p:cNvPicPr>
+            <a:picLocks noChangeAspect="1"/>
+          </p:cNvPicPr>
+          <p:nvPr/>
+        </p:nvPicPr>
+        <p:blipFill>
+          <a:blip r:embed="rId2"/>
+          <a:srcRect/>
+          <a:stretch>
+            <a:fillRect/>
+          </a:stretch>
+        </p:blipFill>
+        <p:spPr>
+          <a:xfrm>
+            <a:off x="16974714" y="0"/>
+            <a:ext cx="1313286" cy="1313286"/>
+          </a:xfrm>
+          <a:prstGeom prst="rect">
+            <a:avLst/>
+          </a:prstGeom>
+        </p:spPr>
+      </p:pic>
+      <p:sp>
+        <p:nvSpPr>
+          <p:cNvPr id="7" name="TextBox 7"/>
+          <p:cNvSpPr txBox="1"/>
+          <p:nvPr/>
+        </p:nvSpPr>
+        <p:spPr>
+          <a:xfrm>
+            <a:off x="5337484" y="2442317"/>
+            <a:ext cx="3155167" cy="624694"/>
+          </a:xfrm>
+          <a:prstGeom prst="rect">
+            <a:avLst/>
+          </a:prstGeom>
+        </p:spPr>
+        <p:txBody>
+          <a:bodyPr lIns="0" tIns="0" rIns="0" bIns="0" rtlCol="0" anchor="t">
+            <a:spAutoFit/>
+          </a:bodyPr>
+          <a:lstStyle/>
+          <a:p>
+            <a:pPr>
+              <a:lnSpc>
+                <a:spcPts val="5022"/>
+              </a:lnSpc>
+            </a:pPr>
+            <a:r>
+              <a:rPr lang="en-US" sz="3863">
+                <a:solidFill>
+                  <a:srgbClr val="FFFDE7"/>
+                </a:solidFill>
+                <a:latin typeface="Noto Sans Bold"/>
+              </a:rPr>
+              <a:t> CHƯƠNG 1:</a:t>
+            </a:r>
+          </a:p>
+        </p:txBody>
+      </p:sp>
+      <p:sp>
+        <p:nvSpPr>
+          <p:cNvPr id="8" name="TextBox 8"/>
+          <p:cNvSpPr txBox="1"/>
+          <p:nvPr/>
+        </p:nvSpPr>
+        <p:spPr>
+          <a:xfrm>
+            <a:off x="5337484" y="4100168"/>
+            <a:ext cx="3155167" cy="624694"/>
+          </a:xfrm>
+          <a:prstGeom prst="rect">
+            <a:avLst/>
+          </a:prstGeom>
+        </p:spPr>
+        <p:txBody>
+          <a:bodyPr lIns="0" tIns="0" rIns="0" bIns="0" rtlCol="0" anchor="t">
+            <a:spAutoFit/>
+          </a:bodyPr>
+          <a:lstStyle/>
+          <a:p>
+            <a:pPr>
+              <a:lnSpc>
+                <a:spcPts val="5022"/>
+              </a:lnSpc>
+            </a:pPr>
+            <a:r>
+              <a:rPr lang="en-US" sz="3863">
+                <a:solidFill>
+                  <a:srgbClr val="FFFDE7"/>
+                </a:solidFill>
+                <a:latin typeface="Noto Sans Bold"/>
+              </a:rPr>
+              <a:t> CHƯƠNG 2:</a:t>
+            </a:r>
+          </a:p>
+        </p:txBody>
+      </p:sp>
+      <p:sp>
+        <p:nvSpPr>
+          <p:cNvPr id="9" name="TextBox 9"/>
+          <p:cNvSpPr txBox="1"/>
+          <p:nvPr/>
+        </p:nvSpPr>
+        <p:spPr>
+          <a:xfrm>
+            <a:off x="5337484" y="5685562"/>
+            <a:ext cx="3155167" cy="624694"/>
+          </a:xfrm>
+          <a:prstGeom prst="rect">
+            <a:avLst/>
+          </a:prstGeom>
+        </p:spPr>
+        <p:txBody>
+          <a:bodyPr lIns="0" tIns="0" rIns="0" bIns="0" rtlCol="0" anchor="t">
+            <a:spAutoFit/>
+          </a:bodyPr>
+          <a:lstStyle/>
+          <a:p>
+            <a:pPr>
+              <a:lnSpc>
+                <a:spcPts val="5022"/>
+              </a:lnSpc>
+            </a:pPr>
+            <a:r>
+              <a:rPr lang="en-US" sz="3863">
+                <a:solidFill>
+                  <a:srgbClr val="FFFDE7"/>
+                </a:solidFill>
+                <a:latin typeface="Noto Sans Bold"/>
+              </a:rPr>
+              <a:t> CHƯƠNG 3:</a:t>
+            </a:r>
+          </a:p>
+        </p:txBody>
+      </p:sp>
+      <p:sp>
+        <p:nvSpPr>
+          <p:cNvPr id="10" name="TextBox 5">
+            <a:extLst>
+              <a:ext uri="{FF2B5EF4-FFF2-40B4-BE49-F238E27FC236}">
+                <a16:creationId xmlns:a16="http://schemas.microsoft.com/office/drawing/2014/main" id="{25800B76-A3C9-7709-5BCB-66D57CAC89B9}"/>
+              </a:ext>
+            </a:extLst>
+          </p:cNvPr>
+          <p:cNvSpPr txBox="1"/>
+          <p:nvPr/>
+        </p:nvSpPr>
+        <p:spPr>
+          <a:xfrm>
+            <a:off x="8733013" y="7343413"/>
+            <a:ext cx="8491118" cy="624694"/>
+          </a:xfrm>
+          <a:prstGeom prst="rect">
+            <a:avLst/>
+          </a:prstGeom>
+        </p:spPr>
+        <p:txBody>
+          <a:bodyPr lIns="0" tIns="0" rIns="0" bIns="0" rtlCol="0" anchor="t">
+            <a:spAutoFit/>
+          </a:bodyPr>
+          <a:lstStyle/>
+          <a:p>
+            <a:pPr>
+              <a:lnSpc>
+                <a:spcPts val="5022"/>
+              </a:lnSpc>
+            </a:pPr>
+            <a:r>
+              <a:rPr lang="en-US" sz="3863" dirty="0">
+                <a:solidFill>
+                  <a:srgbClr val="FFFDE7"/>
+                </a:solidFill>
+                <a:latin typeface="Noto Sans Bold"/>
+              </a:rPr>
+              <a:t>KẾT LUẬN VÀ HƯỚNG PHÁT TRIỂN </a:t>
+            </a:r>
+          </a:p>
+        </p:txBody>
+      </p:sp>
+      <p:sp>
+        <p:nvSpPr>
+          <p:cNvPr id="11" name="TextBox 9">
+            <a:extLst>
+              <a:ext uri="{FF2B5EF4-FFF2-40B4-BE49-F238E27FC236}">
+                <a16:creationId xmlns:a16="http://schemas.microsoft.com/office/drawing/2014/main" id="{F411C4B1-6C58-5B03-3074-9987B36BEF10}"/>
+              </a:ext>
+            </a:extLst>
+          </p:cNvPr>
+          <p:cNvSpPr txBox="1"/>
+          <p:nvPr/>
+        </p:nvSpPr>
+        <p:spPr>
+          <a:xfrm>
+            <a:off x="5302315" y="7343413"/>
+            <a:ext cx="3155167" cy="608756"/>
+          </a:xfrm>
+          <a:prstGeom prst="rect">
+            <a:avLst/>
+          </a:prstGeom>
+        </p:spPr>
+        <p:txBody>
+          <a:bodyPr lIns="0" tIns="0" rIns="0" bIns="0" rtlCol="0" anchor="t">
+            <a:spAutoFit/>
+          </a:bodyPr>
+          <a:lstStyle/>
+          <a:p>
+            <a:pPr>
+              <a:lnSpc>
+                <a:spcPts val="5022"/>
+              </a:lnSpc>
+            </a:pPr>
+            <a:r>
+              <a:rPr lang="en-US" sz="3863" dirty="0">
+                <a:solidFill>
+                  <a:srgbClr val="FFFDE7"/>
+                </a:solidFill>
+                <a:latin typeface="Noto Sans Bold"/>
+              </a:rPr>
+              <a:t> CHƯƠNG 4:</a:t>
+            </a:r>
+          </a:p>
+        </p:txBody>
+      </p:sp>
+    </p:spTree>
+  </p:cSld>
+  <p:clrMapOvr>
+    <a:masterClrMapping/>
+  </p:clrMapOvr>
+</p:sld>
+</file>
+
+<file path=ppt/slides/slide3.xml><?xml version="1.0" encoding="utf-8"?>
+<p:sld xmlns:a="http://schemas.openxmlformats.org/drawingml/2006/main" xmlns:r="http://schemas.openxmlformats.org/officeDocument/2006/relationships" xmlns:p="http://schemas.openxmlformats.org/presentationml/2006/main">
+  <p:cSld>
+    <p:bg>
+      <p:bgPr>
+        <a:solidFill>
+          <a:srgbClr val="FFC966"/>
+        </a:solidFill>
+        <a:effectLst/>
+      </p:bgPr>
+    </p:bg>
+    <p:spTree>
+      <p:nvGrpSpPr>
+        <p:cNvPr id="1" name=""/>
+        <p:cNvGrpSpPr/>
+        <p:nvPr/>
+      </p:nvGrpSpPr>
+      <p:grpSpPr>
+        <a:xfrm>
+          <a:off x="0" y="0"/>
+          <a:ext cx="0" cy="0"/>
+          <a:chOff x="0" y="0"/>
+          <a:chExt cx="0" cy="0"/>
+        </a:xfrm>
+      </p:grpSpPr>
+      <p:grpSp>
+        <p:nvGrpSpPr>
+          <p:cNvPr id="2" name="Group 2"/>
+          <p:cNvGrpSpPr/>
+          <p:nvPr/>
+        </p:nvGrpSpPr>
+        <p:grpSpPr>
+          <a:xfrm>
+            <a:off x="1264898" y="4153639"/>
+            <a:ext cx="7540113" cy="1815744"/>
+            <a:chOff x="0" y="0"/>
+            <a:chExt cx="10053484" cy="2420992"/>
+          </a:xfrm>
+        </p:grpSpPr>
+        <p:sp>
+          <p:nvSpPr>
+            <p:cNvPr id="3" name="TextBox 3"/>
+            <p:cNvSpPr txBox="1"/>
+            <p:nvPr/>
+          </p:nvSpPr>
+          <p:spPr>
+            <a:xfrm>
+              <a:off x="0" y="-2381"/>
+              <a:ext cx="10053484" cy="1460500"/>
+            </a:xfrm>
+            <a:prstGeom prst="rect">
+              <a:avLst/>
+            </a:prstGeom>
+          </p:spPr>
+          <p:txBody>
+            <a:bodyPr lIns="0" tIns="0" rIns="0" bIns="0" rtlCol="0" anchor="t">
+              <a:spAutoFit/>
+            </a:bodyPr>
+            <a:lstStyle/>
+            <a:p>
+              <a:pPr algn="ctr">
+                <a:lnSpc>
+                  <a:spcPts val="8640"/>
+                </a:lnSpc>
+              </a:pPr>
+              <a:endParaRPr/>
+            </a:p>
+          </p:txBody>
+        </p:sp>
+        <p:sp>
+          <p:nvSpPr>
+            <p:cNvPr id="4" name="TextBox 4"/>
+            <p:cNvSpPr txBox="1"/>
+            <p:nvPr/>
+          </p:nvSpPr>
+          <p:spPr>
+            <a:xfrm>
+              <a:off x="0" y="1693950"/>
+              <a:ext cx="10053484" cy="731308"/>
+            </a:xfrm>
+            <a:prstGeom prst="rect">
+              <a:avLst/>
+            </a:prstGeom>
+          </p:spPr>
+          <p:txBody>
+            <a:bodyPr lIns="0" tIns="0" rIns="0" bIns="0" rtlCol="0" anchor="t">
+              <a:spAutoFit/>
+            </a:bodyPr>
+            <a:lstStyle/>
+            <a:p>
+              <a:pPr algn="ctr">
+                <a:lnSpc>
+                  <a:spcPts val="4550"/>
+                </a:lnSpc>
+              </a:pPr>
+              <a:endParaRPr/>
+            </a:p>
+          </p:txBody>
+        </p:sp>
+      </p:grpSp>
+      <p:pic>
+        <p:nvPicPr>
+          <p:cNvPr id="5" name="Picture 5"/>
+          <p:cNvPicPr>
+            <a:picLocks noChangeAspect="1"/>
+          </p:cNvPicPr>
+          <p:nvPr/>
+        </p:nvPicPr>
+        <p:blipFill>
+          <a:blip r:embed="rId3">
+            <a:extLst>
+              <a:ext uri="{28A0092B-C50C-407E-A947-70E740481C1C}">
+                <a14:useLocalDpi xmlns:a14="http://schemas.microsoft.com/office/drawing/2010/main" val="0"/>
+              </a:ext>
+              <a:ext uri="{96DAC541-7B7A-43D3-8B79-37D633B846F1}">
+                <asvg:svgBlip xmlns:asvg="http://schemas.microsoft.com/office/drawing/2016/SVG/main" r:embed="rId4"/>
+              </a:ext>
+            </a:extLst>
+          </a:blip>
+          <a:srcRect/>
+          <a:stretch>
+            <a:fillRect/>
+          </a:stretch>
+        </p:blipFill>
+        <p:spPr>
+          <a:xfrm flipH="1">
+            <a:off x="13003204" y="2866049"/>
+            <a:ext cx="2131749" cy="2131749"/>
+          </a:xfrm>
+          <a:prstGeom prst="rect">
+            <a:avLst/>
+          </a:prstGeom>
+        </p:spPr>
+      </p:pic>
+      <p:pic>
+        <p:nvPicPr>
+          <p:cNvPr id="6" name="Picture 6"/>
+          <p:cNvPicPr>
+            <a:picLocks noChangeAspect="1"/>
+          </p:cNvPicPr>
+          <p:nvPr/>
+        </p:nvPicPr>
+        <p:blipFill>
+          <a:blip r:embed="rId5">
+            <a:extLst>
+              <a:ext uri="{28A0092B-C50C-407E-A947-70E740481C1C}">
+                <a14:useLocalDpi xmlns:a14="http://schemas.microsoft.com/office/drawing/2010/main" val="0"/>
+              </a:ext>
+              <a:ext uri="{96DAC541-7B7A-43D3-8B79-37D633B846F1}">
+                <asvg:svgBlip xmlns:asvg="http://schemas.microsoft.com/office/drawing/2016/SVG/main" r:embed="rId6"/>
+              </a:ext>
+            </a:extLst>
+          </a:blip>
+          <a:srcRect/>
+          <a:stretch>
+            <a:fillRect/>
+          </a:stretch>
+        </p:blipFill>
+        <p:spPr>
+          <a:xfrm>
+            <a:off x="15127551" y="2866049"/>
+            <a:ext cx="2131749" cy="2131749"/>
+          </a:xfrm>
+          <a:prstGeom prst="rect">
+            <a:avLst/>
+          </a:prstGeom>
+        </p:spPr>
+      </p:pic>
+      <p:pic>
+        <p:nvPicPr>
+          <p:cNvPr id="7" name="Picture 7"/>
+          <p:cNvPicPr>
+            <a:picLocks noChangeAspect="1"/>
+          </p:cNvPicPr>
+          <p:nvPr/>
+        </p:nvPicPr>
+        <p:blipFill>
+          <a:blip r:embed="rId7">
+            <a:extLst>
+              <a:ext uri="{28A0092B-C50C-407E-A947-70E740481C1C}">
+                <a14:useLocalDpi xmlns:a14="http://schemas.microsoft.com/office/drawing/2010/main" val="0"/>
+              </a:ext>
+              <a:ext uri="{96DAC541-7B7A-43D3-8B79-37D633B846F1}">
+                <asvg:svgBlip xmlns:asvg="http://schemas.microsoft.com/office/drawing/2016/SVG/main" r:embed="rId8"/>
+              </a:ext>
+            </a:extLst>
+          </a:blip>
+          <a:srcRect/>
+          <a:stretch>
+            <a:fillRect/>
+          </a:stretch>
+        </p:blipFill>
+        <p:spPr>
+          <a:xfrm flipV="1">
+            <a:off x="13003204" y="4982994"/>
+            <a:ext cx="2131749" cy="2131749"/>
+          </a:xfrm>
+          <a:prstGeom prst="rect">
+            <a:avLst/>
+          </a:prstGeom>
+        </p:spPr>
+      </p:pic>
+      <p:pic>
+        <p:nvPicPr>
+          <p:cNvPr id="8" name="Picture 8"/>
+          <p:cNvPicPr>
+            <a:picLocks noChangeAspect="1"/>
+          </p:cNvPicPr>
+          <p:nvPr/>
+        </p:nvPicPr>
+        <p:blipFill>
+          <a:blip r:embed="rId9">
+            <a:extLst>
+              <a:ext uri="{28A0092B-C50C-407E-A947-70E740481C1C}">
+                <a14:useLocalDpi xmlns:a14="http://schemas.microsoft.com/office/drawing/2010/main" val="0"/>
+              </a:ext>
+              <a:ext uri="{96DAC541-7B7A-43D3-8B79-37D633B846F1}">
+                <asvg:svgBlip xmlns:asvg="http://schemas.microsoft.com/office/drawing/2016/SVG/main" r:embed="rId10"/>
+              </a:ext>
+            </a:extLst>
+          </a:blip>
+          <a:srcRect/>
+          <a:stretch>
+            <a:fillRect/>
+          </a:stretch>
+        </p:blipFill>
+        <p:spPr>
+          <a:xfrm flipH="1" flipV="1">
+            <a:off x="15127551" y="4982994"/>
+            <a:ext cx="2131749" cy="2131749"/>
+          </a:xfrm>
+          <a:prstGeom prst="rect">
+            <a:avLst/>
+          </a:prstGeom>
+        </p:spPr>
+      </p:pic>
+      <p:grpSp>
+        <p:nvGrpSpPr>
+          <p:cNvPr id="9" name="Group 9"/>
+          <p:cNvGrpSpPr/>
+          <p:nvPr/>
+        </p:nvGrpSpPr>
+        <p:grpSpPr>
+          <a:xfrm>
+            <a:off x="14282145" y="1913290"/>
+            <a:ext cx="1686430" cy="1686430"/>
+            <a:chOff x="0" y="0"/>
+            <a:chExt cx="6350000" cy="6350000"/>
+          </a:xfrm>
+        </p:grpSpPr>
+        <p:sp>
+          <p:nvSpPr>
+            <p:cNvPr id="10" name="Freeform 10"/>
+            <p:cNvSpPr/>
+            <p:nvPr/>
+          </p:nvSpPr>
+          <p:spPr>
+            <a:xfrm>
+              <a:off x="14167" y="0"/>
+              <a:ext cx="6321665" cy="6350000"/>
+            </a:xfrm>
+            <a:custGeom>
+              <a:avLst/>
+              <a:gdLst/>
+              <a:ahLst/>
+              <a:cxnLst/>
+              <a:rect l="l" t="t" r="r" b="b"/>
+              <a:pathLst>
+                <a:path w="6321665" h="6350000">
+                  <a:moveTo>
+                    <a:pt x="3160833" y="0"/>
+                  </a:moveTo>
+                  <a:lnTo>
+                    <a:pt x="3160833" y="0"/>
+                  </a:lnTo>
+                  <a:cubicBezTo>
+                    <a:pt x="4908795" y="7817"/>
+                    <a:pt x="6321666" y="1427021"/>
+                    <a:pt x="6321666" y="3175000"/>
+                  </a:cubicBezTo>
+                  <a:cubicBezTo>
+                    <a:pt x="6321666" y="4922979"/>
+                    <a:pt x="4908795" y="6342183"/>
+                    <a:pt x="3160833" y="6350000"/>
+                  </a:cubicBezTo>
+                  <a:cubicBezTo>
+                    <a:pt x="1412871" y="6342183"/>
+                    <a:pt x="0" y="4922979"/>
+                    <a:pt x="0" y="3175000"/>
+                  </a:cubicBezTo>
+                  <a:cubicBezTo>
+                    <a:pt x="0" y="1427021"/>
+                    <a:pt x="1412871" y="7817"/>
+                    <a:pt x="3160833" y="0"/>
+                  </a:cubicBezTo>
+                  <a:close/>
+                </a:path>
+              </a:pathLst>
+            </a:custGeom>
+            <a:solidFill>
+              <a:srgbClr val="E86424"/>
+            </a:solidFill>
+          </p:spPr>
+        </p:sp>
+      </p:grpSp>
+      <p:pic>
+        <p:nvPicPr>
+          <p:cNvPr id="11" name="Picture 11"/>
+          <p:cNvPicPr>
+            <a:picLocks noChangeAspect="1"/>
+          </p:cNvPicPr>
+          <p:nvPr/>
+        </p:nvPicPr>
+        <p:blipFill>
+          <a:blip r:embed="rId11">
+            <a:extLst>
+              <a:ext uri="{28A0092B-C50C-407E-A947-70E740481C1C}">
+                <a14:useLocalDpi xmlns:a14="http://schemas.microsoft.com/office/drawing/2010/main" val="0"/>
+              </a:ext>
+              <a:ext uri="{96DAC541-7B7A-43D3-8B79-37D633B846F1}">
+                <asvg:svgBlip xmlns:asvg="http://schemas.microsoft.com/office/drawing/2016/SVG/main" r:embed="rId12"/>
+              </a:ext>
+            </a:extLst>
+          </a:blip>
+          <a:srcRect/>
+          <a:stretch>
+            <a:fillRect/>
+          </a:stretch>
+        </p:blipFill>
+        <p:spPr>
+          <a:xfrm rot="-10800000">
+            <a:off x="14069079" y="7114743"/>
+            <a:ext cx="2189979" cy="1094990"/>
+          </a:xfrm>
+          <a:prstGeom prst="rect">
+            <a:avLst/>
+          </a:prstGeom>
+        </p:spPr>
+      </p:pic>
+      <p:sp>
+        <p:nvSpPr>
+          <p:cNvPr id="12" name="TextBox 12"/>
+          <p:cNvSpPr txBox="1"/>
+          <p:nvPr/>
+        </p:nvSpPr>
+        <p:spPr>
+          <a:xfrm>
+            <a:off x="1028700" y="4463024"/>
+            <a:ext cx="10845478" cy="1130300"/>
+          </a:xfrm>
+          <a:prstGeom prst="rect">
+            <a:avLst/>
+          </a:prstGeom>
+        </p:spPr>
+        <p:txBody>
+          <a:bodyPr lIns="0" tIns="0" rIns="0" bIns="0" rtlCol="0" anchor="t">
+            <a:spAutoFit/>
+          </a:bodyPr>
+          <a:lstStyle/>
+          <a:p>
             <a:pPr algn="ctr">
               <a:lnSpc>
                 <a:spcPts val="9100"/>
@@ -8556,13 +9500,1467 @@
               </a:spcBef>
             </a:pPr>
             <a:r>
-              <a:rPr lang="en-US" sz="7000" dirty="0">
+              <a:rPr lang="en-US" sz="7000">
                 <a:solidFill>
-                  <a:srgbClr val="FFFEE7"/>
+                  <a:srgbClr val="393838"/>
                 </a:solidFill>
                 <a:latin typeface="TT Norms"/>
               </a:rPr>
               <a:t>TỔNG QUAN VỀ PYTHON</a:t>
+            </a:r>
+          </a:p>
+        </p:txBody>
+      </p:sp>
+      <p:pic>
+        <p:nvPicPr>
+          <p:cNvPr id="13" name="Picture 13"/>
+          <p:cNvPicPr>
+            <a:picLocks noChangeAspect="1"/>
+          </p:cNvPicPr>
+          <p:nvPr/>
+        </p:nvPicPr>
+        <p:blipFill>
+          <a:blip r:embed="rId13"/>
+          <a:srcRect/>
+          <a:stretch>
+            <a:fillRect/>
+          </a:stretch>
+        </p:blipFill>
+        <p:spPr>
+          <a:xfrm>
+            <a:off x="16974714" y="0"/>
+            <a:ext cx="1313286" cy="1313286"/>
+          </a:xfrm>
+          <a:prstGeom prst="rect">
+            <a:avLst/>
+          </a:prstGeom>
+        </p:spPr>
+      </p:pic>
+      <p:sp>
+        <p:nvSpPr>
+          <p:cNvPr id="14" name="TextBox 14"/>
+          <p:cNvSpPr txBox="1"/>
+          <p:nvPr/>
+        </p:nvSpPr>
+        <p:spPr>
+          <a:xfrm>
+            <a:off x="1028699" y="3340839"/>
+            <a:ext cx="4256097" cy="812800"/>
+          </a:xfrm>
+          <a:prstGeom prst="rect">
+            <a:avLst/>
+          </a:prstGeom>
+        </p:spPr>
+        <p:txBody>
+          <a:bodyPr wrap="square" lIns="0" tIns="0" rIns="0" bIns="0" rtlCol="0" anchor="t">
+            <a:spAutoFit/>
+          </a:bodyPr>
+          <a:lstStyle/>
+          <a:p>
+            <a:pPr>
+              <a:lnSpc>
+                <a:spcPts val="6500"/>
+              </a:lnSpc>
+            </a:pPr>
+            <a:r>
+              <a:rPr lang="en-US" sz="5000" dirty="0">
+                <a:solidFill>
+                  <a:srgbClr val="FFFDE7"/>
+                </a:solidFill>
+                <a:latin typeface="Noto Sans Bold"/>
+              </a:rPr>
+              <a:t> CHƯƠNG 1</a:t>
+            </a:r>
+          </a:p>
+        </p:txBody>
+      </p:sp>
+    </p:spTree>
+  </p:cSld>
+  <p:clrMapOvr>
+    <a:masterClrMapping/>
+  </p:clrMapOvr>
+</p:sld>
+</file>
+
+<file path=ppt/slides/slide4.xml><?xml version="1.0" encoding="utf-8"?>
+<p:sld xmlns:a="http://schemas.openxmlformats.org/drawingml/2006/main" xmlns:r="http://schemas.openxmlformats.org/officeDocument/2006/relationships" xmlns:p="http://schemas.openxmlformats.org/presentationml/2006/main">
+  <p:cSld>
+    <p:spTree>
+      <p:nvGrpSpPr>
+        <p:cNvPr id="1" name=""/>
+        <p:cNvGrpSpPr/>
+        <p:nvPr/>
+      </p:nvGrpSpPr>
+      <p:grpSpPr>
+        <a:xfrm>
+          <a:off x="0" y="0"/>
+          <a:ext cx="0" cy="0"/>
+          <a:chOff x="0" y="0"/>
+          <a:chExt cx="0" cy="0"/>
+        </a:xfrm>
+      </p:grpSpPr>
+      <p:pic>
+        <p:nvPicPr>
+          <p:cNvPr id="2" name="Picture 2"/>
+          <p:cNvPicPr>
+            <a:picLocks noChangeAspect="1"/>
+          </p:cNvPicPr>
+          <p:nvPr/>
+        </p:nvPicPr>
+        <p:blipFill>
+          <a:blip r:embed="rId3">
+            <a:extLst>
+              <a:ext uri="{28A0092B-C50C-407E-A947-70E740481C1C}">
+                <a14:useLocalDpi xmlns:a14="http://schemas.microsoft.com/office/drawing/2010/main" val="0"/>
+              </a:ext>
+              <a:ext uri="{96DAC541-7B7A-43D3-8B79-37D633B846F1}">
+                <asvg:svgBlip xmlns:asvg="http://schemas.microsoft.com/office/drawing/2016/SVG/main" r:embed="rId4"/>
+              </a:ext>
+            </a:extLst>
+          </a:blip>
+          <a:srcRect/>
+          <a:stretch>
+            <a:fillRect/>
+          </a:stretch>
+        </p:blipFill>
+        <p:spPr>
+          <a:xfrm rot="-5400000">
+            <a:off x="16838529" y="7802013"/>
+            <a:ext cx="2912574" cy="2912574"/>
+          </a:xfrm>
+          <a:prstGeom prst="rect">
+            <a:avLst/>
+          </a:prstGeom>
+        </p:spPr>
+      </p:pic>
+      <p:grpSp>
+        <p:nvGrpSpPr>
+          <p:cNvPr id="3" name="Group 3"/>
+          <p:cNvGrpSpPr/>
+          <p:nvPr/>
+        </p:nvGrpSpPr>
+        <p:grpSpPr>
+          <a:xfrm>
+            <a:off x="-1883874" y="3834789"/>
+            <a:ext cx="2912574" cy="2912574"/>
+            <a:chOff x="0" y="0"/>
+            <a:chExt cx="6350000" cy="6350000"/>
+          </a:xfrm>
+        </p:grpSpPr>
+        <p:sp>
+          <p:nvSpPr>
+            <p:cNvPr id="4" name="Freeform 4"/>
+            <p:cNvSpPr/>
+            <p:nvPr/>
+          </p:nvSpPr>
+          <p:spPr>
+            <a:xfrm>
+              <a:off x="14167" y="0"/>
+              <a:ext cx="6321665" cy="6350000"/>
+            </a:xfrm>
+            <a:custGeom>
+              <a:avLst/>
+              <a:gdLst/>
+              <a:ahLst/>
+              <a:cxnLst/>
+              <a:rect l="l" t="t" r="r" b="b"/>
+              <a:pathLst>
+                <a:path w="6321665" h="6350000">
+                  <a:moveTo>
+                    <a:pt x="3160833" y="0"/>
+                  </a:moveTo>
+                  <a:lnTo>
+                    <a:pt x="3160833" y="0"/>
+                  </a:lnTo>
+                  <a:cubicBezTo>
+                    <a:pt x="4908795" y="7817"/>
+                    <a:pt x="6321666" y="1427021"/>
+                    <a:pt x="6321666" y="3175000"/>
+                  </a:cubicBezTo>
+                  <a:cubicBezTo>
+                    <a:pt x="6321666" y="4922979"/>
+                    <a:pt x="4908795" y="6342183"/>
+                    <a:pt x="3160833" y="6350000"/>
+                  </a:cubicBezTo>
+                  <a:cubicBezTo>
+                    <a:pt x="1412871" y="6342183"/>
+                    <a:pt x="0" y="4922979"/>
+                    <a:pt x="0" y="3175000"/>
+                  </a:cubicBezTo>
+                  <a:cubicBezTo>
+                    <a:pt x="0" y="1427021"/>
+                    <a:pt x="1412871" y="7817"/>
+                    <a:pt x="3160833" y="0"/>
+                  </a:cubicBezTo>
+                  <a:close/>
+                </a:path>
+              </a:pathLst>
+            </a:custGeom>
+            <a:solidFill>
+              <a:srgbClr val="3C58A2"/>
+            </a:solidFill>
+          </p:spPr>
+        </p:sp>
+      </p:grpSp>
+      <p:pic>
+        <p:nvPicPr>
+          <p:cNvPr id="5" name="Picture 5"/>
+          <p:cNvPicPr>
+            <a:picLocks noChangeAspect="1"/>
+          </p:cNvPicPr>
+          <p:nvPr/>
+        </p:nvPicPr>
+        <p:blipFill>
+          <a:blip r:embed="rId5"/>
+          <a:srcRect/>
+          <a:stretch>
+            <a:fillRect/>
+          </a:stretch>
+        </p:blipFill>
+        <p:spPr>
+          <a:xfrm>
+            <a:off x="16991055" y="0"/>
+            <a:ext cx="1313286" cy="1313286"/>
+          </a:xfrm>
+          <a:prstGeom prst="rect">
+            <a:avLst/>
+          </a:prstGeom>
+        </p:spPr>
+      </p:pic>
+      <p:pic>
+        <p:nvPicPr>
+          <p:cNvPr id="6" name="Picture 6"/>
+          <p:cNvPicPr>
+            <a:picLocks noChangeAspect="1"/>
+          </p:cNvPicPr>
+          <p:nvPr/>
+        </p:nvPicPr>
+        <p:blipFill>
+          <a:blip r:embed="rId6"/>
+          <a:srcRect/>
+          <a:stretch>
+            <a:fillRect/>
+          </a:stretch>
+        </p:blipFill>
+        <p:spPr>
+          <a:xfrm>
+            <a:off x="11204001" y="2624361"/>
+            <a:ext cx="5436037" cy="5038278"/>
+          </a:xfrm>
+          <a:prstGeom prst="rect">
+            <a:avLst/>
+          </a:prstGeom>
+        </p:spPr>
+      </p:pic>
+      <p:sp>
+        <p:nvSpPr>
+          <p:cNvPr id="7" name="TextBox 7"/>
+          <p:cNvSpPr txBox="1"/>
+          <p:nvPr/>
+        </p:nvSpPr>
+        <p:spPr>
+          <a:xfrm>
+            <a:off x="5721846" y="417195"/>
+            <a:ext cx="6844308" cy="1156335"/>
+          </a:xfrm>
+          <a:prstGeom prst="rect">
+            <a:avLst/>
+          </a:prstGeom>
+        </p:spPr>
+        <p:txBody>
+          <a:bodyPr lIns="0" tIns="0" rIns="0" bIns="0" rtlCol="0" anchor="t">
+            <a:spAutoFit/>
+          </a:bodyPr>
+          <a:lstStyle/>
+          <a:p>
+            <a:pPr marL="0" lvl="0" indent="0" algn="ctr">
+              <a:lnSpc>
+                <a:spcPts val="9360"/>
+              </a:lnSpc>
+              <a:spcBef>
+                <a:spcPct val="0"/>
+              </a:spcBef>
+            </a:pPr>
+            <a:r>
+              <a:rPr lang="en-US" sz="7200">
+                <a:solidFill>
+                  <a:srgbClr val="4D9483"/>
+                </a:solidFill>
+                <a:latin typeface="TT Norms"/>
+              </a:rPr>
+              <a:t>PYTHON LÀ GÌ?</a:t>
+            </a:r>
+          </a:p>
+        </p:txBody>
+      </p:sp>
+      <p:sp>
+        <p:nvSpPr>
+          <p:cNvPr id="8" name="TextBox 8"/>
+          <p:cNvSpPr txBox="1"/>
+          <p:nvPr/>
+        </p:nvSpPr>
+        <p:spPr>
+          <a:xfrm>
+            <a:off x="1895032" y="2677160"/>
+            <a:ext cx="7248968" cy="2466340"/>
+          </a:xfrm>
+          <a:prstGeom prst="rect">
+            <a:avLst/>
+          </a:prstGeom>
+        </p:spPr>
+        <p:txBody>
+          <a:bodyPr lIns="0" tIns="0" rIns="0" bIns="0" rtlCol="0" anchor="t">
+            <a:spAutoFit/>
+          </a:bodyPr>
+          <a:lstStyle/>
+          <a:p>
+            <a:pPr algn="just">
+              <a:lnSpc>
+                <a:spcPts val="4940"/>
+              </a:lnSpc>
+            </a:pPr>
+            <a:r>
+              <a:rPr lang="en-US" sz="3800">
+                <a:solidFill>
+                  <a:srgbClr val="000000"/>
+                </a:solidFill>
+                <a:latin typeface="TT Norms"/>
+              </a:rPr>
+              <a:t> Python là một ngôn ngữ lập trình phổ biến. Nó được tạo ra bởi Guido van Rossum và được phát hành vào năm 1991.</a:t>
+            </a:r>
+          </a:p>
+        </p:txBody>
+      </p:sp>
+    </p:spTree>
+  </p:cSld>
+  <p:clrMapOvr>
+    <a:masterClrMapping/>
+  </p:clrMapOvr>
+</p:sld>
+</file>
+
+<file path=ppt/slides/slide5.xml><?xml version="1.0" encoding="utf-8"?>
+<p:sld xmlns:a="http://schemas.openxmlformats.org/drawingml/2006/main" xmlns:r="http://schemas.openxmlformats.org/officeDocument/2006/relationships" xmlns:p="http://schemas.openxmlformats.org/presentationml/2006/main">
+  <p:cSld>
+    <p:spTree>
+      <p:nvGrpSpPr>
+        <p:cNvPr id="1" name=""/>
+        <p:cNvGrpSpPr/>
+        <p:nvPr/>
+      </p:nvGrpSpPr>
+      <p:grpSpPr>
+        <a:xfrm>
+          <a:off x="0" y="0"/>
+          <a:ext cx="0" cy="0"/>
+          <a:chOff x="0" y="0"/>
+          <a:chExt cx="0" cy="0"/>
+        </a:xfrm>
+      </p:grpSpPr>
+      <p:pic>
+        <p:nvPicPr>
+          <p:cNvPr id="2" name="Picture 2"/>
+          <p:cNvPicPr>
+            <a:picLocks noChangeAspect="1"/>
+          </p:cNvPicPr>
+          <p:nvPr/>
+        </p:nvPicPr>
+        <p:blipFill>
+          <a:blip r:embed="rId3"/>
+          <a:srcRect/>
+          <a:stretch>
+            <a:fillRect/>
+          </a:stretch>
+        </p:blipFill>
+        <p:spPr>
+          <a:xfrm>
+            <a:off x="16974714" y="0"/>
+            <a:ext cx="1313286" cy="1313286"/>
+          </a:xfrm>
+          <a:prstGeom prst="rect">
+            <a:avLst/>
+          </a:prstGeom>
+        </p:spPr>
+      </p:pic>
+      <p:pic>
+        <p:nvPicPr>
+          <p:cNvPr id="3" name="Picture 3"/>
+          <p:cNvPicPr>
+            <a:picLocks noChangeAspect="1"/>
+          </p:cNvPicPr>
+          <p:nvPr/>
+        </p:nvPicPr>
+        <p:blipFill>
+          <a:blip r:embed="rId4"/>
+          <a:srcRect/>
+          <a:stretch>
+            <a:fillRect/>
+          </a:stretch>
+        </p:blipFill>
+        <p:spPr>
+          <a:xfrm>
+            <a:off x="5627808" y="2225916"/>
+            <a:ext cx="7032384" cy="7032384"/>
+          </a:xfrm>
+          <a:prstGeom prst="rect">
+            <a:avLst/>
+          </a:prstGeom>
+        </p:spPr>
+      </p:pic>
+      <p:sp>
+        <p:nvSpPr>
+          <p:cNvPr id="4" name="TextBox 4"/>
+          <p:cNvSpPr txBox="1"/>
+          <p:nvPr/>
+        </p:nvSpPr>
+        <p:spPr>
+          <a:xfrm>
+            <a:off x="3733019" y="417195"/>
+            <a:ext cx="10821963" cy="1156335"/>
+          </a:xfrm>
+          <a:prstGeom prst="rect">
+            <a:avLst/>
+          </a:prstGeom>
+        </p:spPr>
+        <p:txBody>
+          <a:bodyPr lIns="0" tIns="0" rIns="0" bIns="0" rtlCol="0" anchor="t">
+            <a:spAutoFit/>
+          </a:bodyPr>
+          <a:lstStyle/>
+          <a:p>
+            <a:pPr marL="0" lvl="0" indent="0" algn="ctr">
+              <a:lnSpc>
+                <a:spcPts val="9360"/>
+              </a:lnSpc>
+              <a:spcBef>
+                <a:spcPct val="0"/>
+              </a:spcBef>
+            </a:pPr>
+            <a:r>
+              <a:rPr lang="en-US" sz="7200">
+                <a:solidFill>
+                  <a:srgbClr val="4D9483"/>
+                </a:solidFill>
+                <a:latin typeface="TT Norms"/>
+              </a:rPr>
+              <a:t>PYTHON CÓ THỂ LÀM GÌ</a:t>
+            </a:r>
+          </a:p>
+        </p:txBody>
+      </p:sp>
+    </p:spTree>
+  </p:cSld>
+  <p:clrMapOvr>
+    <a:masterClrMapping/>
+  </p:clrMapOvr>
+</p:sld>
+</file>
+
+<file path=ppt/slides/slide6.xml><?xml version="1.0" encoding="utf-8"?>
+<p:sld xmlns:a="http://schemas.openxmlformats.org/drawingml/2006/main" xmlns:r="http://schemas.openxmlformats.org/officeDocument/2006/relationships" xmlns:p="http://schemas.openxmlformats.org/presentationml/2006/main">
+  <p:cSld>
+    <p:bg>
+      <p:bgPr>
+        <a:solidFill>
+          <a:srgbClr val="FFC966"/>
+        </a:solidFill>
+        <a:effectLst/>
+      </p:bgPr>
+    </p:bg>
+    <p:spTree>
+      <p:nvGrpSpPr>
+        <p:cNvPr id="1" name=""/>
+        <p:cNvGrpSpPr/>
+        <p:nvPr/>
+      </p:nvGrpSpPr>
+      <p:grpSpPr>
+        <a:xfrm>
+          <a:off x="0" y="0"/>
+          <a:ext cx="0" cy="0"/>
+          <a:chOff x="0" y="0"/>
+          <a:chExt cx="0" cy="0"/>
+        </a:xfrm>
+      </p:grpSpPr>
+      <p:grpSp>
+        <p:nvGrpSpPr>
+          <p:cNvPr id="2" name="Group 2"/>
+          <p:cNvGrpSpPr/>
+          <p:nvPr/>
+        </p:nvGrpSpPr>
+        <p:grpSpPr>
+          <a:xfrm>
+            <a:off x="1264898" y="4153639"/>
+            <a:ext cx="7540113" cy="1815744"/>
+            <a:chOff x="0" y="0"/>
+            <a:chExt cx="10053484" cy="2420992"/>
+          </a:xfrm>
+        </p:grpSpPr>
+        <p:sp>
+          <p:nvSpPr>
+            <p:cNvPr id="3" name="TextBox 3"/>
+            <p:cNvSpPr txBox="1"/>
+            <p:nvPr/>
+          </p:nvSpPr>
+          <p:spPr>
+            <a:xfrm>
+              <a:off x="0" y="-2381"/>
+              <a:ext cx="10053484" cy="1460500"/>
+            </a:xfrm>
+            <a:prstGeom prst="rect">
+              <a:avLst/>
+            </a:prstGeom>
+          </p:spPr>
+          <p:txBody>
+            <a:bodyPr lIns="0" tIns="0" rIns="0" bIns="0" rtlCol="0" anchor="t">
+              <a:spAutoFit/>
+            </a:bodyPr>
+            <a:lstStyle/>
+            <a:p>
+              <a:pPr algn="ctr">
+                <a:lnSpc>
+                  <a:spcPts val="8640"/>
+                </a:lnSpc>
+              </a:pPr>
+              <a:endParaRPr/>
+            </a:p>
+          </p:txBody>
+        </p:sp>
+        <p:sp>
+          <p:nvSpPr>
+            <p:cNvPr id="4" name="TextBox 4"/>
+            <p:cNvSpPr txBox="1"/>
+            <p:nvPr/>
+          </p:nvSpPr>
+          <p:spPr>
+            <a:xfrm>
+              <a:off x="0" y="1693950"/>
+              <a:ext cx="10053484" cy="731308"/>
+            </a:xfrm>
+            <a:prstGeom prst="rect">
+              <a:avLst/>
+            </a:prstGeom>
+          </p:spPr>
+          <p:txBody>
+            <a:bodyPr lIns="0" tIns="0" rIns="0" bIns="0" rtlCol="0" anchor="t">
+              <a:spAutoFit/>
+            </a:bodyPr>
+            <a:lstStyle/>
+            <a:p>
+              <a:pPr algn="ctr">
+                <a:lnSpc>
+                  <a:spcPts val="4550"/>
+                </a:lnSpc>
+              </a:pPr>
+              <a:endParaRPr/>
+            </a:p>
+          </p:txBody>
+        </p:sp>
+      </p:grpSp>
+      <p:pic>
+        <p:nvPicPr>
+          <p:cNvPr id="5" name="Picture 5"/>
+          <p:cNvPicPr>
+            <a:picLocks noChangeAspect="1"/>
+          </p:cNvPicPr>
+          <p:nvPr/>
+        </p:nvPicPr>
+        <p:blipFill>
+          <a:blip r:embed="rId3">
+            <a:extLst>
+              <a:ext uri="{28A0092B-C50C-407E-A947-70E740481C1C}">
+                <a14:useLocalDpi xmlns:a14="http://schemas.microsoft.com/office/drawing/2010/main" val="0"/>
+              </a:ext>
+              <a:ext uri="{96DAC541-7B7A-43D3-8B79-37D633B846F1}">
+                <asvg:svgBlip xmlns:asvg="http://schemas.microsoft.com/office/drawing/2016/SVG/main" r:embed="rId4"/>
+              </a:ext>
+            </a:extLst>
+          </a:blip>
+          <a:srcRect/>
+          <a:stretch>
+            <a:fillRect/>
+          </a:stretch>
+        </p:blipFill>
+        <p:spPr>
+          <a:xfrm flipH="1">
+            <a:off x="13003204" y="2866049"/>
+            <a:ext cx="2131749" cy="2131749"/>
+          </a:xfrm>
+          <a:prstGeom prst="rect">
+            <a:avLst/>
+          </a:prstGeom>
+        </p:spPr>
+      </p:pic>
+      <p:pic>
+        <p:nvPicPr>
+          <p:cNvPr id="6" name="Picture 6"/>
+          <p:cNvPicPr>
+            <a:picLocks noChangeAspect="1"/>
+          </p:cNvPicPr>
+          <p:nvPr/>
+        </p:nvPicPr>
+        <p:blipFill>
+          <a:blip r:embed="rId5">
+            <a:extLst>
+              <a:ext uri="{28A0092B-C50C-407E-A947-70E740481C1C}">
+                <a14:useLocalDpi xmlns:a14="http://schemas.microsoft.com/office/drawing/2010/main" val="0"/>
+              </a:ext>
+              <a:ext uri="{96DAC541-7B7A-43D3-8B79-37D633B846F1}">
+                <asvg:svgBlip xmlns:asvg="http://schemas.microsoft.com/office/drawing/2016/SVG/main" r:embed="rId6"/>
+              </a:ext>
+            </a:extLst>
+          </a:blip>
+          <a:srcRect/>
+          <a:stretch>
+            <a:fillRect/>
+          </a:stretch>
+        </p:blipFill>
+        <p:spPr>
+          <a:xfrm>
+            <a:off x="15127551" y="2866049"/>
+            <a:ext cx="2131749" cy="2131749"/>
+          </a:xfrm>
+          <a:prstGeom prst="rect">
+            <a:avLst/>
+          </a:prstGeom>
+        </p:spPr>
+      </p:pic>
+      <p:pic>
+        <p:nvPicPr>
+          <p:cNvPr id="7" name="Picture 7"/>
+          <p:cNvPicPr>
+            <a:picLocks noChangeAspect="1"/>
+          </p:cNvPicPr>
+          <p:nvPr/>
+        </p:nvPicPr>
+        <p:blipFill>
+          <a:blip r:embed="rId7">
+            <a:extLst>
+              <a:ext uri="{28A0092B-C50C-407E-A947-70E740481C1C}">
+                <a14:useLocalDpi xmlns:a14="http://schemas.microsoft.com/office/drawing/2010/main" val="0"/>
+              </a:ext>
+              <a:ext uri="{96DAC541-7B7A-43D3-8B79-37D633B846F1}">
+                <asvg:svgBlip xmlns:asvg="http://schemas.microsoft.com/office/drawing/2016/SVG/main" r:embed="rId8"/>
+              </a:ext>
+            </a:extLst>
+          </a:blip>
+          <a:srcRect/>
+          <a:stretch>
+            <a:fillRect/>
+          </a:stretch>
+        </p:blipFill>
+        <p:spPr>
+          <a:xfrm flipV="1">
+            <a:off x="13003204" y="4982994"/>
+            <a:ext cx="2131749" cy="2131749"/>
+          </a:xfrm>
+          <a:prstGeom prst="rect">
+            <a:avLst/>
+          </a:prstGeom>
+        </p:spPr>
+      </p:pic>
+      <p:pic>
+        <p:nvPicPr>
+          <p:cNvPr id="8" name="Picture 8"/>
+          <p:cNvPicPr>
+            <a:picLocks noChangeAspect="1"/>
+          </p:cNvPicPr>
+          <p:nvPr/>
+        </p:nvPicPr>
+        <p:blipFill>
+          <a:blip r:embed="rId9">
+            <a:extLst>
+              <a:ext uri="{28A0092B-C50C-407E-A947-70E740481C1C}">
+                <a14:useLocalDpi xmlns:a14="http://schemas.microsoft.com/office/drawing/2010/main" val="0"/>
+              </a:ext>
+              <a:ext uri="{96DAC541-7B7A-43D3-8B79-37D633B846F1}">
+                <asvg:svgBlip xmlns:asvg="http://schemas.microsoft.com/office/drawing/2016/SVG/main" r:embed="rId10"/>
+              </a:ext>
+            </a:extLst>
+          </a:blip>
+          <a:srcRect/>
+          <a:stretch>
+            <a:fillRect/>
+          </a:stretch>
+        </p:blipFill>
+        <p:spPr>
+          <a:xfrm flipH="1" flipV="1">
+            <a:off x="15127551" y="4982994"/>
+            <a:ext cx="2131749" cy="2131749"/>
+          </a:xfrm>
+          <a:prstGeom prst="rect">
+            <a:avLst/>
+          </a:prstGeom>
+        </p:spPr>
+      </p:pic>
+      <p:grpSp>
+        <p:nvGrpSpPr>
+          <p:cNvPr id="9" name="Group 9"/>
+          <p:cNvGrpSpPr/>
+          <p:nvPr/>
+        </p:nvGrpSpPr>
+        <p:grpSpPr>
+          <a:xfrm>
+            <a:off x="14282145" y="1913290"/>
+            <a:ext cx="1686430" cy="1686430"/>
+            <a:chOff x="0" y="0"/>
+            <a:chExt cx="6350000" cy="6350000"/>
+          </a:xfrm>
+        </p:grpSpPr>
+        <p:sp>
+          <p:nvSpPr>
+            <p:cNvPr id="10" name="Freeform 10"/>
+            <p:cNvSpPr/>
+            <p:nvPr/>
+          </p:nvSpPr>
+          <p:spPr>
+            <a:xfrm>
+              <a:off x="14167" y="0"/>
+              <a:ext cx="6321665" cy="6350000"/>
+            </a:xfrm>
+            <a:custGeom>
+              <a:avLst/>
+              <a:gdLst/>
+              <a:ahLst/>
+              <a:cxnLst/>
+              <a:rect l="l" t="t" r="r" b="b"/>
+              <a:pathLst>
+                <a:path w="6321665" h="6350000">
+                  <a:moveTo>
+                    <a:pt x="3160833" y="0"/>
+                  </a:moveTo>
+                  <a:lnTo>
+                    <a:pt x="3160833" y="0"/>
+                  </a:lnTo>
+                  <a:cubicBezTo>
+                    <a:pt x="4908795" y="7817"/>
+                    <a:pt x="6321666" y="1427021"/>
+                    <a:pt x="6321666" y="3175000"/>
+                  </a:cubicBezTo>
+                  <a:cubicBezTo>
+                    <a:pt x="6321666" y="4922979"/>
+                    <a:pt x="4908795" y="6342183"/>
+                    <a:pt x="3160833" y="6350000"/>
+                  </a:cubicBezTo>
+                  <a:cubicBezTo>
+                    <a:pt x="1412871" y="6342183"/>
+                    <a:pt x="0" y="4922979"/>
+                    <a:pt x="0" y="3175000"/>
+                  </a:cubicBezTo>
+                  <a:cubicBezTo>
+                    <a:pt x="0" y="1427021"/>
+                    <a:pt x="1412871" y="7817"/>
+                    <a:pt x="3160833" y="0"/>
+                  </a:cubicBezTo>
+                  <a:close/>
+                </a:path>
+              </a:pathLst>
+            </a:custGeom>
+            <a:solidFill>
+              <a:srgbClr val="E86424"/>
+            </a:solidFill>
+          </p:spPr>
+        </p:sp>
+      </p:grpSp>
+      <p:pic>
+        <p:nvPicPr>
+          <p:cNvPr id="11" name="Picture 11"/>
+          <p:cNvPicPr>
+            <a:picLocks noChangeAspect="1"/>
+          </p:cNvPicPr>
+          <p:nvPr/>
+        </p:nvPicPr>
+        <p:blipFill>
+          <a:blip r:embed="rId11">
+            <a:extLst>
+              <a:ext uri="{28A0092B-C50C-407E-A947-70E740481C1C}">
+                <a14:useLocalDpi xmlns:a14="http://schemas.microsoft.com/office/drawing/2010/main" val="0"/>
+              </a:ext>
+              <a:ext uri="{96DAC541-7B7A-43D3-8B79-37D633B846F1}">
+                <asvg:svgBlip xmlns:asvg="http://schemas.microsoft.com/office/drawing/2016/SVG/main" r:embed="rId12"/>
+              </a:ext>
+            </a:extLst>
+          </a:blip>
+          <a:srcRect/>
+          <a:stretch>
+            <a:fillRect/>
+          </a:stretch>
+        </p:blipFill>
+        <p:spPr>
+          <a:xfrm rot="-10800000">
+            <a:off x="14069079" y="7114743"/>
+            <a:ext cx="2189979" cy="1094990"/>
+          </a:xfrm>
+          <a:prstGeom prst="rect">
+            <a:avLst/>
+          </a:prstGeom>
+        </p:spPr>
+      </p:pic>
+      <p:sp>
+        <p:nvSpPr>
+          <p:cNvPr id="12" name="TextBox 12"/>
+          <p:cNvSpPr txBox="1"/>
+          <p:nvPr/>
+        </p:nvSpPr>
+        <p:spPr>
+          <a:xfrm>
+            <a:off x="873137" y="4463024"/>
+            <a:ext cx="11156603" cy="1130300"/>
+          </a:xfrm>
+          <a:prstGeom prst="rect">
+            <a:avLst/>
+          </a:prstGeom>
+        </p:spPr>
+        <p:txBody>
+          <a:bodyPr lIns="0" tIns="0" rIns="0" bIns="0" rtlCol="0" anchor="t">
+            <a:spAutoFit/>
+          </a:bodyPr>
+          <a:lstStyle/>
+          <a:p>
+            <a:pPr algn="ctr">
+              <a:lnSpc>
+                <a:spcPts val="9100"/>
+              </a:lnSpc>
+              <a:spcBef>
+                <a:spcPct val="0"/>
+              </a:spcBef>
+            </a:pPr>
+            <a:r>
+              <a:rPr lang="en-US" sz="7000">
+                <a:solidFill>
+                  <a:srgbClr val="393838"/>
+                </a:solidFill>
+                <a:latin typeface="TT Norms"/>
+              </a:rPr>
+              <a:t>TỔNG QUAN VỀ TABLEAU</a:t>
+            </a:r>
+          </a:p>
+        </p:txBody>
+      </p:sp>
+      <p:pic>
+        <p:nvPicPr>
+          <p:cNvPr id="13" name="Picture 13"/>
+          <p:cNvPicPr>
+            <a:picLocks noChangeAspect="1"/>
+          </p:cNvPicPr>
+          <p:nvPr/>
+        </p:nvPicPr>
+        <p:blipFill>
+          <a:blip r:embed="rId13"/>
+          <a:srcRect/>
+          <a:stretch>
+            <a:fillRect/>
+          </a:stretch>
+        </p:blipFill>
+        <p:spPr>
+          <a:xfrm>
+            <a:off x="16974714" y="0"/>
+            <a:ext cx="1313286" cy="1313286"/>
+          </a:xfrm>
+          <a:prstGeom prst="rect">
+            <a:avLst/>
+          </a:prstGeom>
+        </p:spPr>
+      </p:pic>
+      <p:sp>
+        <p:nvSpPr>
+          <p:cNvPr id="14" name="TextBox 14"/>
+          <p:cNvSpPr txBox="1"/>
+          <p:nvPr/>
+        </p:nvSpPr>
+        <p:spPr>
+          <a:xfrm>
+            <a:off x="1028700" y="3340839"/>
+            <a:ext cx="4686300" cy="812800"/>
+          </a:xfrm>
+          <a:prstGeom prst="rect">
+            <a:avLst/>
+          </a:prstGeom>
+        </p:spPr>
+        <p:txBody>
+          <a:bodyPr wrap="square" lIns="0" tIns="0" rIns="0" bIns="0" rtlCol="0" anchor="t">
+            <a:spAutoFit/>
+          </a:bodyPr>
+          <a:lstStyle/>
+          <a:p>
+            <a:pPr>
+              <a:lnSpc>
+                <a:spcPts val="6500"/>
+              </a:lnSpc>
+            </a:pPr>
+            <a:r>
+              <a:rPr lang="en-US" sz="5000" dirty="0">
+                <a:solidFill>
+                  <a:srgbClr val="FFFDE7"/>
+                </a:solidFill>
+                <a:latin typeface="Noto Sans Bold"/>
+              </a:rPr>
+              <a:t> CHƯƠNG 2</a:t>
+            </a:r>
+          </a:p>
+        </p:txBody>
+      </p:sp>
+    </p:spTree>
+  </p:cSld>
+  <p:clrMapOvr>
+    <a:masterClrMapping/>
+  </p:clrMapOvr>
+</p:sld>
+</file>
+
+<file path=ppt/slides/slide7.xml><?xml version="1.0" encoding="utf-8"?>
+<p:sld xmlns:a="http://schemas.openxmlformats.org/drawingml/2006/main" xmlns:r="http://schemas.openxmlformats.org/officeDocument/2006/relationships" xmlns:p="http://schemas.openxmlformats.org/presentationml/2006/main">
+  <p:cSld>
+    <p:spTree>
+      <p:nvGrpSpPr>
+        <p:cNvPr id="1" name=""/>
+        <p:cNvGrpSpPr/>
+        <p:nvPr/>
+      </p:nvGrpSpPr>
+      <p:grpSpPr>
+        <a:xfrm>
+          <a:off x="0" y="0"/>
+          <a:ext cx="0" cy="0"/>
+          <a:chOff x="0" y="0"/>
+          <a:chExt cx="0" cy="0"/>
+        </a:xfrm>
+      </p:grpSpPr>
+      <p:pic>
+        <p:nvPicPr>
+          <p:cNvPr id="2" name="Picture 2"/>
+          <p:cNvPicPr>
+            <a:picLocks noChangeAspect="1"/>
+          </p:cNvPicPr>
+          <p:nvPr/>
+        </p:nvPicPr>
+        <p:blipFill>
+          <a:blip r:embed="rId3"/>
+          <a:srcRect/>
+          <a:stretch>
+            <a:fillRect/>
+          </a:stretch>
+        </p:blipFill>
+        <p:spPr>
+          <a:xfrm>
+            <a:off x="16974714" y="0"/>
+            <a:ext cx="1313286" cy="1313286"/>
+          </a:xfrm>
+          <a:prstGeom prst="rect">
+            <a:avLst/>
+          </a:prstGeom>
+        </p:spPr>
+      </p:pic>
+      <p:pic>
+        <p:nvPicPr>
+          <p:cNvPr id="3" name="Picture 3"/>
+          <p:cNvPicPr>
+            <a:picLocks noChangeAspect="1"/>
+          </p:cNvPicPr>
+          <p:nvPr/>
+        </p:nvPicPr>
+        <p:blipFill>
+          <a:blip r:embed="rId4"/>
+          <a:srcRect/>
+          <a:stretch>
+            <a:fillRect/>
+          </a:stretch>
+        </p:blipFill>
+        <p:spPr>
+          <a:xfrm>
+            <a:off x="13108624" y="3068162"/>
+            <a:ext cx="4150676" cy="4150676"/>
+          </a:xfrm>
+          <a:prstGeom prst="rect">
+            <a:avLst/>
+          </a:prstGeom>
+        </p:spPr>
+      </p:pic>
+      <p:sp>
+        <p:nvSpPr>
+          <p:cNvPr id="4" name="TextBox 4"/>
+          <p:cNvSpPr txBox="1"/>
+          <p:nvPr/>
+        </p:nvSpPr>
+        <p:spPr>
+          <a:xfrm>
+            <a:off x="1259334" y="4510405"/>
+            <a:ext cx="9085014" cy="1228090"/>
+          </a:xfrm>
+          <a:prstGeom prst="rect">
+            <a:avLst/>
+          </a:prstGeom>
+        </p:spPr>
+        <p:txBody>
+          <a:bodyPr lIns="0" tIns="0" rIns="0" bIns="0" rtlCol="0" anchor="t">
+            <a:spAutoFit/>
+          </a:bodyPr>
+          <a:lstStyle/>
+          <a:p>
+            <a:pPr marL="0" lvl="0" indent="0" algn="just">
+              <a:lnSpc>
+                <a:spcPts val="4940"/>
+              </a:lnSpc>
+              <a:spcBef>
+                <a:spcPct val="0"/>
+              </a:spcBef>
+            </a:pPr>
+            <a:r>
+              <a:rPr lang="en-US" sz="3800" u="none">
+                <a:solidFill>
+                  <a:srgbClr val="000000"/>
+                </a:solidFill>
+                <a:latin typeface="TT Norms"/>
+              </a:rPr>
+              <a:t>Tableau là phần mềm hỗ trợ phân tích và trực quan hóa dữ liệu(Data Visualization)</a:t>
+            </a:r>
+          </a:p>
+        </p:txBody>
+      </p:sp>
+      <p:sp>
+        <p:nvSpPr>
+          <p:cNvPr id="5" name="TextBox 5"/>
+          <p:cNvSpPr txBox="1"/>
+          <p:nvPr/>
+        </p:nvSpPr>
+        <p:spPr>
+          <a:xfrm>
+            <a:off x="5801841" y="417195"/>
+            <a:ext cx="6684318" cy="1156335"/>
+          </a:xfrm>
+          <a:prstGeom prst="rect">
+            <a:avLst/>
+          </a:prstGeom>
+        </p:spPr>
+        <p:txBody>
+          <a:bodyPr lIns="0" tIns="0" rIns="0" bIns="0" rtlCol="0" anchor="t">
+            <a:spAutoFit/>
+          </a:bodyPr>
+          <a:lstStyle/>
+          <a:p>
+            <a:pPr marL="0" lvl="0" indent="0" algn="ctr">
+              <a:lnSpc>
+                <a:spcPts val="9360"/>
+              </a:lnSpc>
+              <a:spcBef>
+                <a:spcPct val="0"/>
+              </a:spcBef>
+            </a:pPr>
+            <a:r>
+              <a:rPr lang="en-US" sz="7200">
+                <a:solidFill>
+                  <a:srgbClr val="4D9483"/>
+                </a:solidFill>
+                <a:latin typeface="TT Norms"/>
+              </a:rPr>
+              <a:t>TABLEAU LÀ GI</a:t>
+            </a:r>
+          </a:p>
+        </p:txBody>
+      </p:sp>
+    </p:spTree>
+  </p:cSld>
+  <p:clrMapOvr>
+    <a:masterClrMapping/>
+  </p:clrMapOvr>
+</p:sld>
+</file>
+
+<file path=ppt/slides/slide8.xml><?xml version="1.0" encoding="utf-8"?>
+<p:sld xmlns:a="http://schemas.openxmlformats.org/drawingml/2006/main" xmlns:r="http://schemas.openxmlformats.org/officeDocument/2006/relationships" xmlns:p="http://schemas.openxmlformats.org/presentationml/2006/main">
+  <p:cSld>
+    <p:bg>
+      <p:bgPr>
+        <a:solidFill>
+          <a:srgbClr val="4D9483"/>
+        </a:solidFill>
+        <a:effectLst/>
+      </p:bgPr>
+    </p:bg>
+    <p:spTree>
+      <p:nvGrpSpPr>
+        <p:cNvPr id="1" name=""/>
+        <p:cNvGrpSpPr/>
+        <p:nvPr/>
+      </p:nvGrpSpPr>
+      <p:grpSpPr>
+        <a:xfrm>
+          <a:off x="0" y="0"/>
+          <a:ext cx="0" cy="0"/>
+          <a:chOff x="0" y="0"/>
+          <a:chExt cx="0" cy="0"/>
+        </a:xfrm>
+      </p:grpSpPr>
+      <p:pic>
+        <p:nvPicPr>
+          <p:cNvPr id="2" name="Picture 2"/>
+          <p:cNvPicPr>
+            <a:picLocks noChangeAspect="1"/>
+          </p:cNvPicPr>
+          <p:nvPr/>
+        </p:nvPicPr>
+        <p:blipFill>
+          <a:blip r:embed="rId2"/>
+          <a:srcRect/>
+          <a:stretch>
+            <a:fillRect/>
+          </a:stretch>
+        </p:blipFill>
+        <p:spPr>
+          <a:xfrm>
+            <a:off x="16974714" y="0"/>
+            <a:ext cx="1313286" cy="1313286"/>
+          </a:xfrm>
+          <a:prstGeom prst="rect">
+            <a:avLst/>
+          </a:prstGeom>
+        </p:spPr>
+      </p:pic>
+      <p:grpSp>
+        <p:nvGrpSpPr>
+          <p:cNvPr id="3" name="Group 3"/>
+          <p:cNvGrpSpPr/>
+          <p:nvPr/>
+        </p:nvGrpSpPr>
+        <p:grpSpPr>
+          <a:xfrm>
+            <a:off x="1264898" y="4153639"/>
+            <a:ext cx="7540113" cy="1815744"/>
+            <a:chOff x="0" y="0"/>
+            <a:chExt cx="10053484" cy="2420992"/>
+          </a:xfrm>
+        </p:grpSpPr>
+        <p:sp>
+          <p:nvSpPr>
+            <p:cNvPr id="4" name="TextBox 4"/>
+            <p:cNvSpPr txBox="1"/>
+            <p:nvPr/>
+          </p:nvSpPr>
+          <p:spPr>
+            <a:xfrm>
+              <a:off x="0" y="-2381"/>
+              <a:ext cx="10053484" cy="1460500"/>
+            </a:xfrm>
+            <a:prstGeom prst="rect">
+              <a:avLst/>
+            </a:prstGeom>
+          </p:spPr>
+          <p:txBody>
+            <a:bodyPr lIns="0" tIns="0" rIns="0" bIns="0" rtlCol="0" anchor="t">
+              <a:spAutoFit/>
+            </a:bodyPr>
+            <a:lstStyle/>
+            <a:p>
+              <a:pPr algn="ctr">
+                <a:lnSpc>
+                  <a:spcPts val="8640"/>
+                </a:lnSpc>
+              </a:pPr>
+              <a:endParaRPr/>
+            </a:p>
+          </p:txBody>
+        </p:sp>
+        <p:sp>
+          <p:nvSpPr>
+            <p:cNvPr id="5" name="TextBox 5"/>
+            <p:cNvSpPr txBox="1"/>
+            <p:nvPr/>
+          </p:nvSpPr>
+          <p:spPr>
+            <a:xfrm>
+              <a:off x="0" y="1693950"/>
+              <a:ext cx="10053484" cy="731308"/>
+            </a:xfrm>
+            <a:prstGeom prst="rect">
+              <a:avLst/>
+            </a:prstGeom>
+          </p:spPr>
+          <p:txBody>
+            <a:bodyPr lIns="0" tIns="0" rIns="0" bIns="0" rtlCol="0" anchor="t">
+              <a:spAutoFit/>
+            </a:bodyPr>
+            <a:lstStyle/>
+            <a:p>
+              <a:pPr algn="ctr">
+                <a:lnSpc>
+                  <a:spcPts val="4550"/>
+                </a:lnSpc>
+              </a:pPr>
+              <a:endParaRPr/>
+            </a:p>
+          </p:txBody>
+        </p:sp>
+      </p:grpSp>
+      <p:pic>
+        <p:nvPicPr>
+          <p:cNvPr id="6" name="Picture 6"/>
+          <p:cNvPicPr>
+            <a:picLocks noChangeAspect="1"/>
+          </p:cNvPicPr>
+          <p:nvPr/>
+        </p:nvPicPr>
+        <p:blipFill>
+          <a:blip r:embed="rId3">
+            <a:extLst>
+              <a:ext uri="{28A0092B-C50C-407E-A947-70E740481C1C}">
+                <a14:useLocalDpi xmlns:a14="http://schemas.microsoft.com/office/drawing/2010/main" val="0"/>
+              </a:ext>
+              <a:ext uri="{96DAC541-7B7A-43D3-8B79-37D633B846F1}">
+                <asvg:svgBlip xmlns:asvg="http://schemas.microsoft.com/office/drawing/2016/SVG/main" r:embed="rId4"/>
+              </a:ext>
+            </a:extLst>
+          </a:blip>
+          <a:srcRect/>
+          <a:stretch>
+            <a:fillRect/>
+          </a:stretch>
+        </p:blipFill>
+        <p:spPr>
+          <a:xfrm flipH="1">
+            <a:off x="13003204" y="2866049"/>
+            <a:ext cx="2131749" cy="2131749"/>
+          </a:xfrm>
+          <a:prstGeom prst="rect">
+            <a:avLst/>
+          </a:prstGeom>
+        </p:spPr>
+      </p:pic>
+      <p:pic>
+        <p:nvPicPr>
+          <p:cNvPr id="7" name="Picture 7"/>
+          <p:cNvPicPr>
+            <a:picLocks noChangeAspect="1"/>
+          </p:cNvPicPr>
+          <p:nvPr/>
+        </p:nvPicPr>
+        <p:blipFill>
+          <a:blip r:embed="rId5">
+            <a:extLst>
+              <a:ext uri="{28A0092B-C50C-407E-A947-70E740481C1C}">
+                <a14:useLocalDpi xmlns:a14="http://schemas.microsoft.com/office/drawing/2010/main" val="0"/>
+              </a:ext>
+              <a:ext uri="{96DAC541-7B7A-43D3-8B79-37D633B846F1}">
+                <asvg:svgBlip xmlns:asvg="http://schemas.microsoft.com/office/drawing/2016/SVG/main" r:embed="rId6"/>
+              </a:ext>
+            </a:extLst>
+          </a:blip>
+          <a:srcRect/>
+          <a:stretch>
+            <a:fillRect/>
+          </a:stretch>
+        </p:blipFill>
+        <p:spPr>
+          <a:xfrm>
+            <a:off x="15127551" y="2866049"/>
+            <a:ext cx="2131749" cy="2131749"/>
+          </a:xfrm>
+          <a:prstGeom prst="rect">
+            <a:avLst/>
+          </a:prstGeom>
+        </p:spPr>
+      </p:pic>
+      <p:pic>
+        <p:nvPicPr>
+          <p:cNvPr id="8" name="Picture 8"/>
+          <p:cNvPicPr>
+            <a:picLocks noChangeAspect="1"/>
+          </p:cNvPicPr>
+          <p:nvPr/>
+        </p:nvPicPr>
+        <p:blipFill>
+          <a:blip r:embed="rId7">
+            <a:extLst>
+              <a:ext uri="{28A0092B-C50C-407E-A947-70E740481C1C}">
+                <a14:useLocalDpi xmlns:a14="http://schemas.microsoft.com/office/drawing/2010/main" val="0"/>
+              </a:ext>
+              <a:ext uri="{96DAC541-7B7A-43D3-8B79-37D633B846F1}">
+                <asvg:svgBlip xmlns:asvg="http://schemas.microsoft.com/office/drawing/2016/SVG/main" r:embed="rId8"/>
+              </a:ext>
+            </a:extLst>
+          </a:blip>
+          <a:srcRect/>
+          <a:stretch>
+            <a:fillRect/>
+          </a:stretch>
+        </p:blipFill>
+        <p:spPr>
+          <a:xfrm flipV="1">
+            <a:off x="13003204" y="4982994"/>
+            <a:ext cx="2131749" cy="2131749"/>
+          </a:xfrm>
+          <a:prstGeom prst="rect">
+            <a:avLst/>
+          </a:prstGeom>
+        </p:spPr>
+      </p:pic>
+      <p:pic>
+        <p:nvPicPr>
+          <p:cNvPr id="9" name="Picture 9"/>
+          <p:cNvPicPr>
+            <a:picLocks noChangeAspect="1"/>
+          </p:cNvPicPr>
+          <p:nvPr/>
+        </p:nvPicPr>
+        <p:blipFill>
+          <a:blip r:embed="rId9">
+            <a:extLst>
+              <a:ext uri="{28A0092B-C50C-407E-A947-70E740481C1C}">
+                <a14:useLocalDpi xmlns:a14="http://schemas.microsoft.com/office/drawing/2010/main" val="0"/>
+              </a:ext>
+              <a:ext uri="{96DAC541-7B7A-43D3-8B79-37D633B846F1}">
+                <asvg:svgBlip xmlns:asvg="http://schemas.microsoft.com/office/drawing/2016/SVG/main" r:embed="rId10"/>
+              </a:ext>
+            </a:extLst>
+          </a:blip>
+          <a:srcRect/>
+          <a:stretch>
+            <a:fillRect/>
+          </a:stretch>
+        </p:blipFill>
+        <p:spPr>
+          <a:xfrm flipH="1" flipV="1">
+            <a:off x="15127551" y="4982994"/>
+            <a:ext cx="2131749" cy="2131749"/>
+          </a:xfrm>
+          <a:prstGeom prst="rect">
+            <a:avLst/>
+          </a:prstGeom>
+        </p:spPr>
+      </p:pic>
+      <p:grpSp>
+        <p:nvGrpSpPr>
+          <p:cNvPr id="10" name="Group 10"/>
+          <p:cNvGrpSpPr/>
+          <p:nvPr/>
+        </p:nvGrpSpPr>
+        <p:grpSpPr>
+          <a:xfrm>
+            <a:off x="14282145" y="1913290"/>
+            <a:ext cx="1686430" cy="1686430"/>
+            <a:chOff x="0" y="0"/>
+            <a:chExt cx="6350000" cy="6350000"/>
+          </a:xfrm>
+        </p:grpSpPr>
+        <p:sp>
+          <p:nvSpPr>
+            <p:cNvPr id="11" name="Freeform 11"/>
+            <p:cNvSpPr/>
+            <p:nvPr/>
+          </p:nvSpPr>
+          <p:spPr>
+            <a:xfrm>
+              <a:off x="14167" y="0"/>
+              <a:ext cx="6321665" cy="6350000"/>
+            </a:xfrm>
+            <a:custGeom>
+              <a:avLst/>
+              <a:gdLst/>
+              <a:ahLst/>
+              <a:cxnLst/>
+              <a:rect l="l" t="t" r="r" b="b"/>
+              <a:pathLst>
+                <a:path w="6321665" h="6350000">
+                  <a:moveTo>
+                    <a:pt x="3160833" y="0"/>
+                  </a:moveTo>
+                  <a:lnTo>
+                    <a:pt x="3160833" y="0"/>
+                  </a:lnTo>
+                  <a:cubicBezTo>
+                    <a:pt x="4908795" y="7817"/>
+                    <a:pt x="6321666" y="1427021"/>
+                    <a:pt x="6321666" y="3175000"/>
+                  </a:cubicBezTo>
+                  <a:cubicBezTo>
+                    <a:pt x="6321666" y="4922979"/>
+                    <a:pt x="4908795" y="6342183"/>
+                    <a:pt x="3160833" y="6350000"/>
+                  </a:cubicBezTo>
+                  <a:cubicBezTo>
+                    <a:pt x="1412871" y="6342183"/>
+                    <a:pt x="0" y="4922979"/>
+                    <a:pt x="0" y="3175000"/>
+                  </a:cubicBezTo>
+                  <a:cubicBezTo>
+                    <a:pt x="0" y="1427021"/>
+                    <a:pt x="1412871" y="7817"/>
+                    <a:pt x="3160833" y="0"/>
+                  </a:cubicBezTo>
+                  <a:close/>
+                </a:path>
+              </a:pathLst>
+            </a:custGeom>
+            <a:solidFill>
+              <a:srgbClr val="E86424"/>
+            </a:solidFill>
+          </p:spPr>
+        </p:sp>
+      </p:grpSp>
+      <p:pic>
+        <p:nvPicPr>
+          <p:cNvPr id="12" name="Picture 12"/>
+          <p:cNvPicPr>
+            <a:picLocks noChangeAspect="1"/>
+          </p:cNvPicPr>
+          <p:nvPr/>
+        </p:nvPicPr>
+        <p:blipFill>
+          <a:blip r:embed="rId11">
+            <a:extLst>
+              <a:ext uri="{28A0092B-C50C-407E-A947-70E740481C1C}">
+                <a14:useLocalDpi xmlns:a14="http://schemas.microsoft.com/office/drawing/2010/main" val="0"/>
+              </a:ext>
+              <a:ext uri="{96DAC541-7B7A-43D3-8B79-37D633B846F1}">
+                <asvg:svgBlip xmlns:asvg="http://schemas.microsoft.com/office/drawing/2016/SVG/main" r:embed="rId12"/>
+              </a:ext>
+            </a:extLst>
+          </a:blip>
+          <a:srcRect/>
+          <a:stretch>
+            <a:fillRect/>
+          </a:stretch>
+        </p:blipFill>
+        <p:spPr>
+          <a:xfrm rot="-10800000">
+            <a:off x="14069079" y="7114743"/>
+            <a:ext cx="2189979" cy="1094990"/>
+          </a:xfrm>
+          <a:prstGeom prst="rect">
+            <a:avLst/>
+          </a:prstGeom>
+        </p:spPr>
+      </p:pic>
+      <p:sp>
+        <p:nvSpPr>
+          <p:cNvPr id="13" name="TextBox 13"/>
+          <p:cNvSpPr txBox="1"/>
+          <p:nvPr/>
+        </p:nvSpPr>
+        <p:spPr>
+          <a:xfrm>
+            <a:off x="1028700" y="4463024"/>
+            <a:ext cx="10850398" cy="3146887"/>
+          </a:xfrm>
+          <a:prstGeom prst="rect">
+            <a:avLst/>
+          </a:prstGeom>
+        </p:spPr>
+        <p:txBody>
+          <a:bodyPr wrap="square" lIns="0" tIns="0" rIns="0" bIns="0" rtlCol="0" anchor="t">
+            <a:spAutoFit/>
+          </a:bodyPr>
+          <a:lstStyle/>
+          <a:p>
+            <a:pPr>
+              <a:lnSpc>
+                <a:spcPct val="150000"/>
+              </a:lnSpc>
+            </a:pPr>
+            <a:r>
+              <a:rPr lang="en-US" sz="7200" dirty="0">
+                <a:solidFill>
+                  <a:srgbClr val="FFFDE7"/>
+                </a:solidFill>
+                <a:latin typeface="Noto Sans Bold"/>
+              </a:rPr>
+              <a:t>TRIỂN KHAI PHÂN TÍCH DỮ LIỆU</a:t>
             </a:r>
           </a:p>
         </p:txBody>
@@ -9116,4 +11514,299 @@
   <a:objectDefaults/>
   <a:extraClrSchemeLst/>
 </a:theme>
+</file>
+
+<file path=ppt/theme/theme2.xml><?xml version="1.0" encoding="utf-8"?>
+<a:theme xmlns:a="http://schemas.openxmlformats.org/drawingml/2006/main" name="Office Theme">
+  <a:themeElements>
+    <a:clrScheme name="Office">
+      <a:dk1>
+        <a:sysClr val="windowText" lastClr="000000"/>
+      </a:dk1>
+      <a:lt1>
+        <a:sysClr val="window" lastClr="FFFFFF"/>
+      </a:lt1>
+      <a:dk2>
+        <a:srgbClr val="44546A"/>
+      </a:dk2>
+      <a:lt2>
+        <a:srgbClr val="E7E6E6"/>
+      </a:lt2>
+      <a:accent1>
+        <a:srgbClr val="4472C4"/>
+      </a:accent1>
+      <a:accent2>
+        <a:srgbClr val="ED7D31"/>
+      </a:accent2>
+      <a:accent3>
+        <a:srgbClr val="A5A5A5"/>
+      </a:accent3>
+      <a:accent4>
+        <a:srgbClr val="FFC000"/>
+      </a:accent4>
+      <a:accent5>
+        <a:srgbClr val="5B9BD5"/>
+      </a:accent5>
+      <a:accent6>
+        <a:srgbClr val="70AD47"/>
+      </a:accent6>
+      <a:hlink>
+        <a:srgbClr val="0563C1"/>
+      </a:hlink>
+      <a:folHlink>
+        <a:srgbClr val="954F72"/>
+      </a:folHlink>
+    </a:clrScheme>
+    <a:fontScheme name="Office">
+      <a:majorFont>
+        <a:latin typeface="Calibri Light" panose="020F0302020204030204"/>
+        <a:ea typeface=""/>
+        <a:cs typeface=""/>
+        <a:font script="Jpan" typeface="游ゴシック Light"/>
+        <a:font script="Hang" typeface="맑은 고딕"/>
+        <a:font script="Hans" typeface="等线 Light"/>
+        <a:font script="Hant" typeface="新細明體"/>
+        <a:font script="Arab" typeface="Times New Roman"/>
+        <a:font script="Hebr" typeface="Times New Roman"/>
+        <a:font script="Thai" typeface="Angsana New"/>
+        <a:font script="Ethi" typeface="Nyala"/>
+        <a:font script="Beng" typeface="Vrinda"/>
+        <a:font script="Gujr" typeface="Shruti"/>
+        <a:font script="Khmr" typeface="MoolBoran"/>
+        <a:font script="Knda" typeface="Tunga"/>
+        <a:font script="Guru" typeface="Raavi"/>
+        <a:font script="Cans" typeface="Euphemia"/>
+        <a:font script="Cher" typeface="Plantagenet Cherokee"/>
+        <a:font script="Yiii" typeface="Microsoft Yi Baiti"/>
+        <a:font script="Tibt" typeface="Microsoft Himalaya"/>
+        <a:font script="Thaa" typeface="MV Boli"/>
+        <a:font script="Deva" typeface="Mangal"/>
+        <a:font script="Telu" typeface="Gautami"/>
+        <a:font script="Taml" typeface="Latha"/>
+        <a:font script="Syrc" typeface="Estrangelo Edessa"/>
+        <a:font script="Orya" typeface="Kalinga"/>
+        <a:font script="Mlym" typeface="Kartika"/>
+        <a:font script="Laoo" typeface="DokChampa"/>
+        <a:font script="Sinh" typeface="Iskoola Pota"/>
+        <a:font script="Mong" typeface="Mongolian Baiti"/>
+        <a:font script="Viet" typeface="Times New Roman"/>
+        <a:font script="Uigh" typeface="Microsoft Uighur"/>
+        <a:font script="Geor" typeface="Sylfaen"/>
+        <a:font script="Armn" typeface="Arial"/>
+        <a:font script="Bugi" typeface="Leelawadee UI"/>
+        <a:font script="Bopo" typeface="Microsoft JhengHei"/>
+        <a:font script="Java" typeface="Javanese Text"/>
+        <a:font script="Lisu" typeface="Segoe UI"/>
+        <a:font script="Mymr" typeface="Myanmar Text"/>
+        <a:font script="Nkoo" typeface="Ebrima"/>
+        <a:font script="Olck" typeface="Nirmala UI"/>
+        <a:font script="Osma" typeface="Ebrima"/>
+        <a:font script="Phag" typeface="Phagspa"/>
+        <a:font script="Syrn" typeface="Estrangelo Edessa"/>
+        <a:font script="Syrj" typeface="Estrangelo Edessa"/>
+        <a:font script="Syre" typeface="Estrangelo Edessa"/>
+        <a:font script="Sora" typeface="Nirmala UI"/>
+        <a:font script="Tale" typeface="Microsoft Tai Le"/>
+        <a:font script="Talu" typeface="Microsoft New Tai Lue"/>
+        <a:font script="Tfng" typeface="Ebrima"/>
+      </a:majorFont>
+      <a:minorFont>
+        <a:latin typeface="Calibri" panose="020F0502020204030204"/>
+        <a:ea typeface=""/>
+        <a:cs typeface=""/>
+        <a:font script="Jpan" typeface="游ゴシック"/>
+        <a:font script="Hang" typeface="맑은 고딕"/>
+        <a:font script="Hans" typeface="等线"/>
+        <a:font script="Hant" typeface="新細明體"/>
+        <a:font script="Arab" typeface="Arial"/>
+        <a:font script="Hebr" typeface="Arial"/>
+        <a:font script="Thai" typeface="Cordia New"/>
+        <a:font script="Ethi" typeface="Nyala"/>
+        <a:font script="Beng" typeface="Vrinda"/>
+        <a:font script="Gujr" typeface="Shruti"/>
+        <a:font script="Khmr" typeface="DaunPenh"/>
+        <a:font script="Knda" typeface="Tunga"/>
+        <a:font script="Guru" typeface="Raavi"/>
+        <a:font script="Cans" typeface="Euphemia"/>
+        <a:font script="Cher" typeface="Plantagenet Cherokee"/>
+        <a:font script="Yiii" typeface="Microsoft Yi Baiti"/>
+        <a:font script="Tibt" typeface="Microsoft Himalaya"/>
+        <a:font script="Thaa" typeface="MV Boli"/>
+        <a:font script="Deva" typeface="Mangal"/>
+        <a:font script="Telu" typeface="Gautami"/>
+        <a:font script="Taml" typeface="Latha"/>
+        <a:font script="Syrc" typeface="Estrangelo Edessa"/>
+        <a:font script="Orya" typeface="Kalinga"/>
+        <a:font script="Mlym" typeface="Kartika"/>
+        <a:font script="Laoo" typeface="DokChampa"/>
+        <a:font script="Sinh" typeface="Iskoola Pota"/>
+        <a:font script="Mong" typeface="Mongolian Baiti"/>
+        <a:font script="Viet" typeface="Arial"/>
+        <a:font script="Uigh" typeface="Microsoft Uighur"/>
+        <a:font script="Geor" typeface="Sylfaen"/>
+        <a:font script="Armn" typeface="Arial"/>
+        <a:font script="Bugi" typeface="Leelawadee UI"/>
+        <a:font script="Bopo" typeface="Microsoft JhengHei"/>
+        <a:font script="Java" typeface="Javanese Text"/>
+        <a:font script="Lisu" typeface="Segoe UI"/>
+        <a:font script="Mymr" typeface="Myanmar Text"/>
+        <a:font script="Nkoo" typeface="Ebrima"/>
+        <a:font script="Olck" typeface="Nirmala UI"/>
+        <a:font script="Osma" typeface="Ebrima"/>
+        <a:font script="Phag" typeface="Phagspa"/>
+        <a:font script="Syrn" typeface="Estrangelo Edessa"/>
+        <a:font script="Syrj" typeface="Estrangelo Edessa"/>
+        <a:font script="Syre" typeface="Estrangelo Edessa"/>
+        <a:font script="Sora" typeface="Nirmala UI"/>
+        <a:font script="Tale" typeface="Microsoft Tai Le"/>
+        <a:font script="Talu" typeface="Microsoft New Tai Lue"/>
+        <a:font script="Tfng" typeface="Ebrima"/>
+      </a:minorFont>
+    </a:fontScheme>
+    <a:fmtScheme name="Office">
+      <a:fillStyleLst>
+        <a:solidFill>
+          <a:schemeClr val="phClr"/>
+        </a:solidFill>
+        <a:gradFill rotWithShape="1">
+          <a:gsLst>
+            <a:gs pos="0">
+              <a:schemeClr val="phClr">
+                <a:lumMod val="110000"/>
+                <a:satMod val="105000"/>
+                <a:tint val="67000"/>
+              </a:schemeClr>
+            </a:gs>
+            <a:gs pos="50000">
+              <a:schemeClr val="phClr">
+                <a:lumMod val="105000"/>
+                <a:satMod val="103000"/>
+                <a:tint val="73000"/>
+              </a:schemeClr>
+            </a:gs>
+            <a:gs pos="100000">
+              <a:schemeClr val="phClr">
+                <a:lumMod val="105000"/>
+                <a:satMod val="109000"/>
+                <a:tint val="81000"/>
+              </a:schemeClr>
+            </a:gs>
+          </a:gsLst>
+          <a:lin ang="5400000" scaled="0"/>
+        </a:gradFill>
+        <a:gradFill rotWithShape="1">
+          <a:gsLst>
+            <a:gs pos="0">
+              <a:schemeClr val="phClr">
+                <a:satMod val="103000"/>
+                <a:lumMod val="102000"/>
+                <a:tint val="94000"/>
+              </a:schemeClr>
+            </a:gs>
+            <a:gs pos="50000">
+              <a:schemeClr val="phClr">
+                <a:satMod val="110000"/>
+                <a:lumMod val="100000"/>
+                <a:shade val="100000"/>
+              </a:schemeClr>
+            </a:gs>
+            <a:gs pos="100000">
+              <a:schemeClr val="phClr">
+                <a:lumMod val="99000"/>
+                <a:satMod val="120000"/>
+                <a:shade val="78000"/>
+              </a:schemeClr>
+            </a:gs>
+          </a:gsLst>
+          <a:lin ang="5400000" scaled="0"/>
+        </a:gradFill>
+      </a:fillStyleLst>
+      <a:lnStyleLst>
+        <a:ln w="6350" cap="flat" cmpd="sng" algn="ctr">
+          <a:solidFill>
+            <a:schemeClr val="phClr"/>
+          </a:solidFill>
+          <a:prstDash val="solid"/>
+          <a:miter lim="800000"/>
+        </a:ln>
+        <a:ln w="12700" cap="flat" cmpd="sng" algn="ctr">
+          <a:solidFill>
+            <a:schemeClr val="phClr"/>
+          </a:solidFill>
+          <a:prstDash val="solid"/>
+          <a:miter lim="800000"/>
+        </a:ln>
+        <a:ln w="19050" cap="flat" cmpd="sng" algn="ctr">
+          <a:solidFill>
+            <a:schemeClr val="phClr"/>
+          </a:solidFill>
+          <a:prstDash val="solid"/>
+          <a:miter lim="800000"/>
+        </a:ln>
+      </a:lnStyleLst>
+      <a:effectStyleLst>
+        <a:effectStyle>
+          <a:effectLst/>
+        </a:effectStyle>
+        <a:effectStyle>
+          <a:effectLst/>
+        </a:effectStyle>
+        <a:effectStyle>
+          <a:effectLst>
+            <a:outerShdw blurRad="57150" dist="19050" dir="5400000" algn="ctr" rotWithShape="0">
+              <a:srgbClr val="000000">
+                <a:alpha val="63000"/>
+              </a:srgbClr>
+            </a:outerShdw>
+          </a:effectLst>
+        </a:effectStyle>
+      </a:effectStyleLst>
+      <a:bgFillStyleLst>
+        <a:solidFill>
+          <a:schemeClr val="phClr"/>
+        </a:solidFill>
+        <a:solidFill>
+          <a:schemeClr val="phClr">
+            <a:tint val="95000"/>
+            <a:satMod val="170000"/>
+          </a:schemeClr>
+        </a:solidFill>
+        <a:gradFill rotWithShape="1">
+          <a:gsLst>
+            <a:gs pos="0">
+              <a:schemeClr val="phClr">
+                <a:tint val="93000"/>
+                <a:satMod val="150000"/>
+                <a:shade val="98000"/>
+                <a:lumMod val="102000"/>
+              </a:schemeClr>
+            </a:gs>
+            <a:gs pos="50000">
+              <a:schemeClr val="phClr">
+                <a:tint val="98000"/>
+                <a:satMod val="130000"/>
+                <a:shade val="90000"/>
+                <a:lumMod val="103000"/>
+              </a:schemeClr>
+            </a:gs>
+            <a:gs pos="100000">
+              <a:schemeClr val="phClr">
+                <a:shade val="63000"/>
+                <a:satMod val="120000"/>
+              </a:schemeClr>
+            </a:gs>
+          </a:gsLst>
+          <a:lin ang="5400000" scaled="0"/>
+        </a:gradFill>
+      </a:bgFillStyleLst>
+    </a:fmtScheme>
+  </a:themeElements>
+  <a:objectDefaults/>
+  <a:extraClrSchemeLst/>
+  <a:extLst>
+    <a:ext uri="{05A4C25C-085E-4340-85A3-A5531E510DB2}">
+      <thm15:themeFamily xmlns:thm15="http://schemas.microsoft.com/office/thememl/2012/main" name="Office Theme" id="{62F939B6-93AF-4DB8-9C6B-D6C7DFDC589F}" vid="{4A3C46E8-61CC-4603-A589-7422A47A8E4A}"/>
+    </a:ext>
+  </a:extLst>
+</a:theme>
 </file>